--- a/Project/Project0.pptx
+++ b/Project/Project0.pptx
@@ -5,42 +5,50 @@
     <p:sldMasterId id="2147483648" r:id="rId4"/>
   </p:sldMasterIdLst>
   <p:notesMasterIdLst>
-    <p:notesMasterId r:id="rId35"/>
+    <p:notesMasterId r:id="rId43"/>
   </p:notesMasterIdLst>
   <p:handoutMasterIdLst>
-    <p:handoutMasterId r:id="rId36"/>
+    <p:handoutMasterId r:id="rId44"/>
   </p:handoutMasterIdLst>
   <p:sldIdLst>
     <p:sldId id="314" r:id="rId5"/>
     <p:sldId id="329" r:id="rId6"/>
-    <p:sldId id="354" r:id="rId7"/>
-    <p:sldId id="318" r:id="rId8"/>
-    <p:sldId id="340" r:id="rId9"/>
-    <p:sldId id="332" r:id="rId10"/>
-    <p:sldId id="357" r:id="rId11"/>
-    <p:sldId id="335" r:id="rId12"/>
-    <p:sldId id="333" r:id="rId13"/>
-    <p:sldId id="355" r:id="rId14"/>
-    <p:sldId id="348" r:id="rId15"/>
-    <p:sldId id="349" r:id="rId16"/>
-    <p:sldId id="350" r:id="rId17"/>
-    <p:sldId id="347" r:id="rId18"/>
-    <p:sldId id="334" r:id="rId19"/>
-    <p:sldId id="337" r:id="rId20"/>
-    <p:sldId id="338" r:id="rId21"/>
-    <p:sldId id="339" r:id="rId22"/>
-    <p:sldId id="342" r:id="rId23"/>
-    <p:sldId id="351" r:id="rId24"/>
-    <p:sldId id="345" r:id="rId25"/>
-    <p:sldId id="343" r:id="rId26"/>
-    <p:sldId id="344" r:id="rId27"/>
-    <p:sldId id="352" r:id="rId28"/>
-    <p:sldId id="353" r:id="rId29"/>
-    <p:sldId id="356" r:id="rId30"/>
-    <p:sldId id="336" r:id="rId31"/>
-    <p:sldId id="328" r:id="rId32"/>
-    <p:sldId id="346" r:id="rId33"/>
-    <p:sldId id="331" r:id="rId34"/>
+    <p:sldId id="361" r:id="rId7"/>
+    <p:sldId id="354" r:id="rId8"/>
+    <p:sldId id="360" r:id="rId9"/>
+    <p:sldId id="318" r:id="rId10"/>
+    <p:sldId id="340" r:id="rId11"/>
+    <p:sldId id="362" r:id="rId12"/>
+    <p:sldId id="332" r:id="rId13"/>
+    <p:sldId id="357" r:id="rId14"/>
+    <p:sldId id="335" r:id="rId15"/>
+    <p:sldId id="363" r:id="rId16"/>
+    <p:sldId id="358" r:id="rId17"/>
+    <p:sldId id="359" r:id="rId18"/>
+    <p:sldId id="364" r:id="rId19"/>
+    <p:sldId id="333" r:id="rId20"/>
+    <p:sldId id="355" r:id="rId21"/>
+    <p:sldId id="348" r:id="rId22"/>
+    <p:sldId id="349" r:id="rId23"/>
+    <p:sldId id="350" r:id="rId24"/>
+    <p:sldId id="347" r:id="rId25"/>
+    <p:sldId id="334" r:id="rId26"/>
+    <p:sldId id="337" r:id="rId27"/>
+    <p:sldId id="338" r:id="rId28"/>
+    <p:sldId id="339" r:id="rId29"/>
+    <p:sldId id="365" r:id="rId30"/>
+    <p:sldId id="342" r:id="rId31"/>
+    <p:sldId id="351" r:id="rId32"/>
+    <p:sldId id="345" r:id="rId33"/>
+    <p:sldId id="343" r:id="rId34"/>
+    <p:sldId id="344" r:id="rId35"/>
+    <p:sldId id="352" r:id="rId36"/>
+    <p:sldId id="353" r:id="rId37"/>
+    <p:sldId id="356" r:id="rId38"/>
+    <p:sldId id="336" r:id="rId39"/>
+    <p:sldId id="328" r:id="rId40"/>
+    <p:sldId id="346" r:id="rId41"/>
+    <p:sldId id="331" r:id="rId42"/>
   </p:sldIdLst>
   <p:sldSz cx="12192000" cy="6858000"/>
   <p:notesSz cx="6858000" cy="9144000"/>
@@ -140,6 +148,52 @@
     </a:lvl9pPr>
   </p:defaultTextStyle>
   <p:extLst>
+    <p:ext uri="{521415D9-36F7-43E2-AB2F-B90AF26B5E84}">
+      <p14:sectionLst xmlns:p14="http://schemas.microsoft.com/office/powerpoint/2010/main">
+        <p14:section name="Default Section" id="{887A5B44-5821-403A-9435-8CAE9A9ADE1B}">
+          <p14:sldIdLst>
+            <p14:sldId id="314"/>
+            <p14:sldId id="329"/>
+            <p14:sldId id="361"/>
+            <p14:sldId id="354"/>
+            <p14:sldId id="360"/>
+            <p14:sldId id="318"/>
+            <p14:sldId id="340"/>
+            <p14:sldId id="362"/>
+            <p14:sldId id="332"/>
+            <p14:sldId id="357"/>
+            <p14:sldId id="335"/>
+            <p14:sldId id="363"/>
+            <p14:sldId id="358"/>
+            <p14:sldId id="359"/>
+            <p14:sldId id="364"/>
+            <p14:sldId id="333"/>
+            <p14:sldId id="355"/>
+            <p14:sldId id="348"/>
+            <p14:sldId id="349"/>
+            <p14:sldId id="350"/>
+            <p14:sldId id="347"/>
+            <p14:sldId id="334"/>
+            <p14:sldId id="337"/>
+            <p14:sldId id="338"/>
+            <p14:sldId id="339"/>
+            <p14:sldId id="365"/>
+            <p14:sldId id="342"/>
+            <p14:sldId id="351"/>
+            <p14:sldId id="345"/>
+            <p14:sldId id="343"/>
+            <p14:sldId id="344"/>
+            <p14:sldId id="352"/>
+            <p14:sldId id="353"/>
+            <p14:sldId id="356"/>
+            <p14:sldId id="336"/>
+            <p14:sldId id="328"/>
+            <p14:sldId id="346"/>
+            <p14:sldId id="331"/>
+          </p14:sldIdLst>
+        </p14:section>
+      </p14:sectionLst>
+    </p:ext>
     <p:ext uri="{EFAFB233-063F-42B5-8137-9DF3F51BA10A}">
       <p15:sldGuideLst xmlns:p15="http://schemas.microsoft.com/office/powerpoint/2012/main">
         <p15:guide id="1" orient="horz" pos="1416" userDrawn="1">
@@ -13861,7 +13915,7 @@
           <a:p>
             <a:fld id="{96E09883-B744-4FDD-8623-D69A66650022}" type="slidenum">
               <a:rPr lang="en-US" smtClean="0"/>
-              <a:t>3</a:t>
+              <a:t>4</a:t>
             </a:fld>
             <a:endParaRPr lang="en-US" dirty="0"/>
           </a:p>
@@ -13945,7 +13999,7 @@
           <a:p>
             <a:fld id="{96E09883-B744-4FDD-8623-D69A66650022}" type="slidenum">
               <a:rPr lang="en-US" smtClean="0"/>
-              <a:t>4</a:t>
+              <a:t>6</a:t>
             </a:fld>
             <a:endParaRPr lang="en-US" dirty="0"/>
           </a:p>
@@ -14053,7 +14107,7 @@
           <a:p>
             <a:fld id="{96E09883-B744-4FDD-8623-D69A66650022}" type="slidenum">
               <a:rPr lang="en-US" smtClean="0"/>
-              <a:t>5</a:t>
+              <a:t>7</a:t>
             </a:fld>
             <a:endParaRPr lang="en-US" dirty="0"/>
           </a:p>
@@ -21891,6 +21945,1434 @@
         <p:cNvPr id="1" name="">
           <a:extLst>
             <a:ext uri="{FF2B5EF4-FFF2-40B4-BE49-F238E27FC236}">
+              <a16:creationId xmlns:a16="http://schemas.microsoft.com/office/drawing/2014/main" id="{7C278E01-A365-7CCC-7474-4D508DDFF7F4}"/>
+            </a:ext>
+          </a:extLst>
+        </p:cNvPr>
+        <p:cNvGrpSpPr/>
+        <p:nvPr/>
+      </p:nvGrpSpPr>
+      <p:grpSpPr>
+        <a:xfrm>
+          <a:off x="0" y="0"/>
+          <a:ext cx="0" cy="0"/>
+          <a:chOff x="0" y="0"/>
+          <a:chExt cx="0" cy="0"/>
+        </a:xfrm>
+      </p:grpSpPr>
+      <p:sp>
+        <p:nvSpPr>
+          <p:cNvPr id="2" name="Title 1">
+            <a:extLst>
+              <a:ext uri="{FF2B5EF4-FFF2-40B4-BE49-F238E27FC236}">
+                <a16:creationId xmlns:a16="http://schemas.microsoft.com/office/drawing/2014/main" id="{5466F39F-D6A3-0140-6B70-006C3EAB3CE8}"/>
+              </a:ext>
+            </a:extLst>
+          </p:cNvPr>
+          <p:cNvSpPr>
+            <a:spLocks noGrp="1"/>
+          </p:cNvSpPr>
+          <p:nvPr>
+            <p:ph type="title"/>
+          </p:nvPr>
+        </p:nvSpPr>
+        <p:spPr/>
+        <p:txBody>
+          <a:bodyPr/>
+          <a:lstStyle/>
+          <a:p>
+            <a:r>
+              <a:rPr lang="en-US" dirty="0"/>
+              <a:t>Understanding the variables</a:t>
+            </a:r>
+          </a:p>
+        </p:txBody>
+      </p:sp>
+      <p:pic>
+        <p:nvPicPr>
+          <p:cNvPr id="12" name="Picture Placeholder 11" descr="Employee badge with solid fill">
+            <a:extLst>
+              <a:ext uri="{FF2B5EF4-FFF2-40B4-BE49-F238E27FC236}">
+                <a16:creationId xmlns:a16="http://schemas.microsoft.com/office/drawing/2014/main" id="{45DFBB27-4C55-23A5-2CD5-C3F254F73938}"/>
+              </a:ext>
+            </a:extLst>
+          </p:cNvPr>
+          <p:cNvPicPr>
+            <a:picLocks noGrp="1" noChangeAspect="1"/>
+          </p:cNvPicPr>
+          <p:nvPr>
+            <p:ph type="pic" sz="quarter" idx="24"/>
+          </p:nvPr>
+        </p:nvPicPr>
+        <p:blipFill>
+          <a:blip r:embed="rId2">
+            <a:extLst>
+              <a:ext uri="{96DAC541-7B7A-43D3-8B79-37D633B846F1}">
+                <asvg:svgBlip xmlns:asvg="http://schemas.microsoft.com/office/drawing/2016/SVG/main" r:embed="rId3"/>
+              </a:ext>
+            </a:extLst>
+          </a:blip>
+          <a:srcRect/>
+          <a:stretch/>
+        </p:blipFill>
+        <p:spPr>
+          <a:xfrm>
+            <a:off x="1911350" y="2468187"/>
+            <a:ext cx="685800" cy="685800"/>
+          </a:xfrm>
+        </p:spPr>
+      </p:pic>
+      <p:sp>
+        <p:nvSpPr>
+          <p:cNvPr id="6" name="Text Placeholder 5">
+            <a:extLst>
+              <a:ext uri="{FF2B5EF4-FFF2-40B4-BE49-F238E27FC236}">
+                <a16:creationId xmlns:a16="http://schemas.microsoft.com/office/drawing/2014/main" id="{D04D59AD-A0B3-37CA-90D5-D65868F813C6}"/>
+              </a:ext>
+            </a:extLst>
+          </p:cNvPr>
+          <p:cNvSpPr>
+            <a:spLocks noGrp="1"/>
+          </p:cNvSpPr>
+          <p:nvPr>
+            <p:ph type="body" sz="quarter" idx="16"/>
+          </p:nvPr>
+        </p:nvSpPr>
+        <p:spPr/>
+        <p:txBody>
+          <a:bodyPr/>
+          <a:lstStyle/>
+          <a:p>
+            <a:r>
+              <a:rPr lang="en-US" b="1" dirty="0" err="1"/>
+              <a:t>Student_ID</a:t>
+            </a:r>
+            <a:r>
+              <a:rPr lang="en-US" dirty="0"/>
+              <a:t>: Unique identification combination that serves as a primary key in majority of the tables. </a:t>
+            </a:r>
+          </a:p>
+        </p:txBody>
+      </p:sp>
+      <p:sp>
+        <p:nvSpPr>
+          <p:cNvPr id="7" name="Text Placeholder 6">
+            <a:extLst>
+              <a:ext uri="{FF2B5EF4-FFF2-40B4-BE49-F238E27FC236}">
+                <a16:creationId xmlns:a16="http://schemas.microsoft.com/office/drawing/2014/main" id="{6AF98B3C-DD2A-BB91-290C-DB482C5A2CA5}"/>
+              </a:ext>
+            </a:extLst>
+          </p:cNvPr>
+          <p:cNvSpPr>
+            <a:spLocks noGrp="1"/>
+          </p:cNvSpPr>
+          <p:nvPr>
+            <p:ph type="body" sz="quarter" idx="22"/>
+          </p:nvPr>
+        </p:nvSpPr>
+        <p:spPr/>
+        <p:txBody>
+          <a:bodyPr/>
+          <a:lstStyle/>
+          <a:p>
+            <a:r>
+              <a:rPr lang="en-US" b="1" dirty="0" err="1"/>
+              <a:t>Results_ID</a:t>
+            </a:r>
+            <a:r>
+              <a:rPr lang="en-US" b="1" dirty="0"/>
+              <a:t>: </a:t>
+            </a:r>
+            <a:r>
+              <a:rPr lang="en-US" dirty="0"/>
+              <a:t>A surrogate key that is inserted into the fact table</a:t>
+            </a:r>
+            <a:endParaRPr lang="en-US" b="1" dirty="0"/>
+          </a:p>
+        </p:txBody>
+      </p:sp>
+      <p:sp>
+        <p:nvSpPr>
+          <p:cNvPr id="8" name="Text Placeholder 7">
+            <a:extLst>
+              <a:ext uri="{FF2B5EF4-FFF2-40B4-BE49-F238E27FC236}">
+                <a16:creationId xmlns:a16="http://schemas.microsoft.com/office/drawing/2014/main" id="{10E3C705-B7C6-D653-A270-FD6FC3B34D4C}"/>
+              </a:ext>
+            </a:extLst>
+          </p:cNvPr>
+          <p:cNvSpPr>
+            <a:spLocks noGrp="1"/>
+          </p:cNvSpPr>
+          <p:nvPr>
+            <p:ph type="body" sz="quarter" idx="19"/>
+          </p:nvPr>
+        </p:nvSpPr>
+        <p:spPr/>
+        <p:txBody>
+          <a:bodyPr/>
+          <a:lstStyle/>
+          <a:p>
+            <a:r>
+              <a:rPr lang="en-US" b="1" dirty="0" err="1"/>
+              <a:t>Test_ID</a:t>
+            </a:r>
+            <a:r>
+              <a:rPr lang="en-US" b="1" dirty="0"/>
+              <a:t>: </a:t>
+            </a:r>
+            <a:r>
+              <a:rPr lang="en-US" dirty="0"/>
+              <a:t>A surrogate key inserted into a standalone table or entity. </a:t>
+            </a:r>
+          </a:p>
+        </p:txBody>
+      </p:sp>
+      <p:sp>
+        <p:nvSpPr>
+          <p:cNvPr id="9" name="Footer Placeholder 8">
+            <a:extLst>
+              <a:ext uri="{FF2B5EF4-FFF2-40B4-BE49-F238E27FC236}">
+                <a16:creationId xmlns:a16="http://schemas.microsoft.com/office/drawing/2014/main" id="{AE662AB8-597A-EEC0-66DF-0B154915BF71}"/>
+              </a:ext>
+            </a:extLst>
+          </p:cNvPr>
+          <p:cNvSpPr>
+            <a:spLocks noGrp="1"/>
+          </p:cNvSpPr>
+          <p:nvPr>
+            <p:ph type="ftr" sz="quarter" idx="10"/>
+          </p:nvPr>
+        </p:nvSpPr>
+        <p:spPr/>
+        <p:txBody>
+          <a:bodyPr/>
+          <a:lstStyle/>
+          <a:p>
+            <a:r>
+              <a:rPr lang="en-US"/>
+              <a:t>PRESENTATION TITLE</a:t>
+            </a:r>
+            <a:endParaRPr lang="en-US" dirty="0"/>
+          </a:p>
+        </p:txBody>
+      </p:sp>
+      <p:sp>
+        <p:nvSpPr>
+          <p:cNvPr id="10" name="Slide Number Placeholder 9">
+            <a:extLst>
+              <a:ext uri="{FF2B5EF4-FFF2-40B4-BE49-F238E27FC236}">
+                <a16:creationId xmlns:a16="http://schemas.microsoft.com/office/drawing/2014/main" id="{82F91091-65AD-7E85-BEC7-9AF6D0C6DFC6}"/>
+              </a:ext>
+            </a:extLst>
+          </p:cNvPr>
+          <p:cNvSpPr>
+            <a:spLocks noGrp="1"/>
+          </p:cNvSpPr>
+          <p:nvPr>
+            <p:ph type="sldNum" sz="quarter" idx="11"/>
+          </p:nvPr>
+        </p:nvSpPr>
+        <p:spPr/>
+        <p:txBody>
+          <a:bodyPr/>
+          <a:lstStyle/>
+          <a:p>
+            <a:fld id="{B5CEABB6-07DC-46E8-9B57-56EC44A396E5}" type="slidenum">
+              <a:rPr lang="en-US" smtClean="0"/>
+              <a:pPr/>
+              <a:t>10</a:t>
+            </a:fld>
+            <a:endParaRPr lang="en-US" dirty="0"/>
+          </a:p>
+        </p:txBody>
+      </p:sp>
+      <p:pic>
+        <p:nvPicPr>
+          <p:cNvPr id="3" name="Picture Placeholder 11" descr="Employee badge with solid fill">
+            <a:extLst>
+              <a:ext uri="{FF2B5EF4-FFF2-40B4-BE49-F238E27FC236}">
+                <a16:creationId xmlns:a16="http://schemas.microsoft.com/office/drawing/2014/main" id="{BBCBDB1E-57EC-8542-F610-00538475C5FC}"/>
+              </a:ext>
+            </a:extLst>
+          </p:cNvPr>
+          <p:cNvPicPr>
+            <a:picLocks noChangeAspect="1"/>
+          </p:cNvPicPr>
+          <p:nvPr/>
+        </p:nvPicPr>
+        <p:blipFill>
+          <a:blip r:embed="rId2">
+            <a:extLst>
+              <a:ext uri="{96DAC541-7B7A-43D3-8B79-37D633B846F1}">
+                <asvg:svgBlip xmlns:asvg="http://schemas.microsoft.com/office/drawing/2016/SVG/main" r:embed="rId3"/>
+              </a:ext>
+            </a:extLst>
+          </a:blip>
+          <a:srcRect/>
+          <a:stretch/>
+        </p:blipFill>
+        <p:spPr>
+          <a:xfrm>
+            <a:off x="5105217" y="2468187"/>
+            <a:ext cx="685800" cy="685800"/>
+          </a:xfrm>
+          <a:prstGeom prst="rect">
+            <a:avLst/>
+          </a:prstGeom>
+        </p:spPr>
+      </p:pic>
+      <p:pic>
+        <p:nvPicPr>
+          <p:cNvPr id="4" name="Picture Placeholder 11" descr="Employee badge with solid fill">
+            <a:extLst>
+              <a:ext uri="{FF2B5EF4-FFF2-40B4-BE49-F238E27FC236}">
+                <a16:creationId xmlns:a16="http://schemas.microsoft.com/office/drawing/2014/main" id="{327727BC-EF7E-2F94-9F97-25A145B29B8B}"/>
+              </a:ext>
+            </a:extLst>
+          </p:cNvPr>
+          <p:cNvPicPr>
+            <a:picLocks noChangeAspect="1"/>
+          </p:cNvPicPr>
+          <p:nvPr/>
+        </p:nvPicPr>
+        <p:blipFill>
+          <a:blip r:embed="rId2">
+            <a:extLst>
+              <a:ext uri="{96DAC541-7B7A-43D3-8B79-37D633B846F1}">
+                <asvg:svgBlip xmlns:asvg="http://schemas.microsoft.com/office/drawing/2016/SVG/main" r:embed="rId3"/>
+              </a:ext>
+            </a:extLst>
+          </a:blip>
+          <a:srcRect/>
+          <a:stretch/>
+        </p:blipFill>
+        <p:spPr>
+          <a:xfrm>
+            <a:off x="8413384" y="2468187"/>
+            <a:ext cx="685800" cy="685800"/>
+          </a:xfrm>
+          <a:prstGeom prst="rect">
+            <a:avLst/>
+          </a:prstGeom>
+        </p:spPr>
+      </p:pic>
+    </p:spTree>
+    <p:extLst>
+      <p:ext uri="{BB962C8B-B14F-4D97-AF65-F5344CB8AC3E}">
+        <p14:creationId xmlns:p14="http://schemas.microsoft.com/office/powerpoint/2010/main" val="797201078"/>
+      </p:ext>
+    </p:extLst>
+  </p:cSld>
+  <p:clrMapOvr>
+    <a:masterClrMapping/>
+  </p:clrMapOvr>
+</p:sld>
+</file>
+
+<file path=ppt/slides/slide11.xml><?xml version="1.0" encoding="utf-8"?>
+<p:sld xmlns:a="http://schemas.openxmlformats.org/drawingml/2006/main" xmlns:r="http://schemas.openxmlformats.org/officeDocument/2006/relationships" xmlns:p="http://schemas.openxmlformats.org/presentationml/2006/main">
+  <p:cSld>
+    <p:spTree>
+      <p:nvGrpSpPr>
+        <p:cNvPr id="1" name=""/>
+        <p:cNvGrpSpPr/>
+        <p:nvPr/>
+      </p:nvGrpSpPr>
+      <p:grpSpPr>
+        <a:xfrm>
+          <a:off x="0" y="0"/>
+          <a:ext cx="0" cy="0"/>
+          <a:chOff x="0" y="0"/>
+          <a:chExt cx="0" cy="0"/>
+        </a:xfrm>
+      </p:grpSpPr>
+      <p:sp>
+        <p:nvSpPr>
+          <p:cNvPr id="2" name="Title 1">
+            <a:extLst>
+              <a:ext uri="{FF2B5EF4-FFF2-40B4-BE49-F238E27FC236}">
+                <a16:creationId xmlns:a16="http://schemas.microsoft.com/office/drawing/2014/main" id="{2F188ED2-D940-5582-183C-A4B15C7B1670}"/>
+              </a:ext>
+            </a:extLst>
+          </p:cNvPr>
+          <p:cNvSpPr>
+            <a:spLocks noGrp="1"/>
+          </p:cNvSpPr>
+          <p:nvPr>
+            <p:ph type="title"/>
+          </p:nvPr>
+        </p:nvSpPr>
+        <p:spPr/>
+        <p:txBody>
+          <a:bodyPr/>
+          <a:lstStyle/>
+          <a:p>
+            <a:r>
+              <a:rPr lang="en-US" dirty="0"/>
+              <a:t>ERD </a:t>
+            </a:r>
+          </a:p>
+        </p:txBody>
+      </p:sp>
+      <p:sp>
+        <p:nvSpPr>
+          <p:cNvPr id="3" name="Text Placeholder 2">
+            <a:extLst>
+              <a:ext uri="{FF2B5EF4-FFF2-40B4-BE49-F238E27FC236}">
+                <a16:creationId xmlns:a16="http://schemas.microsoft.com/office/drawing/2014/main" id="{467236FC-1039-283D-3325-F876495AD344}"/>
+              </a:ext>
+            </a:extLst>
+          </p:cNvPr>
+          <p:cNvSpPr>
+            <a:spLocks noGrp="1"/>
+          </p:cNvSpPr>
+          <p:nvPr>
+            <p:ph type="body" sz="quarter" idx="13"/>
+          </p:nvPr>
+        </p:nvSpPr>
+        <p:spPr/>
+        <p:txBody>
+          <a:bodyPr/>
+          <a:lstStyle/>
+          <a:p>
+            <a:r>
+              <a:rPr lang="en-US" dirty="0"/>
+              <a:t>Based on a star schema design, this ERD has the following outline: </a:t>
+            </a:r>
+          </a:p>
+          <a:p>
+            <a:endParaRPr lang="en-US" dirty="0"/>
+          </a:p>
+          <a:p>
+            <a:pPr marL="285750" indent="-285750">
+              <a:buFont typeface="Arial" panose="020B0604020202020204" pitchFamily="34" charset="0"/>
+              <a:buChar char="•"/>
+            </a:pPr>
+            <a:r>
+              <a:rPr lang="en-US" dirty="0"/>
+              <a:t>Fact Table: </a:t>
+            </a:r>
+            <a:r>
+              <a:rPr lang="en-US" dirty="0" err="1"/>
+              <a:t>student_exam_results</a:t>
+            </a:r>
+            <a:endParaRPr lang="en-US" dirty="0"/>
+          </a:p>
+          <a:p>
+            <a:pPr marL="285750" indent="-285750">
+              <a:buFont typeface="Arial" panose="020B0604020202020204" pitchFamily="34" charset="0"/>
+              <a:buChar char="•"/>
+            </a:pPr>
+            <a:r>
+              <a:rPr lang="en-US" dirty="0"/>
+              <a:t>Dimension tables:</a:t>
+            </a:r>
+          </a:p>
+          <a:p>
+            <a:pPr marL="742950" lvl="1" indent="-285750">
+              <a:buFont typeface="Arial" panose="020B0604020202020204" pitchFamily="34" charset="0"/>
+              <a:buChar char="•"/>
+            </a:pPr>
+            <a:r>
+              <a:rPr lang="en-US" dirty="0" err="1"/>
+              <a:t>Student_exam_survey</a:t>
+            </a:r>
+            <a:endParaRPr lang="en-US" dirty="0"/>
+          </a:p>
+          <a:p>
+            <a:pPr marL="742950" lvl="1" indent="-285750">
+              <a:buFont typeface="Arial" panose="020B0604020202020204" pitchFamily="34" charset="0"/>
+              <a:buChar char="•"/>
+            </a:pPr>
+            <a:r>
+              <a:rPr lang="en-US" dirty="0"/>
+              <a:t>Subjects</a:t>
+            </a:r>
+          </a:p>
+          <a:p>
+            <a:pPr marL="742950" lvl="1" indent="-285750">
+              <a:buFont typeface="Arial" panose="020B0604020202020204" pitchFamily="34" charset="0"/>
+              <a:buChar char="•"/>
+            </a:pPr>
+            <a:r>
+              <a:rPr lang="en-US" dirty="0" err="1"/>
+              <a:t>Student_list</a:t>
+            </a:r>
+            <a:endParaRPr lang="en-US" dirty="0"/>
+          </a:p>
+          <a:p>
+            <a:pPr marL="742950" lvl="1" indent="-285750">
+              <a:buFont typeface="Arial" panose="020B0604020202020204" pitchFamily="34" charset="0"/>
+              <a:buChar char="•"/>
+            </a:pPr>
+            <a:r>
+              <a:rPr lang="en-US" dirty="0"/>
+              <a:t>Tests</a:t>
+            </a:r>
+          </a:p>
+        </p:txBody>
+      </p:sp>
+      <p:sp>
+        <p:nvSpPr>
+          <p:cNvPr id="4" name="Footer Placeholder 3">
+            <a:extLst>
+              <a:ext uri="{FF2B5EF4-FFF2-40B4-BE49-F238E27FC236}">
+                <a16:creationId xmlns:a16="http://schemas.microsoft.com/office/drawing/2014/main" id="{B6356006-64F9-40D8-878C-D0CFCC2D522D}"/>
+              </a:ext>
+            </a:extLst>
+          </p:cNvPr>
+          <p:cNvSpPr>
+            <a:spLocks noGrp="1"/>
+          </p:cNvSpPr>
+          <p:nvPr>
+            <p:ph type="ftr" sz="quarter" idx="10"/>
+          </p:nvPr>
+        </p:nvSpPr>
+        <p:spPr/>
+        <p:txBody>
+          <a:bodyPr/>
+          <a:lstStyle/>
+          <a:p>
+            <a:r>
+              <a:rPr lang="en-US"/>
+              <a:t>PRESENTATION TITLE</a:t>
+            </a:r>
+            <a:endParaRPr lang="en-US" dirty="0"/>
+          </a:p>
+        </p:txBody>
+      </p:sp>
+      <p:sp>
+        <p:nvSpPr>
+          <p:cNvPr id="5" name="Slide Number Placeholder 4">
+            <a:extLst>
+              <a:ext uri="{FF2B5EF4-FFF2-40B4-BE49-F238E27FC236}">
+                <a16:creationId xmlns:a16="http://schemas.microsoft.com/office/drawing/2014/main" id="{3D9D7A03-F6D2-29E2-40CC-221A9A6ACA79}"/>
+              </a:ext>
+            </a:extLst>
+          </p:cNvPr>
+          <p:cNvSpPr>
+            <a:spLocks noGrp="1"/>
+          </p:cNvSpPr>
+          <p:nvPr>
+            <p:ph type="sldNum" sz="quarter" idx="11"/>
+          </p:nvPr>
+        </p:nvSpPr>
+        <p:spPr/>
+        <p:txBody>
+          <a:bodyPr/>
+          <a:lstStyle/>
+          <a:p>
+            <a:fld id="{B5CEABB6-07DC-46E8-9B57-56EC44A396E5}" type="slidenum">
+              <a:rPr lang="en-US" smtClean="0"/>
+              <a:pPr/>
+              <a:t>11</a:t>
+            </a:fld>
+            <a:endParaRPr lang="en-US" dirty="0"/>
+          </a:p>
+        </p:txBody>
+      </p:sp>
+      <p:pic>
+        <p:nvPicPr>
+          <p:cNvPr id="7" name="Picture 6">
+            <a:extLst>
+              <a:ext uri="{FF2B5EF4-FFF2-40B4-BE49-F238E27FC236}">
+                <a16:creationId xmlns:a16="http://schemas.microsoft.com/office/drawing/2014/main" id="{E274A56A-0ABC-0003-358F-99E989226519}"/>
+              </a:ext>
+            </a:extLst>
+          </p:cNvPr>
+          <p:cNvPicPr>
+            <a:picLocks noChangeAspect="1"/>
+          </p:cNvPicPr>
+          <p:nvPr/>
+        </p:nvPicPr>
+        <p:blipFill>
+          <a:blip r:embed="rId2"/>
+          <a:srcRect/>
+          <a:stretch/>
+        </p:blipFill>
+        <p:spPr>
+          <a:xfrm>
+            <a:off x="5713192" y="0"/>
+            <a:ext cx="6478808" cy="6858000"/>
+          </a:xfrm>
+          <a:prstGeom prst="rect">
+            <a:avLst/>
+          </a:prstGeom>
+        </p:spPr>
+      </p:pic>
+    </p:spTree>
+    <p:extLst>
+      <p:ext uri="{BB962C8B-B14F-4D97-AF65-F5344CB8AC3E}">
+        <p14:creationId xmlns:p14="http://schemas.microsoft.com/office/powerpoint/2010/main" val="3101327830"/>
+      </p:ext>
+    </p:extLst>
+  </p:cSld>
+  <p:clrMapOvr>
+    <a:masterClrMapping/>
+  </p:clrMapOvr>
+</p:sld>
+</file>
+
+<file path=ppt/slides/slide12.xml><?xml version="1.0" encoding="utf-8"?>
+<p:sld xmlns:a="http://schemas.openxmlformats.org/drawingml/2006/main" xmlns:r="http://schemas.openxmlformats.org/officeDocument/2006/relationships" xmlns:p="http://schemas.openxmlformats.org/presentationml/2006/main">
+  <p:cSld>
+    <p:spTree>
+      <p:nvGrpSpPr>
+        <p:cNvPr id="1" name="">
+          <a:extLst>
+            <a:ext uri="{FF2B5EF4-FFF2-40B4-BE49-F238E27FC236}">
+              <a16:creationId xmlns:a16="http://schemas.microsoft.com/office/drawing/2014/main" id="{F3ACAC8B-FA7E-DA6B-7CE3-74C0A276A36D}"/>
+            </a:ext>
+          </a:extLst>
+        </p:cNvPr>
+        <p:cNvGrpSpPr/>
+        <p:nvPr/>
+      </p:nvGrpSpPr>
+      <p:grpSpPr>
+        <a:xfrm>
+          <a:off x="0" y="0"/>
+          <a:ext cx="0" cy="0"/>
+          <a:chOff x="0" y="0"/>
+          <a:chExt cx="0" cy="0"/>
+        </a:xfrm>
+      </p:grpSpPr>
+      <p:sp>
+        <p:nvSpPr>
+          <p:cNvPr id="11" name="Title 10">
+            <a:extLst>
+              <a:ext uri="{FF2B5EF4-FFF2-40B4-BE49-F238E27FC236}">
+                <a16:creationId xmlns:a16="http://schemas.microsoft.com/office/drawing/2014/main" id="{AFB342F2-2E9C-F902-EA38-FCB93AEF049C}"/>
+              </a:ext>
+            </a:extLst>
+          </p:cNvPr>
+          <p:cNvSpPr>
+            <a:spLocks noGrp="1"/>
+          </p:cNvSpPr>
+          <p:nvPr>
+            <p:ph type="ctrTitle"/>
+          </p:nvPr>
+        </p:nvSpPr>
+        <p:spPr/>
+        <p:txBody>
+          <a:bodyPr/>
+          <a:lstStyle/>
+          <a:p>
+            <a:r>
+              <a:rPr lang="en-US" dirty="0"/>
+              <a:t>Analysis</a:t>
+            </a:r>
+          </a:p>
+        </p:txBody>
+      </p:sp>
+      <p:sp>
+        <p:nvSpPr>
+          <p:cNvPr id="12" name="Subtitle 11">
+            <a:extLst>
+              <a:ext uri="{FF2B5EF4-FFF2-40B4-BE49-F238E27FC236}">
+                <a16:creationId xmlns:a16="http://schemas.microsoft.com/office/drawing/2014/main" id="{CDD5748F-EA3B-1B94-3AAA-741689023665}"/>
+              </a:ext>
+            </a:extLst>
+          </p:cNvPr>
+          <p:cNvSpPr>
+            <a:spLocks noGrp="1"/>
+          </p:cNvSpPr>
+          <p:nvPr>
+            <p:ph type="subTitle" idx="1"/>
+          </p:nvPr>
+        </p:nvSpPr>
+        <p:spPr/>
+        <p:txBody>
+          <a:bodyPr/>
+          <a:lstStyle/>
+          <a:p>
+            <a:endParaRPr lang="en-US" dirty="0"/>
+          </a:p>
+        </p:txBody>
+      </p:sp>
+      <p:sp>
+        <p:nvSpPr>
+          <p:cNvPr id="9" name="Footer Placeholder 8">
+            <a:extLst>
+              <a:ext uri="{FF2B5EF4-FFF2-40B4-BE49-F238E27FC236}">
+                <a16:creationId xmlns:a16="http://schemas.microsoft.com/office/drawing/2014/main" id="{91B5D660-6D7D-89E4-7543-41743B0C746C}"/>
+              </a:ext>
+            </a:extLst>
+          </p:cNvPr>
+          <p:cNvSpPr>
+            <a:spLocks noGrp="1"/>
+          </p:cNvSpPr>
+          <p:nvPr>
+            <p:ph type="ftr" sz="quarter" idx="4294967295"/>
+          </p:nvPr>
+        </p:nvSpPr>
+        <p:spPr>
+          <a:xfrm>
+            <a:off x="0" y="6356350"/>
+            <a:ext cx="4411663" cy="365125"/>
+          </a:xfrm>
+        </p:spPr>
+        <p:txBody>
+          <a:bodyPr/>
+          <a:lstStyle/>
+          <a:p>
+            <a:r>
+              <a:rPr lang="en-US"/>
+              <a:t>PRESENTATION TITLE</a:t>
+            </a:r>
+            <a:endParaRPr lang="en-US" dirty="0"/>
+          </a:p>
+        </p:txBody>
+      </p:sp>
+      <p:sp>
+        <p:nvSpPr>
+          <p:cNvPr id="10" name="Slide Number Placeholder 9">
+            <a:extLst>
+              <a:ext uri="{FF2B5EF4-FFF2-40B4-BE49-F238E27FC236}">
+                <a16:creationId xmlns:a16="http://schemas.microsoft.com/office/drawing/2014/main" id="{BE424158-5718-5B5E-7FB5-ABA18C17D997}"/>
+              </a:ext>
+            </a:extLst>
+          </p:cNvPr>
+          <p:cNvSpPr>
+            <a:spLocks noGrp="1"/>
+          </p:cNvSpPr>
+          <p:nvPr>
+            <p:ph type="sldNum" sz="quarter" idx="4294967295"/>
+          </p:nvPr>
+        </p:nvSpPr>
+        <p:spPr>
+          <a:xfrm>
+            <a:off x="9448800" y="6356350"/>
+            <a:ext cx="2743200" cy="365125"/>
+          </a:xfrm>
+        </p:spPr>
+        <p:txBody>
+          <a:bodyPr/>
+          <a:lstStyle/>
+          <a:p>
+            <a:fld id="{B5CEABB6-07DC-46E8-9B57-56EC44A396E5}" type="slidenum">
+              <a:rPr lang="en-US" smtClean="0"/>
+              <a:pPr/>
+              <a:t>12</a:t>
+            </a:fld>
+            <a:endParaRPr lang="en-US" dirty="0"/>
+          </a:p>
+        </p:txBody>
+      </p:sp>
+    </p:spTree>
+    <p:extLst>
+      <p:ext uri="{BB962C8B-B14F-4D97-AF65-F5344CB8AC3E}">
+        <p14:creationId xmlns:p14="http://schemas.microsoft.com/office/powerpoint/2010/main" val="1410732142"/>
+      </p:ext>
+    </p:extLst>
+  </p:cSld>
+  <p:clrMapOvr>
+    <a:masterClrMapping/>
+  </p:clrMapOvr>
+</p:sld>
+</file>
+
+<file path=ppt/slides/slide13.xml><?xml version="1.0" encoding="utf-8"?>
+<p:sld xmlns:a="http://schemas.openxmlformats.org/drawingml/2006/main" xmlns:r="http://schemas.openxmlformats.org/officeDocument/2006/relationships" xmlns:p="http://schemas.openxmlformats.org/presentationml/2006/main">
+  <p:cSld>
+    <p:spTree>
+      <p:nvGrpSpPr>
+        <p:cNvPr id="1" name="">
+          <a:extLst>
+            <a:ext uri="{FF2B5EF4-FFF2-40B4-BE49-F238E27FC236}">
+              <a16:creationId xmlns:a16="http://schemas.microsoft.com/office/drawing/2014/main" id="{2FD9BD8E-59D7-7864-18B0-CF400667D1FF}"/>
+            </a:ext>
+          </a:extLst>
+        </p:cNvPr>
+        <p:cNvGrpSpPr/>
+        <p:nvPr/>
+      </p:nvGrpSpPr>
+      <p:grpSpPr>
+        <a:xfrm>
+          <a:off x="0" y="0"/>
+          <a:ext cx="0" cy="0"/>
+          <a:chOff x="0" y="0"/>
+          <a:chExt cx="0" cy="0"/>
+        </a:xfrm>
+      </p:grpSpPr>
+      <p:sp>
+        <p:nvSpPr>
+          <p:cNvPr id="2" name="Title 1">
+            <a:extLst>
+              <a:ext uri="{FF2B5EF4-FFF2-40B4-BE49-F238E27FC236}">
+                <a16:creationId xmlns:a16="http://schemas.microsoft.com/office/drawing/2014/main" id="{9A5E2C38-013A-B897-3522-9F5AB8122C94}"/>
+              </a:ext>
+            </a:extLst>
+          </p:cNvPr>
+          <p:cNvSpPr>
+            <a:spLocks noGrp="1"/>
+          </p:cNvSpPr>
+          <p:nvPr>
+            <p:ph type="title"/>
+          </p:nvPr>
+        </p:nvSpPr>
+        <p:spPr>
+          <a:xfrm>
+            <a:off x="811184" y="621973"/>
+            <a:ext cx="10319557" cy="961899"/>
+          </a:xfrm>
+        </p:spPr>
+        <p:txBody>
+          <a:bodyPr/>
+          <a:lstStyle/>
+          <a:p>
+            <a:r>
+              <a:rPr lang="en-US" dirty="0" err="1"/>
+              <a:t>mySQL</a:t>
+            </a:r>
+            <a:r>
+              <a:rPr lang="en-US" dirty="0"/>
+              <a:t> generated values</a:t>
+            </a:r>
+          </a:p>
+        </p:txBody>
+      </p:sp>
+      <p:sp>
+        <p:nvSpPr>
+          <p:cNvPr id="4" name="Footer Placeholder 3">
+            <a:extLst>
+              <a:ext uri="{FF2B5EF4-FFF2-40B4-BE49-F238E27FC236}">
+                <a16:creationId xmlns:a16="http://schemas.microsoft.com/office/drawing/2014/main" id="{9D9BD632-BC8C-540A-5D78-65DE608256D0}"/>
+              </a:ext>
+            </a:extLst>
+          </p:cNvPr>
+          <p:cNvSpPr>
+            <a:spLocks noGrp="1"/>
+          </p:cNvSpPr>
+          <p:nvPr>
+            <p:ph type="ftr" sz="quarter" idx="10"/>
+          </p:nvPr>
+        </p:nvSpPr>
+        <p:spPr/>
+        <p:txBody>
+          <a:bodyPr/>
+          <a:lstStyle/>
+          <a:p>
+            <a:r>
+              <a:rPr lang="en-US"/>
+              <a:t>PRESENTATION TITLE</a:t>
+            </a:r>
+            <a:endParaRPr lang="en-US" dirty="0"/>
+          </a:p>
+        </p:txBody>
+      </p:sp>
+      <p:sp>
+        <p:nvSpPr>
+          <p:cNvPr id="5" name="Slide Number Placeholder 4">
+            <a:extLst>
+              <a:ext uri="{FF2B5EF4-FFF2-40B4-BE49-F238E27FC236}">
+                <a16:creationId xmlns:a16="http://schemas.microsoft.com/office/drawing/2014/main" id="{B2E0F976-E46B-A71A-4557-5CD41E7AE751}"/>
+              </a:ext>
+            </a:extLst>
+          </p:cNvPr>
+          <p:cNvSpPr>
+            <a:spLocks noGrp="1"/>
+          </p:cNvSpPr>
+          <p:nvPr>
+            <p:ph type="sldNum" sz="quarter" idx="11"/>
+          </p:nvPr>
+        </p:nvSpPr>
+        <p:spPr/>
+        <p:txBody>
+          <a:bodyPr/>
+          <a:lstStyle/>
+          <a:p>
+            <a:fld id="{B5CEABB6-07DC-46E8-9B57-56EC44A396E5}" type="slidenum">
+              <a:rPr lang="en-US" smtClean="0"/>
+              <a:pPr/>
+              <a:t>13</a:t>
+            </a:fld>
+            <a:endParaRPr lang="en-US" dirty="0"/>
+          </a:p>
+        </p:txBody>
+      </p:sp>
+      <p:pic>
+        <p:nvPicPr>
+          <p:cNvPr id="10" name="Picture 9">
+            <a:extLst>
+              <a:ext uri="{FF2B5EF4-FFF2-40B4-BE49-F238E27FC236}">
+                <a16:creationId xmlns:a16="http://schemas.microsoft.com/office/drawing/2014/main" id="{4DA45FD5-883D-D21A-13CA-C5BF3BF48D7E}"/>
+              </a:ext>
+            </a:extLst>
+          </p:cNvPr>
+          <p:cNvPicPr>
+            <a:picLocks noChangeAspect="1"/>
+          </p:cNvPicPr>
+          <p:nvPr/>
+        </p:nvPicPr>
+        <p:blipFill>
+          <a:blip r:embed="rId2"/>
+          <a:stretch>
+            <a:fillRect/>
+          </a:stretch>
+        </p:blipFill>
+        <p:spPr>
+          <a:xfrm>
+            <a:off x="0" y="1405538"/>
+            <a:ext cx="12261273" cy="4711942"/>
+          </a:xfrm>
+          <a:prstGeom prst="rect">
+            <a:avLst/>
+          </a:prstGeom>
+        </p:spPr>
+      </p:pic>
+    </p:spTree>
+    <p:extLst>
+      <p:ext uri="{BB962C8B-B14F-4D97-AF65-F5344CB8AC3E}">
+        <p14:creationId xmlns:p14="http://schemas.microsoft.com/office/powerpoint/2010/main" val="359844860"/>
+      </p:ext>
+    </p:extLst>
+  </p:cSld>
+  <p:clrMapOvr>
+    <a:masterClrMapping/>
+  </p:clrMapOvr>
+</p:sld>
+</file>
+
+<file path=ppt/slides/slide14.xml><?xml version="1.0" encoding="utf-8"?>
+<p:sld xmlns:a="http://schemas.openxmlformats.org/drawingml/2006/main" xmlns:r="http://schemas.openxmlformats.org/officeDocument/2006/relationships" xmlns:p="http://schemas.openxmlformats.org/presentationml/2006/main">
+  <p:cSld>
+    <p:spTree>
+      <p:nvGrpSpPr>
+        <p:cNvPr id="1" name="">
+          <a:extLst>
+            <a:ext uri="{FF2B5EF4-FFF2-40B4-BE49-F238E27FC236}">
+              <a16:creationId xmlns:a16="http://schemas.microsoft.com/office/drawing/2014/main" id="{97FFE622-A31F-B150-3B9E-FA8818038D4D}"/>
+            </a:ext>
+          </a:extLst>
+        </p:cNvPr>
+        <p:cNvGrpSpPr/>
+        <p:nvPr/>
+      </p:nvGrpSpPr>
+      <p:grpSpPr>
+        <a:xfrm>
+          <a:off x="0" y="0"/>
+          <a:ext cx="0" cy="0"/>
+          <a:chOff x="0" y="0"/>
+          <a:chExt cx="0" cy="0"/>
+        </a:xfrm>
+      </p:grpSpPr>
+      <p:sp>
+        <p:nvSpPr>
+          <p:cNvPr id="2" name="Title 1">
+            <a:extLst>
+              <a:ext uri="{FF2B5EF4-FFF2-40B4-BE49-F238E27FC236}">
+                <a16:creationId xmlns:a16="http://schemas.microsoft.com/office/drawing/2014/main" id="{FDD85B7A-1103-1E7E-F5B6-7CED65D9A493}"/>
+              </a:ext>
+            </a:extLst>
+          </p:cNvPr>
+          <p:cNvSpPr>
+            <a:spLocks noGrp="1"/>
+          </p:cNvSpPr>
+          <p:nvPr>
+            <p:ph type="title"/>
+          </p:nvPr>
+        </p:nvSpPr>
+        <p:spPr>
+          <a:xfrm>
+            <a:off x="661556" y="422467"/>
+            <a:ext cx="10244742" cy="961899"/>
+          </a:xfrm>
+        </p:spPr>
+        <p:txBody>
+          <a:bodyPr/>
+          <a:lstStyle/>
+          <a:p>
+            <a:r>
+              <a:rPr lang="en-US" dirty="0" err="1"/>
+              <a:t>mySQL</a:t>
+            </a:r>
+            <a:r>
+              <a:rPr lang="en-US" dirty="0"/>
+              <a:t> generated values</a:t>
+            </a:r>
+          </a:p>
+        </p:txBody>
+      </p:sp>
+      <p:sp>
+        <p:nvSpPr>
+          <p:cNvPr id="4" name="Footer Placeholder 3">
+            <a:extLst>
+              <a:ext uri="{FF2B5EF4-FFF2-40B4-BE49-F238E27FC236}">
+                <a16:creationId xmlns:a16="http://schemas.microsoft.com/office/drawing/2014/main" id="{11846274-03FF-86A2-F130-C44804F73858}"/>
+              </a:ext>
+            </a:extLst>
+          </p:cNvPr>
+          <p:cNvSpPr>
+            <a:spLocks noGrp="1"/>
+          </p:cNvSpPr>
+          <p:nvPr>
+            <p:ph type="ftr" sz="quarter" idx="10"/>
+          </p:nvPr>
+        </p:nvSpPr>
+        <p:spPr/>
+        <p:txBody>
+          <a:bodyPr/>
+          <a:lstStyle/>
+          <a:p>
+            <a:r>
+              <a:rPr lang="en-US"/>
+              <a:t>PRESENTATION TITLE</a:t>
+            </a:r>
+            <a:endParaRPr lang="en-US" dirty="0"/>
+          </a:p>
+        </p:txBody>
+      </p:sp>
+      <p:sp>
+        <p:nvSpPr>
+          <p:cNvPr id="5" name="Slide Number Placeholder 4">
+            <a:extLst>
+              <a:ext uri="{FF2B5EF4-FFF2-40B4-BE49-F238E27FC236}">
+                <a16:creationId xmlns:a16="http://schemas.microsoft.com/office/drawing/2014/main" id="{37D3E732-74D6-CB7B-3EBB-FB9CC0DF5EFA}"/>
+              </a:ext>
+            </a:extLst>
+          </p:cNvPr>
+          <p:cNvSpPr>
+            <a:spLocks noGrp="1"/>
+          </p:cNvSpPr>
+          <p:nvPr>
+            <p:ph type="sldNum" sz="quarter" idx="11"/>
+          </p:nvPr>
+        </p:nvSpPr>
+        <p:spPr/>
+        <p:txBody>
+          <a:bodyPr/>
+          <a:lstStyle/>
+          <a:p>
+            <a:fld id="{B5CEABB6-07DC-46E8-9B57-56EC44A396E5}" type="slidenum">
+              <a:rPr lang="en-US" smtClean="0"/>
+              <a:pPr/>
+              <a:t>14</a:t>
+            </a:fld>
+            <a:endParaRPr lang="en-US" dirty="0"/>
+          </a:p>
+        </p:txBody>
+      </p:sp>
+      <p:pic>
+        <p:nvPicPr>
+          <p:cNvPr id="6" name="Picture 5">
+            <a:extLst>
+              <a:ext uri="{FF2B5EF4-FFF2-40B4-BE49-F238E27FC236}">
+                <a16:creationId xmlns:a16="http://schemas.microsoft.com/office/drawing/2014/main" id="{6DB65BD4-F746-5542-4CBB-B0AB39DA8074}"/>
+              </a:ext>
+            </a:extLst>
+          </p:cNvPr>
+          <p:cNvPicPr>
+            <a:picLocks noChangeAspect="1"/>
+          </p:cNvPicPr>
+          <p:nvPr/>
+        </p:nvPicPr>
+        <p:blipFill>
+          <a:blip r:embed="rId2"/>
+          <a:stretch>
+            <a:fillRect/>
+          </a:stretch>
+        </p:blipFill>
+        <p:spPr>
+          <a:xfrm>
+            <a:off x="0" y="1155407"/>
+            <a:ext cx="12046569" cy="5702593"/>
+          </a:xfrm>
+          <a:prstGeom prst="rect">
+            <a:avLst/>
+          </a:prstGeom>
+        </p:spPr>
+      </p:pic>
+    </p:spTree>
+    <p:extLst>
+      <p:ext uri="{BB962C8B-B14F-4D97-AF65-F5344CB8AC3E}">
+        <p14:creationId xmlns:p14="http://schemas.microsoft.com/office/powerpoint/2010/main" val="398197640"/>
+      </p:ext>
+    </p:extLst>
+  </p:cSld>
+  <p:clrMapOvr>
+    <a:masterClrMapping/>
+  </p:clrMapOvr>
+</p:sld>
+</file>
+
+<file path=ppt/slides/slide15.xml><?xml version="1.0" encoding="utf-8"?>
+<p:sld xmlns:a="http://schemas.openxmlformats.org/drawingml/2006/main" xmlns:r="http://schemas.openxmlformats.org/officeDocument/2006/relationships" xmlns:p="http://schemas.openxmlformats.org/presentationml/2006/main">
+  <p:cSld>
+    <p:spTree>
+      <p:nvGrpSpPr>
+        <p:cNvPr id="1" name="">
+          <a:extLst>
+            <a:ext uri="{FF2B5EF4-FFF2-40B4-BE49-F238E27FC236}">
+              <a16:creationId xmlns:a16="http://schemas.microsoft.com/office/drawing/2014/main" id="{72E5181E-639F-05BE-4F75-E041A954A494}"/>
+            </a:ext>
+          </a:extLst>
+        </p:cNvPr>
+        <p:cNvGrpSpPr/>
+        <p:nvPr/>
+      </p:nvGrpSpPr>
+      <p:grpSpPr>
+        <a:xfrm>
+          <a:off x="0" y="0"/>
+          <a:ext cx="0" cy="0"/>
+          <a:chOff x="0" y="0"/>
+          <a:chExt cx="0" cy="0"/>
+        </a:xfrm>
+      </p:grpSpPr>
+      <p:sp>
+        <p:nvSpPr>
+          <p:cNvPr id="2" name="Title 1">
+            <a:extLst>
+              <a:ext uri="{FF2B5EF4-FFF2-40B4-BE49-F238E27FC236}">
+                <a16:creationId xmlns:a16="http://schemas.microsoft.com/office/drawing/2014/main" id="{32ABECD3-17F2-C2FC-3541-BFC5162DC4D0}"/>
+              </a:ext>
+            </a:extLst>
+          </p:cNvPr>
+          <p:cNvSpPr>
+            <a:spLocks noGrp="1"/>
+          </p:cNvSpPr>
+          <p:nvPr>
+            <p:ph type="title"/>
+          </p:nvPr>
+        </p:nvSpPr>
+        <p:spPr>
+          <a:xfrm>
+            <a:off x="661556" y="422467"/>
+            <a:ext cx="10244742" cy="961899"/>
+          </a:xfrm>
+        </p:spPr>
+        <p:txBody>
+          <a:bodyPr/>
+          <a:lstStyle/>
+          <a:p>
+            <a:r>
+              <a:rPr lang="en-US" dirty="0" err="1"/>
+              <a:t>mySQL</a:t>
+            </a:r>
+            <a:r>
+              <a:rPr lang="en-US" dirty="0"/>
+              <a:t> generated values</a:t>
+            </a:r>
+          </a:p>
+        </p:txBody>
+      </p:sp>
+      <p:sp>
+        <p:nvSpPr>
+          <p:cNvPr id="4" name="Footer Placeholder 3">
+            <a:extLst>
+              <a:ext uri="{FF2B5EF4-FFF2-40B4-BE49-F238E27FC236}">
+                <a16:creationId xmlns:a16="http://schemas.microsoft.com/office/drawing/2014/main" id="{B8E5E534-6D67-803D-D83A-9F8D7C149A14}"/>
+              </a:ext>
+            </a:extLst>
+          </p:cNvPr>
+          <p:cNvSpPr>
+            <a:spLocks noGrp="1"/>
+          </p:cNvSpPr>
+          <p:nvPr>
+            <p:ph type="ftr" sz="quarter" idx="10"/>
+          </p:nvPr>
+        </p:nvSpPr>
+        <p:spPr/>
+        <p:txBody>
+          <a:bodyPr/>
+          <a:lstStyle/>
+          <a:p>
+            <a:r>
+              <a:rPr lang="en-US"/>
+              <a:t>PRESENTATION TITLE</a:t>
+            </a:r>
+            <a:endParaRPr lang="en-US" dirty="0"/>
+          </a:p>
+        </p:txBody>
+      </p:sp>
+      <p:sp>
+        <p:nvSpPr>
+          <p:cNvPr id="5" name="Slide Number Placeholder 4">
+            <a:extLst>
+              <a:ext uri="{FF2B5EF4-FFF2-40B4-BE49-F238E27FC236}">
+                <a16:creationId xmlns:a16="http://schemas.microsoft.com/office/drawing/2014/main" id="{9A43A1DF-16A0-F094-CD4C-6D93F08D0C45}"/>
+              </a:ext>
+            </a:extLst>
+          </p:cNvPr>
+          <p:cNvSpPr>
+            <a:spLocks noGrp="1"/>
+          </p:cNvSpPr>
+          <p:nvPr>
+            <p:ph type="sldNum" sz="quarter" idx="11"/>
+          </p:nvPr>
+        </p:nvSpPr>
+        <p:spPr/>
+        <p:txBody>
+          <a:bodyPr/>
+          <a:lstStyle/>
+          <a:p>
+            <a:fld id="{B5CEABB6-07DC-46E8-9B57-56EC44A396E5}" type="slidenum">
+              <a:rPr lang="en-US" smtClean="0"/>
+              <a:pPr/>
+              <a:t>15</a:t>
+            </a:fld>
+            <a:endParaRPr lang="en-US" dirty="0"/>
+          </a:p>
+        </p:txBody>
+      </p:sp>
+      <p:pic>
+        <p:nvPicPr>
+          <p:cNvPr id="7" name="Picture 6">
+            <a:extLst>
+              <a:ext uri="{FF2B5EF4-FFF2-40B4-BE49-F238E27FC236}">
+                <a16:creationId xmlns:a16="http://schemas.microsoft.com/office/drawing/2014/main" id="{C34ED8F5-F764-FEF2-E4AE-ED1DEF7C2DF0}"/>
+              </a:ext>
+            </a:extLst>
+          </p:cNvPr>
+          <p:cNvPicPr>
+            <a:picLocks noChangeAspect="1"/>
+          </p:cNvPicPr>
+          <p:nvPr/>
+        </p:nvPicPr>
+        <p:blipFill>
+          <a:blip r:embed="rId2"/>
+          <a:stretch>
+            <a:fillRect/>
+          </a:stretch>
+        </p:blipFill>
+        <p:spPr>
+          <a:xfrm>
+            <a:off x="0" y="1251305"/>
+            <a:ext cx="12046569" cy="1911448"/>
+          </a:xfrm>
+          <a:prstGeom prst="rect">
+            <a:avLst/>
+          </a:prstGeom>
+        </p:spPr>
+      </p:pic>
+      <p:pic>
+        <p:nvPicPr>
+          <p:cNvPr id="9" name="Picture 8">
+            <a:extLst>
+              <a:ext uri="{FF2B5EF4-FFF2-40B4-BE49-F238E27FC236}">
+                <a16:creationId xmlns:a16="http://schemas.microsoft.com/office/drawing/2014/main" id="{C70A259B-4124-AE25-A9D0-3B5DBAA68147}"/>
+              </a:ext>
+            </a:extLst>
+          </p:cNvPr>
+          <p:cNvPicPr>
+            <a:picLocks noChangeAspect="1"/>
+          </p:cNvPicPr>
+          <p:nvPr/>
+        </p:nvPicPr>
+        <p:blipFill>
+          <a:blip r:embed="rId3"/>
+          <a:stretch>
+            <a:fillRect/>
+          </a:stretch>
+        </p:blipFill>
+        <p:spPr>
+          <a:xfrm>
+            <a:off x="50489" y="3374728"/>
+            <a:ext cx="12091021" cy="2133710"/>
+          </a:xfrm>
+          <a:prstGeom prst="rect">
+            <a:avLst/>
+          </a:prstGeom>
+        </p:spPr>
+      </p:pic>
+    </p:spTree>
+    <p:extLst>
+      <p:ext uri="{BB962C8B-B14F-4D97-AF65-F5344CB8AC3E}">
+        <p14:creationId xmlns:p14="http://schemas.microsoft.com/office/powerpoint/2010/main" val="2803210877"/>
+      </p:ext>
+    </p:extLst>
+  </p:cSld>
+  <p:clrMapOvr>
+    <a:masterClrMapping/>
+  </p:clrMapOvr>
+</p:sld>
+</file>
+
+<file path=ppt/slides/slide16.xml><?xml version="1.0" encoding="utf-8"?>
+<p:sld xmlns:a="http://schemas.openxmlformats.org/drawingml/2006/main" xmlns:r="http://schemas.openxmlformats.org/officeDocument/2006/relationships" xmlns:p="http://schemas.openxmlformats.org/presentationml/2006/main">
+  <p:cSld>
+    <p:spTree>
+      <p:nvGrpSpPr>
+        <p:cNvPr id="1" name=""/>
+        <p:cNvGrpSpPr/>
+        <p:nvPr/>
+      </p:nvGrpSpPr>
+      <p:grpSpPr>
+        <a:xfrm>
+          <a:off x="0" y="0"/>
+          <a:ext cx="0" cy="0"/>
+          <a:chOff x="0" y="0"/>
+          <a:chExt cx="0" cy="0"/>
+        </a:xfrm>
+      </p:grpSpPr>
+      <p:sp>
+        <p:nvSpPr>
+          <p:cNvPr id="2" name="Title 1">
+            <a:extLst>
+              <a:ext uri="{FF2B5EF4-FFF2-40B4-BE49-F238E27FC236}">
+                <a16:creationId xmlns:a16="http://schemas.microsoft.com/office/drawing/2014/main" id="{38022B33-EE07-00FD-804E-3319A6E738FE}"/>
+              </a:ext>
+            </a:extLst>
+          </p:cNvPr>
+          <p:cNvSpPr>
+            <a:spLocks noGrp="1"/>
+          </p:cNvSpPr>
+          <p:nvPr>
+            <p:ph type="title"/>
+          </p:nvPr>
+        </p:nvSpPr>
+        <p:spPr/>
+        <p:txBody>
+          <a:bodyPr/>
+          <a:lstStyle/>
+          <a:p>
+            <a:r>
+              <a:rPr lang="en-US" dirty="0"/>
+              <a:t>Average by </a:t>
+            </a:r>
+            <a:r>
+              <a:rPr lang="en-US" dirty="0" err="1"/>
+              <a:t>year_group</a:t>
+            </a:r>
+            <a:endParaRPr lang="en-US" dirty="0"/>
+          </a:p>
+        </p:txBody>
+      </p:sp>
+      <p:sp>
+        <p:nvSpPr>
+          <p:cNvPr id="3" name="Text Placeholder 2">
+            <a:extLst>
+              <a:ext uri="{FF2B5EF4-FFF2-40B4-BE49-F238E27FC236}">
+                <a16:creationId xmlns:a16="http://schemas.microsoft.com/office/drawing/2014/main" id="{956368AD-2616-836A-AF41-DD353349D972}"/>
+              </a:ext>
+            </a:extLst>
+          </p:cNvPr>
+          <p:cNvSpPr>
+            <a:spLocks noGrp="1"/>
+          </p:cNvSpPr>
+          <p:nvPr>
+            <p:ph type="body" sz="quarter" idx="13"/>
+          </p:nvPr>
+        </p:nvSpPr>
+        <p:spPr/>
+        <p:txBody>
+          <a:bodyPr/>
+          <a:lstStyle/>
+          <a:p>
+            <a:endParaRPr lang="en-US" dirty="0"/>
+          </a:p>
+        </p:txBody>
+      </p:sp>
+      <p:sp>
+        <p:nvSpPr>
+          <p:cNvPr id="5" name="Footer Placeholder 4">
+            <a:extLst>
+              <a:ext uri="{FF2B5EF4-FFF2-40B4-BE49-F238E27FC236}">
+                <a16:creationId xmlns:a16="http://schemas.microsoft.com/office/drawing/2014/main" id="{355ADA2C-2F8D-16A9-A248-6B8AF5BDC4B5}"/>
+              </a:ext>
+            </a:extLst>
+          </p:cNvPr>
+          <p:cNvSpPr>
+            <a:spLocks noGrp="1"/>
+          </p:cNvSpPr>
+          <p:nvPr>
+            <p:ph type="ftr" sz="quarter" idx="10"/>
+          </p:nvPr>
+        </p:nvSpPr>
+        <p:spPr/>
+        <p:txBody>
+          <a:bodyPr/>
+          <a:lstStyle/>
+          <a:p>
+            <a:r>
+              <a:rPr lang="en-US"/>
+              <a:t>PRESENTATION TITLE</a:t>
+            </a:r>
+            <a:endParaRPr lang="en-US" dirty="0"/>
+          </a:p>
+        </p:txBody>
+      </p:sp>
+      <p:sp>
+        <p:nvSpPr>
+          <p:cNvPr id="6" name="Slide Number Placeholder 5">
+            <a:extLst>
+              <a:ext uri="{FF2B5EF4-FFF2-40B4-BE49-F238E27FC236}">
+                <a16:creationId xmlns:a16="http://schemas.microsoft.com/office/drawing/2014/main" id="{DAD86C56-6A8F-96FE-F164-4CE9D617E63E}"/>
+              </a:ext>
+            </a:extLst>
+          </p:cNvPr>
+          <p:cNvSpPr>
+            <a:spLocks noGrp="1"/>
+          </p:cNvSpPr>
+          <p:nvPr>
+            <p:ph type="sldNum" sz="quarter" idx="11"/>
+          </p:nvPr>
+        </p:nvSpPr>
+        <p:spPr/>
+        <p:txBody>
+          <a:bodyPr/>
+          <a:lstStyle/>
+          <a:p>
+            <a:fld id="{B5CEABB6-07DC-46E8-9B57-56EC44A396E5}" type="slidenum">
+              <a:rPr lang="en-US" smtClean="0"/>
+              <a:pPr/>
+              <a:t>16</a:t>
+            </a:fld>
+            <a:endParaRPr lang="en-US" dirty="0"/>
+          </a:p>
+        </p:txBody>
+      </p:sp>
+      <p:graphicFrame>
+        <p:nvGraphicFramePr>
+          <p:cNvPr id="10" name="Content Placeholder 9">
+            <a:extLst>
+              <a:ext uri="{FF2B5EF4-FFF2-40B4-BE49-F238E27FC236}">
+                <a16:creationId xmlns:a16="http://schemas.microsoft.com/office/drawing/2014/main" id="{772FD0A1-5DC7-45D6-8B59-0E5506BA47CD}"/>
+              </a:ext>
+            </a:extLst>
+          </p:cNvPr>
+          <p:cNvGraphicFramePr>
+            <a:graphicFrameLocks noGrp="1"/>
+          </p:cNvGraphicFramePr>
+          <p:nvPr>
+            <p:ph sz="half" idx="2"/>
+            <p:extLst>
+              <p:ext uri="{D42A27DB-BD31-4B8C-83A1-F6EECF244321}">
+                <p14:modId xmlns:p14="http://schemas.microsoft.com/office/powerpoint/2010/main" val="773781087"/>
+              </p:ext>
+            </p:extLst>
+          </p:nvPr>
+        </p:nvGraphicFramePr>
+        <p:xfrm>
+          <a:off x="5467350" y="1054100"/>
+          <a:ext cx="5657850" cy="4889500"/>
+        </p:xfrm>
+        <a:graphic>
+          <a:graphicData uri="http://schemas.openxmlformats.org/drawingml/2006/chart">
+            <c:chart xmlns:c="http://schemas.openxmlformats.org/drawingml/2006/chart" xmlns:r="http://schemas.openxmlformats.org/officeDocument/2006/relationships" r:id="rId2"/>
+          </a:graphicData>
+        </a:graphic>
+      </p:graphicFrame>
+    </p:spTree>
+    <p:extLst>
+      <p:ext uri="{BB962C8B-B14F-4D97-AF65-F5344CB8AC3E}">
+        <p14:creationId xmlns:p14="http://schemas.microsoft.com/office/powerpoint/2010/main" val="2458461517"/>
+      </p:ext>
+    </p:extLst>
+  </p:cSld>
+  <p:clrMapOvr>
+    <a:masterClrMapping/>
+  </p:clrMapOvr>
+</p:sld>
+</file>
+
+<file path=ppt/slides/slide17.xml><?xml version="1.0" encoding="utf-8"?>
+<p:sld xmlns:a="http://schemas.openxmlformats.org/drawingml/2006/main" xmlns:r="http://schemas.openxmlformats.org/officeDocument/2006/relationships" xmlns:p="http://schemas.openxmlformats.org/presentationml/2006/main">
+  <p:cSld>
+    <p:spTree>
+      <p:nvGrpSpPr>
+        <p:cNvPr id="1" name="">
+          <a:extLst>
+            <a:ext uri="{FF2B5EF4-FFF2-40B4-BE49-F238E27FC236}">
               <a16:creationId xmlns:a16="http://schemas.microsoft.com/office/drawing/2014/main" id="{FC898211-82DD-0073-091A-EF2D01DD87E7}"/>
             </a:ext>
           </a:extLst>
@@ -22012,7 +23494,7 @@
             <a:fld id="{B5CEABB6-07DC-46E8-9B57-56EC44A396E5}" type="slidenum">
               <a:rPr lang="en-US" smtClean="0"/>
               <a:pPr/>
-              <a:t>10</a:t>
+              <a:t>17</a:t>
             </a:fld>
             <a:endParaRPr lang="en-US" dirty="0"/>
           </a:p>
@@ -22062,7 +23544,7 @@
 </p:sld>
 </file>
 
-<file path=ppt/slides/slide11.xml><?xml version="1.0" encoding="utf-8"?>
+<file path=ppt/slides/slide18.xml><?xml version="1.0" encoding="utf-8"?>
 <p:sld xmlns:a="http://schemas.openxmlformats.org/drawingml/2006/main" xmlns:r="http://schemas.openxmlformats.org/officeDocument/2006/relationships" xmlns:p="http://schemas.openxmlformats.org/presentationml/2006/main">
   <p:cSld>
     <p:spTree>
@@ -22166,7 +23648,7 @@
             <a:fld id="{B5CEABB6-07DC-46E8-9B57-56EC44A396E5}" type="slidenum">
               <a:rPr lang="en-US" smtClean="0"/>
               <a:pPr/>
-              <a:t>11</a:t>
+              <a:t>18</a:t>
             </a:fld>
             <a:endParaRPr lang="en-US" dirty="0"/>
           </a:p>
@@ -22246,7 +23728,7 @@
 </p:sld>
 </file>
 
-<file path=ppt/slides/slide12.xml><?xml version="1.0" encoding="utf-8"?>
+<file path=ppt/slides/slide19.xml><?xml version="1.0" encoding="utf-8"?>
 <p:sld xmlns:a="http://schemas.openxmlformats.org/drawingml/2006/main" xmlns:r="http://schemas.openxmlformats.org/officeDocument/2006/relationships" xmlns:p="http://schemas.openxmlformats.org/presentationml/2006/main">
   <p:cSld>
     <p:spTree>
@@ -22350,7 +23832,7 @@
             <a:fld id="{B5CEABB6-07DC-46E8-9B57-56EC44A396E5}" type="slidenum">
               <a:rPr lang="en-US" smtClean="0"/>
               <a:pPr/>
-              <a:t>12</a:t>
+              <a:t>19</a:t>
             </a:fld>
             <a:endParaRPr lang="en-US" dirty="0"/>
           </a:p>
@@ -22400,7 +23882,313 @@
 </p:sld>
 </file>
 
-<file path=ppt/slides/slide13.xml><?xml version="1.0" encoding="utf-8"?>
+<file path=ppt/slides/slide2.xml><?xml version="1.0" encoding="utf-8"?>
+<p:sld xmlns:a="http://schemas.openxmlformats.org/drawingml/2006/main" xmlns:r="http://schemas.openxmlformats.org/officeDocument/2006/relationships" xmlns:p="http://schemas.openxmlformats.org/presentationml/2006/main">
+  <p:cSld>
+    <p:spTree>
+      <p:nvGrpSpPr>
+        <p:cNvPr id="1" name=""/>
+        <p:cNvGrpSpPr/>
+        <p:nvPr/>
+      </p:nvGrpSpPr>
+      <p:grpSpPr>
+        <a:xfrm>
+          <a:off x="0" y="0"/>
+          <a:ext cx="0" cy="0"/>
+          <a:chOff x="0" y="0"/>
+          <a:chExt cx="0" cy="0"/>
+        </a:xfrm>
+      </p:grpSpPr>
+      <p:sp>
+        <p:nvSpPr>
+          <p:cNvPr id="2" name="Title 1">
+            <a:extLst>
+              <a:ext uri="{FF2B5EF4-FFF2-40B4-BE49-F238E27FC236}">
+                <a16:creationId xmlns:a16="http://schemas.microsoft.com/office/drawing/2014/main" id="{A2E2ABBA-2E6D-E7DD-AC67-58D1FCB3F346}"/>
+              </a:ext>
+            </a:extLst>
+          </p:cNvPr>
+          <p:cNvSpPr>
+            <a:spLocks noGrp="1"/>
+          </p:cNvSpPr>
+          <p:nvPr>
+            <p:ph type="title"/>
+          </p:nvPr>
+        </p:nvSpPr>
+        <p:spPr/>
+        <p:txBody>
+          <a:bodyPr/>
+          <a:lstStyle/>
+          <a:p>
+            <a:r>
+              <a:rPr lang="en-US" dirty="0"/>
+              <a:t>Agenda</a:t>
+            </a:r>
+          </a:p>
+        </p:txBody>
+      </p:sp>
+      <p:pic>
+        <p:nvPicPr>
+          <p:cNvPr id="12" name="Picture Placeholder 11" descr="Badge with checkmark">
+            <a:extLst>
+              <a:ext uri="{FF2B5EF4-FFF2-40B4-BE49-F238E27FC236}">
+                <a16:creationId xmlns:a16="http://schemas.microsoft.com/office/drawing/2014/main" id="{7ACB77E6-BC5F-1BC1-CA97-6D2E37F39C9B}"/>
+              </a:ext>
+            </a:extLst>
+          </p:cNvPr>
+          <p:cNvPicPr>
+            <a:picLocks noGrp="1" noChangeAspect="1"/>
+          </p:cNvPicPr>
+          <p:nvPr>
+            <p:ph type="pic" sz="quarter" idx="23"/>
+          </p:nvPr>
+        </p:nvPicPr>
+        <p:blipFill>
+          <a:blip r:embed="rId2">
+            <a:extLst>
+              <a:ext uri="{28A0092B-C50C-407E-A947-70E740481C1C}">
+                <a14:useLocalDpi xmlns:a14="http://schemas.microsoft.com/office/drawing/2010/main" val="0"/>
+              </a:ext>
+              <a:ext uri="{96DAC541-7B7A-43D3-8B79-37D633B846F1}">
+                <asvg:svgBlip xmlns:asvg="http://schemas.microsoft.com/office/drawing/2016/SVG/main" r:embed="rId3"/>
+              </a:ext>
+            </a:extLst>
+          </a:blip>
+          <a:srcRect/>
+          <a:stretch>
+            <a:fillRect/>
+          </a:stretch>
+        </p:blipFill>
+        <p:spPr/>
+      </p:pic>
+      <p:sp>
+        <p:nvSpPr>
+          <p:cNvPr id="5" name="Text Placeholder 4">
+            <a:extLst>
+              <a:ext uri="{FF2B5EF4-FFF2-40B4-BE49-F238E27FC236}">
+                <a16:creationId xmlns:a16="http://schemas.microsoft.com/office/drawing/2014/main" id="{59401105-5841-28D0-D6C0-3E1A46648BFE}"/>
+              </a:ext>
+            </a:extLst>
+          </p:cNvPr>
+          <p:cNvSpPr>
+            <a:spLocks noGrp="1"/>
+          </p:cNvSpPr>
+          <p:nvPr>
+            <p:ph type="body" sz="quarter" idx="13"/>
+          </p:nvPr>
+        </p:nvSpPr>
+        <p:spPr/>
+        <p:txBody>
+          <a:bodyPr/>
+          <a:lstStyle/>
+          <a:p>
+            <a:r>
+              <a:rPr lang="en-US" sz="3200" dirty="0"/>
+              <a:t>Purpose of these variables</a:t>
+            </a:r>
+          </a:p>
+          <a:p>
+            <a:endParaRPr lang="en-US" dirty="0"/>
+          </a:p>
+        </p:txBody>
+      </p:sp>
+      <p:pic>
+        <p:nvPicPr>
+          <p:cNvPr id="16" name="Picture Placeholder 15" descr="Badge with checkmark">
+            <a:extLst>
+              <a:ext uri="{FF2B5EF4-FFF2-40B4-BE49-F238E27FC236}">
+                <a16:creationId xmlns:a16="http://schemas.microsoft.com/office/drawing/2014/main" id="{41353449-F29F-160E-215E-BB307C73E339}"/>
+              </a:ext>
+            </a:extLst>
+          </p:cNvPr>
+          <p:cNvPicPr>
+            <a:picLocks noGrp="1" noChangeAspect="1"/>
+          </p:cNvPicPr>
+          <p:nvPr>
+            <p:ph type="pic" sz="quarter" idx="27"/>
+          </p:nvPr>
+        </p:nvPicPr>
+        <p:blipFill>
+          <a:blip r:embed="rId2">
+            <a:extLst>
+              <a:ext uri="{28A0092B-C50C-407E-A947-70E740481C1C}">
+                <a14:useLocalDpi xmlns:a14="http://schemas.microsoft.com/office/drawing/2010/main" val="0"/>
+              </a:ext>
+              <a:ext uri="{96DAC541-7B7A-43D3-8B79-37D633B846F1}">
+                <asvg:svgBlip xmlns:asvg="http://schemas.microsoft.com/office/drawing/2016/SVG/main" r:embed="rId3"/>
+              </a:ext>
+            </a:extLst>
+          </a:blip>
+          <a:srcRect/>
+          <a:stretch>
+            <a:fillRect/>
+          </a:stretch>
+        </p:blipFill>
+        <p:spPr/>
+      </p:pic>
+      <p:sp>
+        <p:nvSpPr>
+          <p:cNvPr id="7" name="Text Placeholder 6">
+            <a:extLst>
+              <a:ext uri="{FF2B5EF4-FFF2-40B4-BE49-F238E27FC236}">
+                <a16:creationId xmlns:a16="http://schemas.microsoft.com/office/drawing/2014/main" id="{33A858E6-8813-CD9D-EE22-EB8E062FBA14}"/>
+              </a:ext>
+            </a:extLst>
+          </p:cNvPr>
+          <p:cNvSpPr>
+            <a:spLocks noGrp="1"/>
+          </p:cNvSpPr>
+          <p:nvPr>
+            <p:ph type="body" sz="quarter" idx="24"/>
+          </p:nvPr>
+        </p:nvSpPr>
+        <p:spPr/>
+        <p:txBody>
+          <a:bodyPr/>
+          <a:lstStyle/>
+          <a:p>
+            <a:r>
+              <a:rPr lang="en-US" sz="3200" dirty="0"/>
+              <a:t>Analyze the data</a:t>
+            </a:r>
+            <a:endParaRPr lang="en-US" dirty="0"/>
+          </a:p>
+        </p:txBody>
+      </p:sp>
+      <p:pic>
+        <p:nvPicPr>
+          <p:cNvPr id="24" name="Picture Placeholder 23" descr="Badge with checkmark">
+            <a:extLst>
+              <a:ext uri="{FF2B5EF4-FFF2-40B4-BE49-F238E27FC236}">
+                <a16:creationId xmlns:a16="http://schemas.microsoft.com/office/drawing/2014/main" id="{F2D23F06-5068-6EAF-10FC-42E0A8F65A5B}"/>
+              </a:ext>
+            </a:extLst>
+          </p:cNvPr>
+          <p:cNvPicPr>
+            <a:picLocks noGrp="1" noChangeAspect="1"/>
+          </p:cNvPicPr>
+          <p:nvPr>
+            <p:ph type="pic" sz="quarter" idx="28"/>
+          </p:nvPr>
+        </p:nvPicPr>
+        <p:blipFill>
+          <a:blip r:embed="rId2">
+            <a:extLst>
+              <a:ext uri="{28A0092B-C50C-407E-A947-70E740481C1C}">
+                <a14:useLocalDpi xmlns:a14="http://schemas.microsoft.com/office/drawing/2010/main" val="0"/>
+              </a:ext>
+              <a:ext uri="{96DAC541-7B7A-43D3-8B79-37D633B846F1}">
+                <asvg:svgBlip xmlns:asvg="http://schemas.microsoft.com/office/drawing/2016/SVG/main" r:embed="rId3"/>
+              </a:ext>
+            </a:extLst>
+          </a:blip>
+          <a:srcRect/>
+          <a:stretch>
+            <a:fillRect/>
+          </a:stretch>
+        </p:blipFill>
+        <p:spPr/>
+      </p:pic>
+      <p:sp>
+        <p:nvSpPr>
+          <p:cNvPr id="8" name="Text Placeholder 7">
+            <a:extLst>
+              <a:ext uri="{FF2B5EF4-FFF2-40B4-BE49-F238E27FC236}">
+                <a16:creationId xmlns:a16="http://schemas.microsoft.com/office/drawing/2014/main" id="{CE80F9D7-8410-9097-31BC-A9AE7C7052A9}"/>
+              </a:ext>
+            </a:extLst>
+          </p:cNvPr>
+          <p:cNvSpPr>
+            <a:spLocks noGrp="1"/>
+          </p:cNvSpPr>
+          <p:nvPr>
+            <p:ph type="body" sz="quarter" idx="26"/>
+          </p:nvPr>
+        </p:nvSpPr>
+        <p:spPr/>
+        <p:txBody>
+          <a:bodyPr/>
+          <a:lstStyle/>
+          <a:p>
+            <a:r>
+              <a:rPr lang="en-US" sz="3200" dirty="0"/>
+              <a:t>Q&amp;A</a:t>
+            </a:r>
+          </a:p>
+        </p:txBody>
+      </p:sp>
+      <p:sp>
+        <p:nvSpPr>
+          <p:cNvPr id="3" name="Footer Placeholder 2">
+            <a:extLst>
+              <a:ext uri="{FF2B5EF4-FFF2-40B4-BE49-F238E27FC236}">
+                <a16:creationId xmlns:a16="http://schemas.microsoft.com/office/drawing/2014/main" id="{9C3F16C9-B662-209D-15DE-55D714B28413}"/>
+              </a:ext>
+            </a:extLst>
+          </p:cNvPr>
+          <p:cNvSpPr>
+            <a:spLocks noGrp="1"/>
+          </p:cNvSpPr>
+          <p:nvPr>
+            <p:ph type="ftr" sz="quarter" idx="10"/>
+          </p:nvPr>
+        </p:nvSpPr>
+        <p:spPr/>
+        <p:txBody>
+          <a:bodyPr/>
+          <a:lstStyle/>
+          <a:p>
+            <a:r>
+              <a:rPr lang="en-US" dirty="0"/>
+              <a:t>PRESENTATION TITLE</a:t>
+            </a:r>
+          </a:p>
+        </p:txBody>
+      </p:sp>
+      <p:sp>
+        <p:nvSpPr>
+          <p:cNvPr id="4" name="Slide Number Placeholder 3">
+            <a:extLst>
+              <a:ext uri="{FF2B5EF4-FFF2-40B4-BE49-F238E27FC236}">
+                <a16:creationId xmlns:a16="http://schemas.microsoft.com/office/drawing/2014/main" id="{804DA4DD-2363-F475-FCAA-A686AA9F99AC}"/>
+              </a:ext>
+            </a:extLst>
+          </p:cNvPr>
+          <p:cNvSpPr>
+            <a:spLocks noGrp="1"/>
+          </p:cNvSpPr>
+          <p:nvPr>
+            <p:ph type="sldNum" sz="quarter" idx="11"/>
+          </p:nvPr>
+        </p:nvSpPr>
+        <p:spPr/>
+        <p:txBody>
+          <a:bodyPr/>
+          <a:lstStyle/>
+          <a:p>
+            <a:fld id="{B5CEABB6-07DC-46E8-9B57-56EC44A396E5}" type="slidenum">
+              <a:rPr lang="en-US" smtClean="0"/>
+              <a:pPr/>
+              <a:t>2</a:t>
+            </a:fld>
+            <a:endParaRPr lang="en-US" dirty="0"/>
+          </a:p>
+        </p:txBody>
+      </p:sp>
+    </p:spTree>
+    <p:extLst>
+      <p:ext uri="{BB962C8B-B14F-4D97-AF65-F5344CB8AC3E}">
+        <p14:creationId xmlns:p14="http://schemas.microsoft.com/office/powerpoint/2010/main" val="4294866199"/>
+      </p:ext>
+    </p:extLst>
+  </p:cSld>
+  <p:clrMapOvr>
+    <a:masterClrMapping/>
+  </p:clrMapOvr>
+</p:sld>
+</file>
+
+<file path=ppt/slides/slide20.xml><?xml version="1.0" encoding="utf-8"?>
 <p:sld xmlns:a="http://schemas.openxmlformats.org/drawingml/2006/main" xmlns:r="http://schemas.openxmlformats.org/officeDocument/2006/relationships" xmlns:p="http://schemas.openxmlformats.org/presentationml/2006/main">
   <p:cSld>
     <p:spTree>
@@ -22504,7 +24292,7 @@
             <a:fld id="{B5CEABB6-07DC-46E8-9B57-56EC44A396E5}" type="slidenum">
               <a:rPr lang="en-US" smtClean="0"/>
               <a:pPr/>
-              <a:t>13</a:t>
+              <a:t>20</a:t>
             </a:fld>
             <a:endParaRPr lang="en-US" dirty="0"/>
           </a:p>
@@ -22554,7 +24342,7 @@
 </p:sld>
 </file>
 
-<file path=ppt/slides/slide14.xml><?xml version="1.0" encoding="utf-8"?>
+<file path=ppt/slides/slide21.xml><?xml version="1.0" encoding="utf-8"?>
 <p:sld xmlns:a="http://schemas.openxmlformats.org/drawingml/2006/main" xmlns:r="http://schemas.openxmlformats.org/officeDocument/2006/relationships" xmlns:p="http://schemas.openxmlformats.org/presentationml/2006/main">
   <p:cSld>
     <p:spTree>
@@ -22683,7 +24471,7 @@
             <a:fld id="{B5CEABB6-07DC-46E8-9B57-56EC44A396E5}" type="slidenum">
               <a:rPr lang="en-US" smtClean="0"/>
               <a:pPr/>
-              <a:t>14</a:t>
+              <a:t>21</a:t>
             </a:fld>
             <a:endParaRPr lang="en-US" dirty="0"/>
           </a:p>
@@ -22728,7 +24516,7 @@
 </p:sld>
 </file>
 
-<file path=ppt/slides/slide15.xml><?xml version="1.0" encoding="utf-8"?>
+<file path=ppt/slides/slide22.xml><?xml version="1.0" encoding="utf-8"?>
 <p:sld xmlns:a="http://schemas.openxmlformats.org/drawingml/2006/main" xmlns:r="http://schemas.openxmlformats.org/officeDocument/2006/relationships" xmlns:p="http://schemas.openxmlformats.org/presentationml/2006/main">
   <p:cSld>
     <p:spTree>
@@ -22857,7 +24645,7 @@
             <a:fld id="{B5CEABB6-07DC-46E8-9B57-56EC44A396E5}" type="slidenum">
               <a:rPr lang="en-US" smtClean="0"/>
               <a:pPr/>
-              <a:t>15</a:t>
+              <a:t>22</a:t>
             </a:fld>
             <a:endParaRPr lang="en-US" dirty="0"/>
           </a:p>
@@ -22907,7 +24695,7 @@
 </p:sld>
 </file>
 
-<file path=ppt/slides/slide16.xml><?xml version="1.0" encoding="utf-8"?>
+<file path=ppt/slides/slide23.xml><?xml version="1.0" encoding="utf-8"?>
 <p:sld xmlns:a="http://schemas.openxmlformats.org/drawingml/2006/main" xmlns:r="http://schemas.openxmlformats.org/officeDocument/2006/relationships" xmlns:p="http://schemas.openxmlformats.org/presentationml/2006/main">
   <p:cSld>
     <p:spTree>
@@ -23040,7 +24828,7 @@
             <a:fld id="{B5CEABB6-07DC-46E8-9B57-56EC44A396E5}" type="slidenum">
               <a:rPr lang="en-US" smtClean="0"/>
               <a:pPr/>
-              <a:t>16</a:t>
+              <a:t>23</a:t>
             </a:fld>
             <a:endParaRPr lang="en-US" dirty="0"/>
           </a:p>
@@ -23126,7 +24914,7 @@
 </p:sld>
 </file>
 
-<file path=ppt/slides/slide17.xml><?xml version="1.0" encoding="utf-8"?>
+<file path=ppt/slides/slide24.xml><?xml version="1.0" encoding="utf-8"?>
 <p:sld xmlns:a="http://schemas.openxmlformats.org/drawingml/2006/main" xmlns:r="http://schemas.openxmlformats.org/officeDocument/2006/relationships" xmlns:p="http://schemas.openxmlformats.org/presentationml/2006/main">
   <p:cSld>
     <p:spTree>
@@ -23259,7 +25047,7 @@
             <a:fld id="{B5CEABB6-07DC-46E8-9B57-56EC44A396E5}" type="slidenum">
               <a:rPr lang="en-US" smtClean="0"/>
               <a:pPr/>
-              <a:t>17</a:t>
+              <a:t>24</a:t>
             </a:fld>
             <a:endParaRPr lang="en-US" dirty="0"/>
           </a:p>
@@ -23345,7 +25133,7 @@
 </p:sld>
 </file>
 
-<file path=ppt/slides/slide18.xml><?xml version="1.0" encoding="utf-8"?>
+<file path=ppt/slides/slide25.xml><?xml version="1.0" encoding="utf-8"?>
 <p:sld xmlns:a="http://schemas.openxmlformats.org/drawingml/2006/main" xmlns:r="http://schemas.openxmlformats.org/officeDocument/2006/relationships" xmlns:p="http://schemas.openxmlformats.org/presentationml/2006/main">
   <p:cSld>
     <p:spTree>
@@ -23478,7 +25266,7 @@
             <a:fld id="{B5CEABB6-07DC-46E8-9B57-56EC44A396E5}" type="slidenum">
               <a:rPr lang="en-US" smtClean="0"/>
               <a:pPr/>
-              <a:t>18</a:t>
+              <a:t>25</a:t>
             </a:fld>
             <a:endParaRPr lang="en-US" dirty="0"/>
           </a:p>
@@ -23564,7 +25352,169 @@
 </p:sld>
 </file>
 
-<file path=ppt/slides/slide19.xml><?xml version="1.0" encoding="utf-8"?>
+<file path=ppt/slides/slide26.xml><?xml version="1.0" encoding="utf-8"?>
+<p:sld xmlns:a="http://schemas.openxmlformats.org/drawingml/2006/main" xmlns:r="http://schemas.openxmlformats.org/officeDocument/2006/relationships" xmlns:p="http://schemas.openxmlformats.org/presentationml/2006/main">
+  <p:cSld>
+    <p:spTree>
+      <p:nvGrpSpPr>
+        <p:cNvPr id="1" name="">
+          <a:extLst>
+            <a:ext uri="{FF2B5EF4-FFF2-40B4-BE49-F238E27FC236}">
+              <a16:creationId xmlns:a16="http://schemas.microsoft.com/office/drawing/2014/main" id="{3C17CEEC-4DF6-B4D2-0E1E-81D85721806B}"/>
+            </a:ext>
+          </a:extLst>
+        </p:cNvPr>
+        <p:cNvGrpSpPr/>
+        <p:nvPr/>
+      </p:nvGrpSpPr>
+      <p:grpSpPr>
+        <a:xfrm>
+          <a:off x="0" y="0"/>
+          <a:ext cx="0" cy="0"/>
+          <a:chOff x="0" y="0"/>
+          <a:chExt cx="0" cy="0"/>
+        </a:xfrm>
+      </p:grpSpPr>
+      <p:sp>
+        <p:nvSpPr>
+          <p:cNvPr id="6" name="Title 5">
+            <a:extLst>
+              <a:ext uri="{FF2B5EF4-FFF2-40B4-BE49-F238E27FC236}">
+                <a16:creationId xmlns:a16="http://schemas.microsoft.com/office/drawing/2014/main" id="{7D622012-4EAD-1BD2-134E-0C64FAE306B3}"/>
+              </a:ext>
+            </a:extLst>
+          </p:cNvPr>
+          <p:cNvSpPr>
+            <a:spLocks noGrp="1"/>
+          </p:cNvSpPr>
+          <p:nvPr>
+            <p:ph type="ctrTitle"/>
+          </p:nvPr>
+        </p:nvSpPr>
+        <p:spPr/>
+        <p:txBody>
+          <a:bodyPr/>
+          <a:lstStyle/>
+          <a:p>
+            <a:r>
+              <a:rPr lang="en-US" dirty="0" err="1"/>
+              <a:t>BigQuery</a:t>
+            </a:r>
+            <a:endParaRPr lang="en-US" dirty="0"/>
+          </a:p>
+        </p:txBody>
+      </p:sp>
+      <p:sp>
+        <p:nvSpPr>
+          <p:cNvPr id="7" name="Subtitle 6">
+            <a:extLst>
+              <a:ext uri="{FF2B5EF4-FFF2-40B4-BE49-F238E27FC236}">
+                <a16:creationId xmlns:a16="http://schemas.microsoft.com/office/drawing/2014/main" id="{2E70FA1F-00BC-D335-A6AA-D80A3DEF933A}"/>
+              </a:ext>
+            </a:extLst>
+          </p:cNvPr>
+          <p:cNvSpPr>
+            <a:spLocks noGrp="1"/>
+          </p:cNvSpPr>
+          <p:nvPr>
+            <p:ph type="subTitle" idx="1"/>
+          </p:nvPr>
+        </p:nvSpPr>
+        <p:spPr/>
+        <p:txBody>
+          <a:bodyPr/>
+          <a:lstStyle/>
+          <a:p>
+            <a:r>
+              <a:rPr lang="en-US" dirty="0"/>
+              <a:t>Screenshots of previous queries</a:t>
+            </a:r>
+          </a:p>
+        </p:txBody>
+      </p:sp>
+      <p:sp>
+        <p:nvSpPr>
+          <p:cNvPr id="4" name="Footer Placeholder 3">
+            <a:extLst>
+              <a:ext uri="{FF2B5EF4-FFF2-40B4-BE49-F238E27FC236}">
+                <a16:creationId xmlns:a16="http://schemas.microsoft.com/office/drawing/2014/main" id="{D858726C-3219-773B-811C-1F24FD559F05}"/>
+              </a:ext>
+            </a:extLst>
+          </p:cNvPr>
+          <p:cNvSpPr>
+            <a:spLocks noGrp="1"/>
+          </p:cNvSpPr>
+          <p:nvPr>
+            <p:ph type="ftr" sz="quarter" idx="4294967295"/>
+          </p:nvPr>
+        </p:nvSpPr>
+        <p:spPr>
+          <a:xfrm>
+            <a:off x="0" y="6356350"/>
+            <a:ext cx="4411663" cy="365125"/>
+          </a:xfrm>
+        </p:spPr>
+        <p:txBody>
+          <a:bodyPr/>
+          <a:lstStyle/>
+          <a:p>
+            <a:r>
+              <a:rPr lang="en-US"/>
+              <a:t>PRESENTATION TITLE</a:t>
+            </a:r>
+            <a:endParaRPr lang="en-US" dirty="0"/>
+          </a:p>
+        </p:txBody>
+      </p:sp>
+      <p:sp>
+        <p:nvSpPr>
+          <p:cNvPr id="5" name="Slide Number Placeholder 4">
+            <a:extLst>
+              <a:ext uri="{FF2B5EF4-FFF2-40B4-BE49-F238E27FC236}">
+                <a16:creationId xmlns:a16="http://schemas.microsoft.com/office/drawing/2014/main" id="{3DA708A1-15A5-F826-55B4-CDFF639EBF63}"/>
+              </a:ext>
+            </a:extLst>
+          </p:cNvPr>
+          <p:cNvSpPr>
+            <a:spLocks noGrp="1"/>
+          </p:cNvSpPr>
+          <p:nvPr>
+            <p:ph type="sldNum" sz="quarter" idx="4294967295"/>
+          </p:nvPr>
+        </p:nvSpPr>
+        <p:spPr>
+          <a:xfrm>
+            <a:off x="9448800" y="6356350"/>
+            <a:ext cx="2743200" cy="365125"/>
+          </a:xfrm>
+        </p:spPr>
+        <p:txBody>
+          <a:bodyPr/>
+          <a:lstStyle/>
+          <a:p>
+            <a:fld id="{B5CEABB6-07DC-46E8-9B57-56EC44A396E5}" type="slidenum">
+              <a:rPr lang="en-US" smtClean="0"/>
+              <a:pPr/>
+              <a:t>26</a:t>
+            </a:fld>
+            <a:endParaRPr lang="en-US" dirty="0"/>
+          </a:p>
+        </p:txBody>
+      </p:sp>
+    </p:spTree>
+    <p:extLst>
+      <p:ext uri="{BB962C8B-B14F-4D97-AF65-F5344CB8AC3E}">
+        <p14:creationId xmlns:p14="http://schemas.microsoft.com/office/powerpoint/2010/main" val="2346262623"/>
+      </p:ext>
+    </p:extLst>
+  </p:cSld>
+  <p:clrMapOvr>
+    <a:masterClrMapping/>
+  </p:clrMapOvr>
+</p:sld>
+</file>
+
+<file path=ppt/slides/slide27.xml><?xml version="1.0" encoding="utf-8"?>
 <p:sld xmlns:a="http://schemas.openxmlformats.org/drawingml/2006/main" xmlns:r="http://schemas.openxmlformats.org/officeDocument/2006/relationships" xmlns:p="http://schemas.openxmlformats.org/presentationml/2006/main">
   <p:cSld>
     <p:spTree>
@@ -23678,7 +25628,7 @@
             <a:fld id="{B5CEABB6-07DC-46E8-9B57-56EC44A396E5}" type="slidenum">
               <a:rPr lang="en-US" smtClean="0"/>
               <a:pPr/>
-              <a:t>19</a:t>
+              <a:t>27</a:t>
             </a:fld>
             <a:endParaRPr lang="en-US" dirty="0"/>
           </a:p>
@@ -23726,313 +25676,7 @@
 </p:sld>
 </file>
 
-<file path=ppt/slides/slide2.xml><?xml version="1.0" encoding="utf-8"?>
-<p:sld xmlns:a="http://schemas.openxmlformats.org/drawingml/2006/main" xmlns:r="http://schemas.openxmlformats.org/officeDocument/2006/relationships" xmlns:p="http://schemas.openxmlformats.org/presentationml/2006/main">
-  <p:cSld>
-    <p:spTree>
-      <p:nvGrpSpPr>
-        <p:cNvPr id="1" name=""/>
-        <p:cNvGrpSpPr/>
-        <p:nvPr/>
-      </p:nvGrpSpPr>
-      <p:grpSpPr>
-        <a:xfrm>
-          <a:off x="0" y="0"/>
-          <a:ext cx="0" cy="0"/>
-          <a:chOff x="0" y="0"/>
-          <a:chExt cx="0" cy="0"/>
-        </a:xfrm>
-      </p:grpSpPr>
-      <p:sp>
-        <p:nvSpPr>
-          <p:cNvPr id="2" name="Title 1">
-            <a:extLst>
-              <a:ext uri="{FF2B5EF4-FFF2-40B4-BE49-F238E27FC236}">
-                <a16:creationId xmlns:a16="http://schemas.microsoft.com/office/drawing/2014/main" id="{A2E2ABBA-2E6D-E7DD-AC67-58D1FCB3F346}"/>
-              </a:ext>
-            </a:extLst>
-          </p:cNvPr>
-          <p:cNvSpPr>
-            <a:spLocks noGrp="1"/>
-          </p:cNvSpPr>
-          <p:nvPr>
-            <p:ph type="title"/>
-          </p:nvPr>
-        </p:nvSpPr>
-        <p:spPr/>
-        <p:txBody>
-          <a:bodyPr/>
-          <a:lstStyle/>
-          <a:p>
-            <a:r>
-              <a:rPr lang="en-US" dirty="0"/>
-              <a:t>Agenda</a:t>
-            </a:r>
-          </a:p>
-        </p:txBody>
-      </p:sp>
-      <p:pic>
-        <p:nvPicPr>
-          <p:cNvPr id="12" name="Picture Placeholder 11" descr="Badge with checkmark">
-            <a:extLst>
-              <a:ext uri="{FF2B5EF4-FFF2-40B4-BE49-F238E27FC236}">
-                <a16:creationId xmlns:a16="http://schemas.microsoft.com/office/drawing/2014/main" id="{7ACB77E6-BC5F-1BC1-CA97-6D2E37F39C9B}"/>
-              </a:ext>
-            </a:extLst>
-          </p:cNvPr>
-          <p:cNvPicPr>
-            <a:picLocks noGrp="1" noChangeAspect="1"/>
-          </p:cNvPicPr>
-          <p:nvPr>
-            <p:ph type="pic" sz="quarter" idx="23"/>
-          </p:nvPr>
-        </p:nvPicPr>
-        <p:blipFill>
-          <a:blip r:embed="rId2">
-            <a:extLst>
-              <a:ext uri="{28A0092B-C50C-407E-A947-70E740481C1C}">
-                <a14:useLocalDpi xmlns:a14="http://schemas.microsoft.com/office/drawing/2010/main" val="0"/>
-              </a:ext>
-              <a:ext uri="{96DAC541-7B7A-43D3-8B79-37D633B846F1}">
-                <asvg:svgBlip xmlns:asvg="http://schemas.microsoft.com/office/drawing/2016/SVG/main" r:embed="rId3"/>
-              </a:ext>
-            </a:extLst>
-          </a:blip>
-          <a:srcRect/>
-          <a:stretch>
-            <a:fillRect/>
-          </a:stretch>
-        </p:blipFill>
-        <p:spPr/>
-      </p:pic>
-      <p:sp>
-        <p:nvSpPr>
-          <p:cNvPr id="5" name="Text Placeholder 4">
-            <a:extLst>
-              <a:ext uri="{FF2B5EF4-FFF2-40B4-BE49-F238E27FC236}">
-                <a16:creationId xmlns:a16="http://schemas.microsoft.com/office/drawing/2014/main" id="{59401105-5841-28D0-D6C0-3E1A46648BFE}"/>
-              </a:ext>
-            </a:extLst>
-          </p:cNvPr>
-          <p:cNvSpPr>
-            <a:spLocks noGrp="1"/>
-          </p:cNvSpPr>
-          <p:nvPr>
-            <p:ph type="body" sz="quarter" idx="13"/>
-          </p:nvPr>
-        </p:nvSpPr>
-        <p:spPr/>
-        <p:txBody>
-          <a:bodyPr/>
-          <a:lstStyle/>
-          <a:p>
-            <a:r>
-              <a:rPr lang="en-US" sz="3200" dirty="0"/>
-              <a:t>Purpose of these variables</a:t>
-            </a:r>
-          </a:p>
-          <a:p>
-            <a:endParaRPr lang="en-US" dirty="0"/>
-          </a:p>
-        </p:txBody>
-      </p:sp>
-      <p:pic>
-        <p:nvPicPr>
-          <p:cNvPr id="16" name="Picture Placeholder 15" descr="Badge with checkmark">
-            <a:extLst>
-              <a:ext uri="{FF2B5EF4-FFF2-40B4-BE49-F238E27FC236}">
-                <a16:creationId xmlns:a16="http://schemas.microsoft.com/office/drawing/2014/main" id="{41353449-F29F-160E-215E-BB307C73E339}"/>
-              </a:ext>
-            </a:extLst>
-          </p:cNvPr>
-          <p:cNvPicPr>
-            <a:picLocks noGrp="1" noChangeAspect="1"/>
-          </p:cNvPicPr>
-          <p:nvPr>
-            <p:ph type="pic" sz="quarter" idx="27"/>
-          </p:nvPr>
-        </p:nvPicPr>
-        <p:blipFill>
-          <a:blip r:embed="rId2">
-            <a:extLst>
-              <a:ext uri="{28A0092B-C50C-407E-A947-70E740481C1C}">
-                <a14:useLocalDpi xmlns:a14="http://schemas.microsoft.com/office/drawing/2010/main" val="0"/>
-              </a:ext>
-              <a:ext uri="{96DAC541-7B7A-43D3-8B79-37D633B846F1}">
-                <asvg:svgBlip xmlns:asvg="http://schemas.microsoft.com/office/drawing/2016/SVG/main" r:embed="rId3"/>
-              </a:ext>
-            </a:extLst>
-          </a:blip>
-          <a:srcRect/>
-          <a:stretch>
-            <a:fillRect/>
-          </a:stretch>
-        </p:blipFill>
-        <p:spPr/>
-      </p:pic>
-      <p:sp>
-        <p:nvSpPr>
-          <p:cNvPr id="7" name="Text Placeholder 6">
-            <a:extLst>
-              <a:ext uri="{FF2B5EF4-FFF2-40B4-BE49-F238E27FC236}">
-                <a16:creationId xmlns:a16="http://schemas.microsoft.com/office/drawing/2014/main" id="{33A858E6-8813-CD9D-EE22-EB8E062FBA14}"/>
-              </a:ext>
-            </a:extLst>
-          </p:cNvPr>
-          <p:cNvSpPr>
-            <a:spLocks noGrp="1"/>
-          </p:cNvSpPr>
-          <p:nvPr>
-            <p:ph type="body" sz="quarter" idx="24"/>
-          </p:nvPr>
-        </p:nvSpPr>
-        <p:spPr/>
-        <p:txBody>
-          <a:bodyPr/>
-          <a:lstStyle/>
-          <a:p>
-            <a:r>
-              <a:rPr lang="en-US" sz="3200" dirty="0"/>
-              <a:t>Analyze the data</a:t>
-            </a:r>
-            <a:endParaRPr lang="en-US" dirty="0"/>
-          </a:p>
-        </p:txBody>
-      </p:sp>
-      <p:pic>
-        <p:nvPicPr>
-          <p:cNvPr id="24" name="Picture Placeholder 23" descr="Badge with checkmark">
-            <a:extLst>
-              <a:ext uri="{FF2B5EF4-FFF2-40B4-BE49-F238E27FC236}">
-                <a16:creationId xmlns:a16="http://schemas.microsoft.com/office/drawing/2014/main" id="{F2D23F06-5068-6EAF-10FC-42E0A8F65A5B}"/>
-              </a:ext>
-            </a:extLst>
-          </p:cNvPr>
-          <p:cNvPicPr>
-            <a:picLocks noGrp="1" noChangeAspect="1"/>
-          </p:cNvPicPr>
-          <p:nvPr>
-            <p:ph type="pic" sz="quarter" idx="28"/>
-          </p:nvPr>
-        </p:nvPicPr>
-        <p:blipFill>
-          <a:blip r:embed="rId2">
-            <a:extLst>
-              <a:ext uri="{28A0092B-C50C-407E-A947-70E740481C1C}">
-                <a14:useLocalDpi xmlns:a14="http://schemas.microsoft.com/office/drawing/2010/main" val="0"/>
-              </a:ext>
-              <a:ext uri="{96DAC541-7B7A-43D3-8B79-37D633B846F1}">
-                <asvg:svgBlip xmlns:asvg="http://schemas.microsoft.com/office/drawing/2016/SVG/main" r:embed="rId3"/>
-              </a:ext>
-            </a:extLst>
-          </a:blip>
-          <a:srcRect/>
-          <a:stretch>
-            <a:fillRect/>
-          </a:stretch>
-        </p:blipFill>
-        <p:spPr/>
-      </p:pic>
-      <p:sp>
-        <p:nvSpPr>
-          <p:cNvPr id="8" name="Text Placeholder 7">
-            <a:extLst>
-              <a:ext uri="{FF2B5EF4-FFF2-40B4-BE49-F238E27FC236}">
-                <a16:creationId xmlns:a16="http://schemas.microsoft.com/office/drawing/2014/main" id="{CE80F9D7-8410-9097-31BC-A9AE7C7052A9}"/>
-              </a:ext>
-            </a:extLst>
-          </p:cNvPr>
-          <p:cNvSpPr>
-            <a:spLocks noGrp="1"/>
-          </p:cNvSpPr>
-          <p:nvPr>
-            <p:ph type="body" sz="quarter" idx="26"/>
-          </p:nvPr>
-        </p:nvSpPr>
-        <p:spPr/>
-        <p:txBody>
-          <a:bodyPr/>
-          <a:lstStyle/>
-          <a:p>
-            <a:r>
-              <a:rPr lang="en-US" sz="3200" dirty="0"/>
-              <a:t>Q&amp;A</a:t>
-            </a:r>
-          </a:p>
-        </p:txBody>
-      </p:sp>
-      <p:sp>
-        <p:nvSpPr>
-          <p:cNvPr id="3" name="Footer Placeholder 2">
-            <a:extLst>
-              <a:ext uri="{FF2B5EF4-FFF2-40B4-BE49-F238E27FC236}">
-                <a16:creationId xmlns:a16="http://schemas.microsoft.com/office/drawing/2014/main" id="{9C3F16C9-B662-209D-15DE-55D714B28413}"/>
-              </a:ext>
-            </a:extLst>
-          </p:cNvPr>
-          <p:cNvSpPr>
-            <a:spLocks noGrp="1"/>
-          </p:cNvSpPr>
-          <p:nvPr>
-            <p:ph type="ftr" sz="quarter" idx="10"/>
-          </p:nvPr>
-        </p:nvSpPr>
-        <p:spPr/>
-        <p:txBody>
-          <a:bodyPr/>
-          <a:lstStyle/>
-          <a:p>
-            <a:r>
-              <a:rPr lang="en-US" dirty="0"/>
-              <a:t>PRESENTATION TITLE</a:t>
-            </a:r>
-          </a:p>
-        </p:txBody>
-      </p:sp>
-      <p:sp>
-        <p:nvSpPr>
-          <p:cNvPr id="4" name="Slide Number Placeholder 3">
-            <a:extLst>
-              <a:ext uri="{FF2B5EF4-FFF2-40B4-BE49-F238E27FC236}">
-                <a16:creationId xmlns:a16="http://schemas.microsoft.com/office/drawing/2014/main" id="{804DA4DD-2363-F475-FCAA-A686AA9F99AC}"/>
-              </a:ext>
-            </a:extLst>
-          </p:cNvPr>
-          <p:cNvSpPr>
-            <a:spLocks noGrp="1"/>
-          </p:cNvSpPr>
-          <p:nvPr>
-            <p:ph type="sldNum" sz="quarter" idx="11"/>
-          </p:nvPr>
-        </p:nvSpPr>
-        <p:spPr/>
-        <p:txBody>
-          <a:bodyPr/>
-          <a:lstStyle/>
-          <a:p>
-            <a:fld id="{B5CEABB6-07DC-46E8-9B57-56EC44A396E5}" type="slidenum">
-              <a:rPr lang="en-US" smtClean="0"/>
-              <a:pPr/>
-              <a:t>2</a:t>
-            </a:fld>
-            <a:endParaRPr lang="en-US" dirty="0"/>
-          </a:p>
-        </p:txBody>
-      </p:sp>
-    </p:spTree>
-    <p:extLst>
-      <p:ext uri="{BB962C8B-B14F-4D97-AF65-F5344CB8AC3E}">
-        <p14:creationId xmlns:p14="http://schemas.microsoft.com/office/powerpoint/2010/main" val="4294866199"/>
-      </p:ext>
-    </p:extLst>
-  </p:cSld>
-  <p:clrMapOvr>
-    <a:masterClrMapping/>
-  </p:clrMapOvr>
-</p:sld>
-</file>
-
-<file path=ppt/slides/slide20.xml><?xml version="1.0" encoding="utf-8"?>
+<file path=ppt/slides/slide28.xml><?xml version="1.0" encoding="utf-8"?>
 <p:sld xmlns:a="http://schemas.openxmlformats.org/drawingml/2006/main" xmlns:r="http://schemas.openxmlformats.org/officeDocument/2006/relationships" xmlns:p="http://schemas.openxmlformats.org/presentationml/2006/main">
   <p:cSld>
     <p:spTree>
@@ -24146,7 +25790,7 @@
             <a:fld id="{B5CEABB6-07DC-46E8-9B57-56EC44A396E5}" type="slidenum">
               <a:rPr lang="en-US" smtClean="0"/>
               <a:pPr/>
-              <a:t>20</a:t>
+              <a:t>28</a:t>
             </a:fld>
             <a:endParaRPr lang="en-US" dirty="0"/>
           </a:p>
@@ -24195,7 +25839,7 @@
 </p:sld>
 </file>
 
-<file path=ppt/slides/slide21.xml><?xml version="1.0" encoding="utf-8"?>
+<file path=ppt/slides/slide29.xml><?xml version="1.0" encoding="utf-8"?>
 <p:sld xmlns:a="http://schemas.openxmlformats.org/drawingml/2006/main" xmlns:r="http://schemas.openxmlformats.org/officeDocument/2006/relationships" xmlns:p="http://schemas.openxmlformats.org/presentationml/2006/main">
   <p:cSld>
     <p:spTree>
@@ -24309,7 +25953,7 @@
             <a:fld id="{B5CEABB6-07DC-46E8-9B57-56EC44A396E5}" type="slidenum">
               <a:rPr lang="en-US" smtClean="0"/>
               <a:pPr/>
-              <a:t>21</a:t>
+              <a:t>29</a:t>
             </a:fld>
             <a:endParaRPr lang="en-US" dirty="0"/>
           </a:p>
@@ -24358,7 +26002,165 @@
 </p:sld>
 </file>
 
-<file path=ppt/slides/slide22.xml><?xml version="1.0" encoding="utf-8"?>
+<file path=ppt/slides/slide3.xml><?xml version="1.0" encoding="utf-8"?>
+<p:sld xmlns:a="http://schemas.openxmlformats.org/drawingml/2006/main" xmlns:r="http://schemas.openxmlformats.org/officeDocument/2006/relationships" xmlns:p="http://schemas.openxmlformats.org/presentationml/2006/main">
+  <p:cSld>
+    <p:spTree>
+      <p:nvGrpSpPr>
+        <p:cNvPr id="1" name="">
+          <a:extLst>
+            <a:ext uri="{FF2B5EF4-FFF2-40B4-BE49-F238E27FC236}">
+              <a16:creationId xmlns:a16="http://schemas.microsoft.com/office/drawing/2014/main" id="{2B239759-7F5B-5365-B75E-4AA63C839EDE}"/>
+            </a:ext>
+          </a:extLst>
+        </p:cNvPr>
+        <p:cNvGrpSpPr/>
+        <p:nvPr/>
+      </p:nvGrpSpPr>
+      <p:grpSpPr>
+        <a:xfrm>
+          <a:off x="0" y="0"/>
+          <a:ext cx="0" cy="0"/>
+          <a:chOff x="0" y="0"/>
+          <a:chExt cx="0" cy="0"/>
+        </a:xfrm>
+      </p:grpSpPr>
+      <p:sp>
+        <p:nvSpPr>
+          <p:cNvPr id="11" name="Title 10">
+            <a:extLst>
+              <a:ext uri="{FF2B5EF4-FFF2-40B4-BE49-F238E27FC236}">
+                <a16:creationId xmlns:a16="http://schemas.microsoft.com/office/drawing/2014/main" id="{FDB2219C-D940-12CF-1241-5894206B0563}"/>
+              </a:ext>
+            </a:extLst>
+          </p:cNvPr>
+          <p:cNvSpPr>
+            <a:spLocks noGrp="1"/>
+          </p:cNvSpPr>
+          <p:nvPr>
+            <p:ph type="ctrTitle"/>
+          </p:nvPr>
+        </p:nvSpPr>
+        <p:spPr/>
+        <p:txBody>
+          <a:bodyPr/>
+          <a:lstStyle/>
+          <a:p>
+            <a:r>
+              <a:rPr lang="en-US" dirty="0"/>
+              <a:t>Tech Stack</a:t>
+            </a:r>
+          </a:p>
+        </p:txBody>
+      </p:sp>
+      <p:sp>
+        <p:nvSpPr>
+          <p:cNvPr id="12" name="Subtitle 11">
+            <a:extLst>
+              <a:ext uri="{FF2B5EF4-FFF2-40B4-BE49-F238E27FC236}">
+                <a16:creationId xmlns:a16="http://schemas.microsoft.com/office/drawing/2014/main" id="{8AB0DEDD-1028-CB73-BCA9-57ABFCF810D7}"/>
+              </a:ext>
+            </a:extLst>
+          </p:cNvPr>
+          <p:cNvSpPr>
+            <a:spLocks noGrp="1"/>
+          </p:cNvSpPr>
+          <p:nvPr>
+            <p:ph type="subTitle" idx="1"/>
+          </p:nvPr>
+        </p:nvSpPr>
+        <p:spPr/>
+        <p:txBody>
+          <a:bodyPr/>
+          <a:lstStyle/>
+          <a:p>
+            <a:endParaRPr lang="en-US"/>
+          </a:p>
+        </p:txBody>
+      </p:sp>
+      <p:sp>
+        <p:nvSpPr>
+          <p:cNvPr id="9" name="Footer Placeholder 8">
+            <a:extLst>
+              <a:ext uri="{FF2B5EF4-FFF2-40B4-BE49-F238E27FC236}">
+                <a16:creationId xmlns:a16="http://schemas.microsoft.com/office/drawing/2014/main" id="{EE1F8DA5-9F8C-B3D8-615F-FD2FBA82948C}"/>
+              </a:ext>
+            </a:extLst>
+          </p:cNvPr>
+          <p:cNvSpPr>
+            <a:spLocks noGrp="1"/>
+          </p:cNvSpPr>
+          <p:nvPr>
+            <p:ph type="ftr" sz="quarter" idx="4294967295"/>
+          </p:nvPr>
+        </p:nvSpPr>
+        <p:spPr>
+          <a:xfrm>
+            <a:off x="0" y="6356350"/>
+            <a:ext cx="4411663" cy="365125"/>
+          </a:xfrm>
+        </p:spPr>
+        <p:txBody>
+          <a:bodyPr/>
+          <a:lstStyle/>
+          <a:p>
+            <a:r>
+              <a:rPr lang="en-US"/>
+              <a:t>PRESENTATION TITLE</a:t>
+            </a:r>
+            <a:endParaRPr lang="en-US" dirty="0"/>
+          </a:p>
+        </p:txBody>
+      </p:sp>
+      <p:sp>
+        <p:nvSpPr>
+          <p:cNvPr id="10" name="Slide Number Placeholder 9">
+            <a:extLst>
+              <a:ext uri="{FF2B5EF4-FFF2-40B4-BE49-F238E27FC236}">
+                <a16:creationId xmlns:a16="http://schemas.microsoft.com/office/drawing/2014/main" id="{5E3DAF9F-C42E-CDD9-F3ED-BBFFBDF3103B}"/>
+              </a:ext>
+            </a:extLst>
+          </p:cNvPr>
+          <p:cNvSpPr>
+            <a:spLocks noGrp="1"/>
+          </p:cNvSpPr>
+          <p:nvPr>
+            <p:ph type="sldNum" sz="quarter" idx="4294967295"/>
+          </p:nvPr>
+        </p:nvSpPr>
+        <p:spPr>
+          <a:xfrm>
+            <a:off x="9448800" y="6356350"/>
+            <a:ext cx="2743200" cy="365125"/>
+          </a:xfrm>
+        </p:spPr>
+        <p:txBody>
+          <a:bodyPr/>
+          <a:lstStyle/>
+          <a:p>
+            <a:fld id="{B5CEABB6-07DC-46E8-9B57-56EC44A396E5}" type="slidenum">
+              <a:rPr lang="en-US" smtClean="0"/>
+              <a:pPr/>
+              <a:t>3</a:t>
+            </a:fld>
+            <a:endParaRPr lang="en-US" dirty="0"/>
+          </a:p>
+        </p:txBody>
+      </p:sp>
+    </p:spTree>
+    <p:extLst>
+      <p:ext uri="{BB962C8B-B14F-4D97-AF65-F5344CB8AC3E}">
+        <p14:creationId xmlns:p14="http://schemas.microsoft.com/office/powerpoint/2010/main" val="3463470863"/>
+      </p:ext>
+    </p:extLst>
+  </p:cSld>
+  <p:clrMapOvr>
+    <a:masterClrMapping/>
+  </p:clrMapOvr>
+</p:sld>
+</file>
+
+<file path=ppt/slides/slide30.xml><?xml version="1.0" encoding="utf-8"?>
 <p:sld xmlns:a="http://schemas.openxmlformats.org/drawingml/2006/main" xmlns:r="http://schemas.openxmlformats.org/officeDocument/2006/relationships" xmlns:p="http://schemas.openxmlformats.org/presentationml/2006/main">
   <p:cSld>
     <p:spTree>
@@ -24467,7 +26269,7 @@
             <a:fld id="{B5CEABB6-07DC-46E8-9B57-56EC44A396E5}" type="slidenum">
               <a:rPr lang="en-US" smtClean="0"/>
               <a:pPr/>
-              <a:t>22</a:t>
+              <a:t>30</a:t>
             </a:fld>
             <a:endParaRPr lang="en-US" dirty="0"/>
           </a:p>
@@ -24516,7 +26318,7 @@
 </p:sld>
 </file>
 
-<file path=ppt/slides/slide23.xml><?xml version="1.0" encoding="utf-8"?>
+<file path=ppt/slides/slide31.xml><?xml version="1.0" encoding="utf-8"?>
 <p:sld xmlns:a="http://schemas.openxmlformats.org/drawingml/2006/main" xmlns:r="http://schemas.openxmlformats.org/officeDocument/2006/relationships" xmlns:p="http://schemas.openxmlformats.org/presentationml/2006/main">
   <p:cSld>
     <p:spTree>
@@ -24625,7 +26427,7 @@
             <a:fld id="{B5CEABB6-07DC-46E8-9B57-56EC44A396E5}" type="slidenum">
               <a:rPr lang="en-US" smtClean="0"/>
               <a:pPr/>
-              <a:t>23</a:t>
+              <a:t>31</a:t>
             </a:fld>
             <a:endParaRPr lang="en-US" dirty="0"/>
           </a:p>
@@ -24674,7 +26476,7 @@
 </p:sld>
 </file>
 
-<file path=ppt/slides/slide24.xml><?xml version="1.0" encoding="utf-8"?>
+<file path=ppt/slides/slide32.xml><?xml version="1.0" encoding="utf-8"?>
 <p:sld xmlns:a="http://schemas.openxmlformats.org/drawingml/2006/main" xmlns:r="http://schemas.openxmlformats.org/officeDocument/2006/relationships" xmlns:p="http://schemas.openxmlformats.org/presentationml/2006/main">
   <p:cSld>
     <p:spTree>
@@ -24783,7 +26585,7 @@
             <a:fld id="{B5CEABB6-07DC-46E8-9B57-56EC44A396E5}" type="slidenum">
               <a:rPr lang="en-US" smtClean="0"/>
               <a:pPr/>
-              <a:t>24</a:t>
+              <a:t>32</a:t>
             </a:fld>
             <a:endParaRPr lang="en-US" dirty="0"/>
           </a:p>
@@ -24832,7 +26634,7 @@
 </p:sld>
 </file>
 
-<file path=ppt/slides/slide25.xml><?xml version="1.0" encoding="utf-8"?>
+<file path=ppt/slides/slide33.xml><?xml version="1.0" encoding="utf-8"?>
 <p:sld xmlns:a="http://schemas.openxmlformats.org/drawingml/2006/main" xmlns:r="http://schemas.openxmlformats.org/officeDocument/2006/relationships" xmlns:p="http://schemas.openxmlformats.org/presentationml/2006/main">
   <p:cSld>
     <p:spTree>
@@ -24941,7 +26743,7 @@
             <a:fld id="{B5CEABB6-07DC-46E8-9B57-56EC44A396E5}" type="slidenum">
               <a:rPr lang="en-US" smtClean="0"/>
               <a:pPr/>
-              <a:t>25</a:t>
+              <a:t>33</a:t>
             </a:fld>
             <a:endParaRPr lang="en-US" dirty="0"/>
           </a:p>
@@ -24990,7 +26792,7 @@
 </p:sld>
 </file>
 
-<file path=ppt/slides/slide26.xml><?xml version="1.0" encoding="utf-8"?>
+<file path=ppt/slides/slide34.xml><?xml version="1.0" encoding="utf-8"?>
 <p:sld xmlns:a="http://schemas.openxmlformats.org/drawingml/2006/main" xmlns:r="http://schemas.openxmlformats.org/officeDocument/2006/relationships" xmlns:p="http://schemas.openxmlformats.org/presentationml/2006/main">
   <p:cSld>
     <p:spTree>
@@ -25107,7 +26909,7 @@
             <a:fld id="{B5CEABB6-07DC-46E8-9B57-56EC44A396E5}" type="slidenum">
               <a:rPr lang="en-US" smtClean="0"/>
               <a:pPr/>
-              <a:t>26</a:t>
+              <a:t>34</a:t>
             </a:fld>
             <a:endParaRPr lang="en-US" dirty="0"/>
           </a:p>
@@ -25156,7 +26958,7 @@
 </p:sld>
 </file>
 
-<file path=ppt/slides/slide27.xml><?xml version="1.0" encoding="utf-8"?>
+<file path=ppt/slides/slide35.xml><?xml version="1.0" encoding="utf-8"?>
 <p:sld xmlns:a="http://schemas.openxmlformats.org/drawingml/2006/main" xmlns:r="http://schemas.openxmlformats.org/officeDocument/2006/relationships" xmlns:p="http://schemas.openxmlformats.org/presentationml/2006/main">
   <p:cSld>
     <p:spTree>
@@ -25297,7 +27099,7 @@
             <a:fld id="{B5CEABB6-07DC-46E8-9B57-56EC44A396E5}" type="slidenum">
               <a:rPr lang="en-US" smtClean="0"/>
               <a:pPr/>
-              <a:t>27</a:t>
+              <a:t>35</a:t>
             </a:fld>
             <a:endParaRPr lang="en-US" dirty="0"/>
           </a:p>
@@ -25316,7 +27118,7 @@
 </p:sld>
 </file>
 
-<file path=ppt/slides/slide28.xml><?xml version="1.0" encoding="utf-8"?>
+<file path=ppt/slides/slide36.xml><?xml version="1.0" encoding="utf-8"?>
 <p:sld xmlns:a="http://schemas.openxmlformats.org/drawingml/2006/main" xmlns:r="http://schemas.openxmlformats.org/officeDocument/2006/relationships" xmlns:p="http://schemas.openxmlformats.org/presentationml/2006/main">
   <p:cSld>
     <p:spTree>
@@ -25679,7 +27481,7 @@
             <a:fld id="{B5CEABB6-07DC-46E8-9B57-56EC44A396E5}" type="slidenum">
               <a:rPr lang="en-US" smtClean="0"/>
               <a:pPr/>
-              <a:t>28</a:t>
+              <a:t>36</a:t>
             </a:fld>
             <a:endParaRPr lang="en-US" dirty="0"/>
           </a:p>
@@ -25698,7 +27500,7 @@
 </p:sld>
 </file>
 
-<file path=ppt/slides/slide29.xml><?xml version="1.0" encoding="utf-8"?>
+<file path=ppt/slides/slide37.xml><?xml version="1.0" encoding="utf-8"?>
 <p:sld xmlns:a="http://schemas.openxmlformats.org/drawingml/2006/main" xmlns:r="http://schemas.openxmlformats.org/officeDocument/2006/relationships" xmlns:p="http://schemas.openxmlformats.org/presentationml/2006/main">
   <p:cSld>
     <p:spTree>
@@ -25837,7 +27639,7 @@
             <a:fld id="{B5CEABB6-07DC-46E8-9B57-56EC44A396E5}" type="slidenum">
               <a:rPr lang="en-US" smtClean="0"/>
               <a:pPr/>
-              <a:t>29</a:t>
+              <a:t>37</a:t>
             </a:fld>
             <a:endParaRPr lang="en-US" dirty="0"/>
           </a:p>
@@ -25856,7 +27658,93 @@
 </p:sld>
 </file>
 
-<file path=ppt/slides/slide3.xml><?xml version="1.0" encoding="utf-8"?>
+<file path=ppt/slides/slide38.xml><?xml version="1.0" encoding="utf-8"?>
+<p:sld xmlns:a="http://schemas.openxmlformats.org/drawingml/2006/main" xmlns:r="http://schemas.openxmlformats.org/officeDocument/2006/relationships" xmlns:p="http://schemas.openxmlformats.org/presentationml/2006/main">
+  <p:cSld>
+    <p:spTree>
+      <p:nvGrpSpPr>
+        <p:cNvPr id="1" name=""/>
+        <p:cNvGrpSpPr/>
+        <p:nvPr/>
+      </p:nvGrpSpPr>
+      <p:grpSpPr>
+        <a:xfrm>
+          <a:off x="0" y="0"/>
+          <a:ext cx="0" cy="0"/>
+          <a:chOff x="0" y="0"/>
+          <a:chExt cx="0" cy="0"/>
+        </a:xfrm>
+      </p:grpSpPr>
+      <p:sp>
+        <p:nvSpPr>
+          <p:cNvPr id="11" name="Title 10">
+            <a:extLst>
+              <a:ext uri="{FF2B5EF4-FFF2-40B4-BE49-F238E27FC236}">
+                <a16:creationId xmlns:a16="http://schemas.microsoft.com/office/drawing/2014/main" id="{CCE595D9-27F3-FE1C-9A37-0F9F7903022E}"/>
+              </a:ext>
+            </a:extLst>
+          </p:cNvPr>
+          <p:cNvSpPr>
+            <a:spLocks noGrp="1"/>
+          </p:cNvSpPr>
+          <p:nvPr>
+            <p:ph type="ctrTitle"/>
+          </p:nvPr>
+        </p:nvSpPr>
+        <p:spPr/>
+        <p:txBody>
+          <a:bodyPr/>
+          <a:lstStyle/>
+          <a:p>
+            <a:r>
+              <a:rPr lang="en-US" dirty="0"/>
+              <a:t>Thank you</a:t>
+            </a:r>
+          </a:p>
+        </p:txBody>
+      </p:sp>
+      <p:sp>
+        <p:nvSpPr>
+          <p:cNvPr id="3" name="Subtitle 2">
+            <a:extLst>
+              <a:ext uri="{FF2B5EF4-FFF2-40B4-BE49-F238E27FC236}">
+                <a16:creationId xmlns:a16="http://schemas.microsoft.com/office/drawing/2014/main" id="{8CFA4869-4108-EB15-4EB0-B65C291C5D97}"/>
+              </a:ext>
+            </a:extLst>
+          </p:cNvPr>
+          <p:cNvSpPr>
+            <a:spLocks noGrp="1"/>
+          </p:cNvSpPr>
+          <p:nvPr>
+            <p:ph type="subTitle" idx="1"/>
+          </p:nvPr>
+        </p:nvSpPr>
+        <p:spPr/>
+        <p:txBody>
+          <a:bodyPr/>
+          <a:lstStyle/>
+          <a:p>
+            <a:r>
+              <a:rPr lang="en-US" dirty="0"/>
+              <a:t>Aaron Chee</a:t>
+            </a:r>
+          </a:p>
+        </p:txBody>
+      </p:sp>
+    </p:spTree>
+    <p:extLst>
+      <p:ext uri="{BB962C8B-B14F-4D97-AF65-F5344CB8AC3E}">
+        <p14:creationId xmlns:p14="http://schemas.microsoft.com/office/powerpoint/2010/main" val="3784505952"/>
+      </p:ext>
+    </p:extLst>
+  </p:cSld>
+  <p:clrMapOvr>
+    <a:masterClrMapping/>
+  </p:clrMapOvr>
+</p:sld>
+</file>
+
+<file path=ppt/slides/slide4.xml><?xml version="1.0" encoding="utf-8"?>
 <p:sld xmlns:a="http://schemas.openxmlformats.org/drawingml/2006/main" xmlns:r="http://schemas.openxmlformats.org/officeDocument/2006/relationships" xmlns:p="http://schemas.openxmlformats.org/presentationml/2006/main">
   <p:cSld>
     <p:spTree>
@@ -26069,7 +27957,7 @@
             <a:fld id="{B5CEABB6-07DC-46E8-9B57-56EC44A396E5}" type="slidenum">
               <a:rPr lang="en-US" smtClean="0"/>
               <a:pPr/>
-              <a:t>3</a:t>
+              <a:t>4</a:t>
             </a:fld>
             <a:endParaRPr lang="en-US" dirty="0"/>
           </a:p>
@@ -26193,7 +28081,7 @@
 </p:sld>
 </file>
 
-<file path=ppt/slides/slide30.xml><?xml version="1.0" encoding="utf-8"?>
+<file path=ppt/slides/slide5.xml><?xml version="1.0" encoding="utf-8"?>
 <p:sld xmlns:a="http://schemas.openxmlformats.org/drawingml/2006/main" xmlns:r="http://schemas.openxmlformats.org/officeDocument/2006/relationships" xmlns:p="http://schemas.openxmlformats.org/presentationml/2006/main">
   <p:cSld>
     <p:spTree>
@@ -26215,7 +28103,7 @@
           <p:cNvPr id="11" name="Title 10">
             <a:extLst>
               <a:ext uri="{FF2B5EF4-FFF2-40B4-BE49-F238E27FC236}">
-                <a16:creationId xmlns:a16="http://schemas.microsoft.com/office/drawing/2014/main" id="{CCE595D9-27F3-FE1C-9A37-0F9F7903022E}"/>
+                <a16:creationId xmlns:a16="http://schemas.microsoft.com/office/drawing/2014/main" id="{003B73DA-8E4C-62D3-BEAF-02DD0464E177}"/>
               </a:ext>
             </a:extLst>
           </p:cNvPr>
@@ -26233,17 +28121,17 @@
           <a:p>
             <a:r>
               <a:rPr lang="en-US" dirty="0"/>
-              <a:t>Thank you</a:t>
+              <a:t>Questions</a:t>
             </a:r>
           </a:p>
         </p:txBody>
       </p:sp>
       <p:sp>
         <p:nvSpPr>
-          <p:cNvPr id="3" name="Subtitle 2">
-            <a:extLst>
-              <a:ext uri="{FF2B5EF4-FFF2-40B4-BE49-F238E27FC236}">
-                <a16:creationId xmlns:a16="http://schemas.microsoft.com/office/drawing/2014/main" id="{8CFA4869-4108-EB15-4EB0-B65C291C5D97}"/>
+          <p:cNvPr id="12" name="Subtitle 11">
+            <a:extLst>
+              <a:ext uri="{FF2B5EF4-FFF2-40B4-BE49-F238E27FC236}">
+                <a16:creationId xmlns:a16="http://schemas.microsoft.com/office/drawing/2014/main" id="{28BDF6F2-E4DE-4D7D-FA5D-A508F32CD486}"/>
               </a:ext>
             </a:extLst>
           </p:cNvPr>
@@ -26259,17 +28147,83 @@
           <a:bodyPr/>
           <a:lstStyle/>
           <a:p>
+            <a:endParaRPr lang="en-US" dirty="0"/>
+          </a:p>
+        </p:txBody>
+      </p:sp>
+      <p:sp>
+        <p:nvSpPr>
+          <p:cNvPr id="9" name="Footer Placeholder 8">
+            <a:extLst>
+              <a:ext uri="{FF2B5EF4-FFF2-40B4-BE49-F238E27FC236}">
+                <a16:creationId xmlns:a16="http://schemas.microsoft.com/office/drawing/2014/main" id="{5186C2B8-4EFA-A26F-B549-2DB2BD236804}"/>
+              </a:ext>
+            </a:extLst>
+          </p:cNvPr>
+          <p:cNvSpPr>
+            <a:spLocks noGrp="1"/>
+          </p:cNvSpPr>
+          <p:nvPr>
+            <p:ph type="ftr" sz="quarter" idx="4294967295"/>
+          </p:nvPr>
+        </p:nvSpPr>
+        <p:spPr>
+          <a:xfrm>
+            <a:off x="0" y="6356350"/>
+            <a:ext cx="4411663" cy="365125"/>
+          </a:xfrm>
+        </p:spPr>
+        <p:txBody>
+          <a:bodyPr/>
+          <a:lstStyle/>
+          <a:p>
             <a:r>
-              <a:rPr lang="en-US" dirty="0"/>
-              <a:t>Aaron Chee</a:t>
+              <a:rPr lang="en-US"/>
+              <a:t>PRESENTATION TITLE</a:t>
             </a:r>
+            <a:endParaRPr lang="en-US" dirty="0"/>
+          </a:p>
+        </p:txBody>
+      </p:sp>
+      <p:sp>
+        <p:nvSpPr>
+          <p:cNvPr id="10" name="Slide Number Placeholder 9">
+            <a:extLst>
+              <a:ext uri="{FF2B5EF4-FFF2-40B4-BE49-F238E27FC236}">
+                <a16:creationId xmlns:a16="http://schemas.microsoft.com/office/drawing/2014/main" id="{2461392A-24DF-52C9-F29E-CB27FBB8C7F4}"/>
+              </a:ext>
+            </a:extLst>
+          </p:cNvPr>
+          <p:cNvSpPr>
+            <a:spLocks noGrp="1"/>
+          </p:cNvSpPr>
+          <p:nvPr>
+            <p:ph type="sldNum" sz="quarter" idx="4294967295"/>
+          </p:nvPr>
+        </p:nvSpPr>
+        <p:spPr>
+          <a:xfrm>
+            <a:off x="9448800" y="6356350"/>
+            <a:ext cx="2743200" cy="365125"/>
+          </a:xfrm>
+        </p:spPr>
+        <p:txBody>
+          <a:bodyPr/>
+          <a:lstStyle/>
+          <a:p>
+            <a:fld id="{B5CEABB6-07DC-46E8-9B57-56EC44A396E5}" type="slidenum">
+              <a:rPr lang="en-US" smtClean="0"/>
+              <a:pPr/>
+              <a:t>5</a:t>
+            </a:fld>
+            <a:endParaRPr lang="en-US" dirty="0"/>
           </a:p>
         </p:txBody>
       </p:sp>
     </p:spTree>
     <p:extLst>
       <p:ext uri="{BB962C8B-B14F-4D97-AF65-F5344CB8AC3E}">
-        <p14:creationId xmlns:p14="http://schemas.microsoft.com/office/powerpoint/2010/main" val="3784505952"/>
+        <p14:creationId xmlns:p14="http://schemas.microsoft.com/office/powerpoint/2010/main" val="3835276653"/>
       </p:ext>
     </p:extLst>
   </p:cSld>
@@ -26279,7 +28233,7 @@
 </p:sld>
 </file>
 
-<file path=ppt/slides/slide4.xml><?xml version="1.0" encoding="utf-8"?>
+<file path=ppt/slides/slide6.xml><?xml version="1.0" encoding="utf-8"?>
 <p:sld xmlns:a="http://schemas.openxmlformats.org/drawingml/2006/main" xmlns:r="http://schemas.openxmlformats.org/officeDocument/2006/relationships" xmlns:p="http://schemas.openxmlformats.org/presentationml/2006/main">
   <p:cSld>
     <p:spTree>
@@ -26482,7 +28436,7 @@
             <a:fld id="{B5CEABB6-07DC-46E8-9B57-56EC44A396E5}" type="slidenum">
               <a:rPr lang="en-US" smtClean="0"/>
               <a:pPr/>
-              <a:t>4</a:t>
+              <a:t>6</a:t>
             </a:fld>
             <a:endParaRPr lang="en-US" dirty="0"/>
           </a:p>
@@ -26609,7 +28563,7 @@
 </p:sld>
 </file>
 
-<file path=ppt/slides/slide5.xml><?xml version="1.0" encoding="utf-8"?>
+<file path=ppt/slides/slide7.xml><?xml version="1.0" encoding="utf-8"?>
 <p:sld xmlns:a="http://schemas.openxmlformats.org/drawingml/2006/main" xmlns:r="http://schemas.openxmlformats.org/officeDocument/2006/relationships" xmlns:p="http://schemas.openxmlformats.org/presentationml/2006/main">
   <p:cSld>
     <p:spTree>
@@ -26750,7 +28704,15 @@
           <a:p>
             <a:r>
               <a:rPr lang="en-US" dirty="0"/>
-              <a:t>Is there a significant difference in average test scores based on gender? Is it related to parents education? Is it related to lunches?</a:t>
+              <a:t>Is there any correlation between lunch plans and test averages? How about any correlation between test averages and </a:t>
+            </a:r>
+            <a:r>
+              <a:rPr lang="en-US" dirty="0" err="1"/>
+              <a:t>parental_level_education</a:t>
+            </a:r>
+            <a:r>
+              <a:rPr lang="en-US" dirty="0"/>
+              <a:t>?</a:t>
             </a:r>
           </a:p>
           <a:p>
@@ -26810,7 +28772,7 @@
             <a:fld id="{B5CEABB6-07DC-46E8-9B57-56EC44A396E5}" type="slidenum">
               <a:rPr lang="en-US" smtClean="0"/>
               <a:pPr/>
-              <a:t>5</a:t>
+              <a:t>7</a:t>
             </a:fld>
             <a:endParaRPr lang="en-US" dirty="0"/>
           </a:p>
@@ -26937,316 +28899,7 @@
 </p:sld>
 </file>
 
-<file path=ppt/slides/slide6.xml><?xml version="1.0" encoding="utf-8"?>
-<p:sld xmlns:a="http://schemas.openxmlformats.org/drawingml/2006/main" xmlns:r="http://schemas.openxmlformats.org/officeDocument/2006/relationships" xmlns:p="http://schemas.openxmlformats.org/presentationml/2006/main">
-  <p:cSld>
-    <p:spTree>
-      <p:nvGrpSpPr>
-        <p:cNvPr id="1" name=""/>
-        <p:cNvGrpSpPr/>
-        <p:nvPr/>
-      </p:nvGrpSpPr>
-      <p:grpSpPr>
-        <a:xfrm>
-          <a:off x="0" y="0"/>
-          <a:ext cx="0" cy="0"/>
-          <a:chOff x="0" y="0"/>
-          <a:chExt cx="0" cy="0"/>
-        </a:xfrm>
-      </p:grpSpPr>
-      <p:sp>
-        <p:nvSpPr>
-          <p:cNvPr id="2" name="Title 1">
-            <a:extLst>
-              <a:ext uri="{FF2B5EF4-FFF2-40B4-BE49-F238E27FC236}">
-                <a16:creationId xmlns:a16="http://schemas.microsoft.com/office/drawing/2014/main" id="{D0CC66A4-8F9D-4909-C4B6-A3DD17F2054F}"/>
-              </a:ext>
-            </a:extLst>
-          </p:cNvPr>
-          <p:cNvSpPr>
-            <a:spLocks noGrp="1"/>
-          </p:cNvSpPr>
-          <p:nvPr>
-            <p:ph type="title"/>
-          </p:nvPr>
-        </p:nvSpPr>
-        <p:spPr/>
-        <p:txBody>
-          <a:bodyPr/>
-          <a:lstStyle/>
-          <a:p>
-            <a:r>
-              <a:rPr lang="en-US" dirty="0"/>
-              <a:t>Understanding the variables</a:t>
-            </a:r>
-          </a:p>
-        </p:txBody>
-      </p:sp>
-      <p:pic>
-        <p:nvPicPr>
-          <p:cNvPr id="12" name="Picture Placeholder 11" descr="Graduation cap with solid fill">
-            <a:extLst>
-              <a:ext uri="{FF2B5EF4-FFF2-40B4-BE49-F238E27FC236}">
-                <a16:creationId xmlns:a16="http://schemas.microsoft.com/office/drawing/2014/main" id="{1F7FAF7E-DDCB-3695-32DB-84E4BD50B44F}"/>
-              </a:ext>
-            </a:extLst>
-          </p:cNvPr>
-          <p:cNvPicPr>
-            <a:picLocks noGrp="1" noChangeAspect="1"/>
-          </p:cNvPicPr>
-          <p:nvPr>
-            <p:ph type="pic" sz="quarter" idx="24"/>
-          </p:nvPr>
-        </p:nvPicPr>
-        <p:blipFill>
-          <a:blip r:embed="rId2">
-            <a:extLst>
-              <a:ext uri="{96DAC541-7B7A-43D3-8B79-37D633B846F1}">
-                <asvg:svgBlip xmlns:asvg="http://schemas.microsoft.com/office/drawing/2016/SVG/main" r:embed="rId3"/>
-              </a:ext>
-            </a:extLst>
-          </a:blip>
-          <a:srcRect/>
-          <a:stretch>
-            <a:fillRect/>
-          </a:stretch>
-        </p:blipFill>
-        <p:spPr>
-          <a:xfrm>
-            <a:off x="1911350" y="2374695"/>
-            <a:ext cx="685800" cy="685800"/>
-          </a:xfrm>
-        </p:spPr>
-      </p:pic>
-      <p:pic>
-        <p:nvPicPr>
-          <p:cNvPr id="14" name="Picture Placeholder 13" descr="Family with girl with solid fill">
-            <a:extLst>
-              <a:ext uri="{FF2B5EF4-FFF2-40B4-BE49-F238E27FC236}">
-                <a16:creationId xmlns:a16="http://schemas.microsoft.com/office/drawing/2014/main" id="{55CB5852-98F0-4BE7-4DB1-3CBA852710C5}"/>
-              </a:ext>
-            </a:extLst>
-          </p:cNvPr>
-          <p:cNvPicPr>
-            <a:picLocks noGrp="1" noChangeAspect="1"/>
-          </p:cNvPicPr>
-          <p:nvPr>
-            <p:ph type="pic" sz="quarter" idx="25"/>
-          </p:nvPr>
-        </p:nvPicPr>
-        <p:blipFill>
-          <a:blip r:embed="rId4">
-            <a:extLst>
-              <a:ext uri="{96DAC541-7B7A-43D3-8B79-37D633B846F1}">
-                <asvg:svgBlip xmlns:asvg="http://schemas.microsoft.com/office/drawing/2016/SVG/main" r:embed="rId5"/>
-              </a:ext>
-            </a:extLst>
-          </a:blip>
-          <a:srcRect/>
-          <a:stretch>
-            <a:fillRect/>
-          </a:stretch>
-        </p:blipFill>
-        <p:spPr>
-          <a:xfrm>
-            <a:off x="5226723" y="2468187"/>
-            <a:ext cx="685800" cy="685800"/>
-          </a:xfrm>
-        </p:spPr>
-      </p:pic>
-      <p:sp>
-        <p:nvSpPr>
-          <p:cNvPr id="6" name="Text Placeholder 5">
-            <a:extLst>
-              <a:ext uri="{FF2B5EF4-FFF2-40B4-BE49-F238E27FC236}">
-                <a16:creationId xmlns:a16="http://schemas.microsoft.com/office/drawing/2014/main" id="{246F6B84-EF73-4E4D-828E-5C87C9BC2FD4}"/>
-              </a:ext>
-            </a:extLst>
-          </p:cNvPr>
-          <p:cNvSpPr>
-            <a:spLocks noGrp="1"/>
-          </p:cNvSpPr>
-          <p:nvPr>
-            <p:ph type="body" sz="quarter" idx="16"/>
-          </p:nvPr>
-        </p:nvSpPr>
-        <p:spPr/>
-        <p:txBody>
-          <a:bodyPr/>
-          <a:lstStyle/>
-          <a:p>
-            <a:r>
-              <a:rPr lang="en-US" dirty="0"/>
-              <a:t>Students have a one-to-many relationship with exams and its results. They also have a many-to-many relationship with subjects. </a:t>
-            </a:r>
-          </a:p>
-        </p:txBody>
-      </p:sp>
-      <p:sp>
-        <p:nvSpPr>
-          <p:cNvPr id="7" name="Text Placeholder 6">
-            <a:extLst>
-              <a:ext uri="{FF2B5EF4-FFF2-40B4-BE49-F238E27FC236}">
-                <a16:creationId xmlns:a16="http://schemas.microsoft.com/office/drawing/2014/main" id="{CF9A60B3-F4A9-F706-0F4E-E52078B6C6A3}"/>
-              </a:ext>
-            </a:extLst>
-          </p:cNvPr>
-          <p:cNvSpPr>
-            <a:spLocks noGrp="1"/>
-          </p:cNvSpPr>
-          <p:nvPr>
-            <p:ph type="body" sz="quarter" idx="22"/>
-          </p:nvPr>
-        </p:nvSpPr>
-        <p:spPr/>
-        <p:txBody>
-          <a:bodyPr/>
-          <a:lstStyle/>
-          <a:p>
-            <a:r>
-              <a:rPr lang="en-US" dirty="0"/>
-              <a:t>Parents are not included in this dataset. </a:t>
-            </a:r>
-          </a:p>
-        </p:txBody>
-      </p:sp>
-      <p:sp>
-        <p:nvSpPr>
-          <p:cNvPr id="8" name="Text Placeholder 7">
-            <a:extLst>
-              <a:ext uri="{FF2B5EF4-FFF2-40B4-BE49-F238E27FC236}">
-                <a16:creationId xmlns:a16="http://schemas.microsoft.com/office/drawing/2014/main" id="{935F697F-F812-1FF4-A66A-6D92C4B44C98}"/>
-              </a:ext>
-            </a:extLst>
-          </p:cNvPr>
-          <p:cNvSpPr>
-            <a:spLocks noGrp="1"/>
-          </p:cNvSpPr>
-          <p:nvPr>
-            <p:ph type="body" sz="quarter" idx="19"/>
-          </p:nvPr>
-        </p:nvSpPr>
-        <p:spPr/>
-        <p:txBody>
-          <a:bodyPr/>
-          <a:lstStyle/>
-          <a:p>
-            <a:r>
-              <a:rPr lang="en-US" dirty="0"/>
-              <a:t>Exam results are the fact table. This describes the results from the students. It contains foreign keys that connect to other tables or entities that have the related primary key.</a:t>
-            </a:r>
-          </a:p>
-        </p:txBody>
-      </p:sp>
-      <p:sp>
-        <p:nvSpPr>
-          <p:cNvPr id="9" name="Footer Placeholder 8">
-            <a:extLst>
-              <a:ext uri="{FF2B5EF4-FFF2-40B4-BE49-F238E27FC236}">
-                <a16:creationId xmlns:a16="http://schemas.microsoft.com/office/drawing/2014/main" id="{CE68F465-0679-1482-4544-5155613F40DA}"/>
-              </a:ext>
-            </a:extLst>
-          </p:cNvPr>
-          <p:cNvSpPr>
-            <a:spLocks noGrp="1"/>
-          </p:cNvSpPr>
-          <p:nvPr>
-            <p:ph type="ftr" sz="quarter" idx="10"/>
-          </p:nvPr>
-        </p:nvSpPr>
-        <p:spPr/>
-        <p:txBody>
-          <a:bodyPr/>
-          <a:lstStyle/>
-          <a:p>
-            <a:r>
-              <a:rPr lang="en-US"/>
-              <a:t>PRESENTATION TITLE</a:t>
-            </a:r>
-            <a:endParaRPr lang="en-US" dirty="0"/>
-          </a:p>
-        </p:txBody>
-      </p:sp>
-      <p:sp>
-        <p:nvSpPr>
-          <p:cNvPr id="10" name="Slide Number Placeholder 9">
-            <a:extLst>
-              <a:ext uri="{FF2B5EF4-FFF2-40B4-BE49-F238E27FC236}">
-                <a16:creationId xmlns:a16="http://schemas.microsoft.com/office/drawing/2014/main" id="{C2CC5343-D470-D951-3BB0-F265DAC66A8C}"/>
-              </a:ext>
-            </a:extLst>
-          </p:cNvPr>
-          <p:cNvSpPr>
-            <a:spLocks noGrp="1"/>
-          </p:cNvSpPr>
-          <p:nvPr>
-            <p:ph type="sldNum" sz="quarter" idx="11"/>
-          </p:nvPr>
-        </p:nvSpPr>
-        <p:spPr/>
-        <p:txBody>
-          <a:bodyPr/>
-          <a:lstStyle/>
-          <a:p>
-            <a:fld id="{B5CEABB6-07DC-46E8-9B57-56EC44A396E5}" type="slidenum">
-              <a:rPr lang="en-US" smtClean="0"/>
-              <a:pPr/>
-              <a:t>6</a:t>
-            </a:fld>
-            <a:endParaRPr lang="en-US" dirty="0"/>
-          </a:p>
-        </p:txBody>
-      </p:sp>
-      <p:pic>
-        <p:nvPicPr>
-          <p:cNvPr id="16" name="Graphic 15" descr="Clipboard Partially Crossed with solid fill">
-            <a:extLst>
-              <a:ext uri="{FF2B5EF4-FFF2-40B4-BE49-F238E27FC236}">
-                <a16:creationId xmlns:a16="http://schemas.microsoft.com/office/drawing/2014/main" id="{4B27DB86-E909-62A7-A4CD-E1FFE1B00CFB}"/>
-              </a:ext>
-            </a:extLst>
-          </p:cNvPr>
-          <p:cNvPicPr>
-            <a:picLocks noChangeAspect="1"/>
-          </p:cNvPicPr>
-          <p:nvPr/>
-        </p:nvPicPr>
-        <p:blipFill>
-          <a:blip r:embed="rId6">
-            <a:extLst>
-              <a:ext uri="{96DAC541-7B7A-43D3-8B79-37D633B846F1}">
-                <asvg:svgBlip xmlns:asvg="http://schemas.microsoft.com/office/drawing/2016/SVG/main" r:embed="rId7"/>
-              </a:ext>
-            </a:extLst>
-          </a:blip>
-          <a:stretch>
-            <a:fillRect/>
-          </a:stretch>
-        </p:blipFill>
-        <p:spPr>
-          <a:xfrm>
-            <a:off x="8299084" y="2353887"/>
-            <a:ext cx="914400" cy="914400"/>
-          </a:xfrm>
-          <a:prstGeom prst="rect">
-            <a:avLst/>
-          </a:prstGeom>
-        </p:spPr>
-      </p:pic>
-    </p:spTree>
-    <p:extLst>
-      <p:ext uri="{BB962C8B-B14F-4D97-AF65-F5344CB8AC3E}">
-        <p14:creationId xmlns:p14="http://schemas.microsoft.com/office/powerpoint/2010/main" val="4256472611"/>
-      </p:ext>
-    </p:extLst>
-  </p:cSld>
-  <p:clrMapOvr>
-    <a:masterClrMapping/>
-  </p:clrMapOvr>
-</p:sld>
-</file>
-
-<file path=ppt/slides/slide7.xml><?xml version="1.0" encoding="utf-8"?>
+<file path=ppt/slides/slide8.xml><?xml version="1.0" encoding="utf-8"?>
 <p:sld xmlns:a="http://schemas.openxmlformats.org/drawingml/2006/main" xmlns:r="http://schemas.openxmlformats.org/officeDocument/2006/relationships" xmlns:p="http://schemas.openxmlformats.org/presentationml/2006/main">
   <p:cSld>
     <p:spTree>
@@ -27254,7 +28907,7 @@
         <p:cNvPr id="1" name="">
           <a:extLst>
             <a:ext uri="{FF2B5EF4-FFF2-40B4-BE49-F238E27FC236}">
-              <a16:creationId xmlns:a16="http://schemas.microsoft.com/office/drawing/2014/main" id="{7C278E01-A365-7CCC-7474-4D508DDFF7F4}"/>
+              <a16:creationId xmlns:a16="http://schemas.microsoft.com/office/drawing/2014/main" id="{9AF33EF7-87CB-F86D-69B4-B79C833CA8E7}"/>
             </a:ext>
           </a:extLst>
         </p:cNvPr>
@@ -27271,10 +28924,10 @@
       </p:grpSpPr>
       <p:sp>
         <p:nvSpPr>
-          <p:cNvPr id="2" name="Title 1">
-            <a:extLst>
-              <a:ext uri="{FF2B5EF4-FFF2-40B4-BE49-F238E27FC236}">
-                <a16:creationId xmlns:a16="http://schemas.microsoft.com/office/drawing/2014/main" id="{5466F39F-D6A3-0140-6B70-006C3EAB3CE8}"/>
+          <p:cNvPr id="11" name="Title 10">
+            <a:extLst>
+              <a:ext uri="{FF2B5EF4-FFF2-40B4-BE49-F238E27FC236}">
+                <a16:creationId xmlns:a16="http://schemas.microsoft.com/office/drawing/2014/main" id="{786333C9-60B4-353D-16C4-47BF766777FE}"/>
               </a:ext>
             </a:extLst>
           </p:cNvPr>
@@ -27282,7 +28935,7 @@
             <a:spLocks noGrp="1"/>
           </p:cNvSpPr>
           <p:nvPr>
-            <p:ph type="title"/>
+            <p:ph type="ctrTitle"/>
           </p:nvPr>
         </p:nvSpPr>
         <p:spPr/>
@@ -27292,51 +28945,17 @@
           <a:p>
             <a:r>
               <a:rPr lang="en-US" dirty="0"/>
-              <a:t>Understanding the variables</a:t>
+              <a:t>Variables</a:t>
             </a:r>
           </a:p>
         </p:txBody>
       </p:sp>
-      <p:pic>
-        <p:nvPicPr>
-          <p:cNvPr id="12" name="Picture Placeholder 11" descr="Employee badge with solid fill">
-            <a:extLst>
-              <a:ext uri="{FF2B5EF4-FFF2-40B4-BE49-F238E27FC236}">
-                <a16:creationId xmlns:a16="http://schemas.microsoft.com/office/drawing/2014/main" id="{45DFBB27-4C55-23A5-2CD5-C3F254F73938}"/>
-              </a:ext>
-            </a:extLst>
-          </p:cNvPr>
-          <p:cNvPicPr>
-            <a:picLocks noGrp="1" noChangeAspect="1"/>
-          </p:cNvPicPr>
-          <p:nvPr>
-            <p:ph type="pic" sz="quarter" idx="24"/>
-          </p:nvPr>
-        </p:nvPicPr>
-        <p:blipFill>
-          <a:blip r:embed="rId2">
-            <a:extLst>
-              <a:ext uri="{96DAC541-7B7A-43D3-8B79-37D633B846F1}">
-                <asvg:svgBlip xmlns:asvg="http://schemas.microsoft.com/office/drawing/2016/SVG/main" r:embed="rId3"/>
-              </a:ext>
-            </a:extLst>
-          </a:blip>
-          <a:srcRect/>
-          <a:stretch/>
-        </p:blipFill>
-        <p:spPr>
-          <a:xfrm>
-            <a:off x="1911350" y="2468187"/>
-            <a:ext cx="685800" cy="685800"/>
-          </a:xfrm>
-        </p:spPr>
-      </p:pic>
       <p:sp>
         <p:nvSpPr>
-          <p:cNvPr id="6" name="Text Placeholder 5">
-            <a:extLst>
-              <a:ext uri="{FF2B5EF4-FFF2-40B4-BE49-F238E27FC236}">
-                <a16:creationId xmlns:a16="http://schemas.microsoft.com/office/drawing/2014/main" id="{D04D59AD-A0B3-37CA-90D5-D65868F813C6}"/>
+          <p:cNvPr id="12" name="Subtitle 11">
+            <a:extLst>
+              <a:ext uri="{FF2B5EF4-FFF2-40B4-BE49-F238E27FC236}">
+                <a16:creationId xmlns:a16="http://schemas.microsoft.com/office/drawing/2014/main" id="{4B829E75-AD1D-203B-9048-027DA9A9F9C7}"/>
               </a:ext>
             </a:extLst>
           </p:cNvPr>
@@ -27344,7 +28963,7 @@
             <a:spLocks noGrp="1"/>
           </p:cNvSpPr>
           <p:nvPr>
-            <p:ph type="body" sz="quarter" idx="16"/>
+            <p:ph type="subTitle" idx="1"/>
           </p:nvPr>
         </p:nvSpPr>
         <p:spPr/>
@@ -27352,87 +28971,7 @@
           <a:bodyPr/>
           <a:lstStyle/>
           <a:p>
-            <a:r>
-              <a:rPr lang="en-US" b="1" dirty="0" err="1"/>
-              <a:t>Student_ID</a:t>
-            </a:r>
-            <a:r>
-              <a:rPr lang="en-US" dirty="0"/>
-              <a:t>: Unique identification combination that serves as a primary key in majority of the tables. </a:t>
-            </a:r>
-          </a:p>
-        </p:txBody>
-      </p:sp>
-      <p:sp>
-        <p:nvSpPr>
-          <p:cNvPr id="7" name="Text Placeholder 6">
-            <a:extLst>
-              <a:ext uri="{FF2B5EF4-FFF2-40B4-BE49-F238E27FC236}">
-                <a16:creationId xmlns:a16="http://schemas.microsoft.com/office/drawing/2014/main" id="{6AF98B3C-DD2A-BB91-290C-DB482C5A2CA5}"/>
-              </a:ext>
-            </a:extLst>
-          </p:cNvPr>
-          <p:cNvSpPr>
-            <a:spLocks noGrp="1"/>
-          </p:cNvSpPr>
-          <p:nvPr>
-            <p:ph type="body" sz="quarter" idx="22"/>
-          </p:nvPr>
-        </p:nvSpPr>
-        <p:spPr/>
-        <p:txBody>
-          <a:bodyPr/>
-          <a:lstStyle/>
-          <a:p>
-            <a:r>
-              <a:rPr lang="en-US" b="1" dirty="0" err="1"/>
-              <a:t>Results_ID</a:t>
-            </a:r>
-            <a:r>
-              <a:rPr lang="en-US" b="1" dirty="0"/>
-              <a:t>: </a:t>
-            </a:r>
-            <a:r>
-              <a:rPr lang="en-US" dirty="0"/>
-              <a:t>A surrogate key that is inserted into the fact table</a:t>
-            </a:r>
-            <a:endParaRPr lang="en-US" b="1" dirty="0"/>
-          </a:p>
-        </p:txBody>
-      </p:sp>
-      <p:sp>
-        <p:nvSpPr>
-          <p:cNvPr id="8" name="Text Placeholder 7">
-            <a:extLst>
-              <a:ext uri="{FF2B5EF4-FFF2-40B4-BE49-F238E27FC236}">
-                <a16:creationId xmlns:a16="http://schemas.microsoft.com/office/drawing/2014/main" id="{10E3C705-B7C6-D653-A270-FD6FC3B34D4C}"/>
-              </a:ext>
-            </a:extLst>
-          </p:cNvPr>
-          <p:cNvSpPr>
-            <a:spLocks noGrp="1"/>
-          </p:cNvSpPr>
-          <p:nvPr>
-            <p:ph type="body" sz="quarter" idx="19"/>
-          </p:nvPr>
-        </p:nvSpPr>
-        <p:spPr/>
-        <p:txBody>
-          <a:bodyPr/>
-          <a:lstStyle/>
-          <a:p>
-            <a:r>
-              <a:rPr lang="en-US" b="1" dirty="0" err="1"/>
-              <a:t>Test_ID</a:t>
-            </a:r>
-            <a:r>
-              <a:rPr lang="en-US" b="1" dirty="0"/>
-              <a:t>: </a:t>
-            </a:r>
-            <a:r>
-              <a:rPr lang="en-US" dirty="0"/>
-              <a:t>A surrogate key inserted into a standalone table or entity. </a:t>
-            </a:r>
+            <a:endParaRPr lang="en-US"/>
           </a:p>
         </p:txBody>
       </p:sp>
@@ -27441,7 +28980,7 @@
           <p:cNvPr id="9" name="Footer Placeholder 8">
             <a:extLst>
               <a:ext uri="{FF2B5EF4-FFF2-40B4-BE49-F238E27FC236}">
-                <a16:creationId xmlns:a16="http://schemas.microsoft.com/office/drawing/2014/main" id="{AE662AB8-597A-EEC0-66DF-0B154915BF71}"/>
+                <a16:creationId xmlns:a16="http://schemas.microsoft.com/office/drawing/2014/main" id="{C007BFF2-55CE-E900-7612-1FF0C5599F0E}"/>
               </a:ext>
             </a:extLst>
           </p:cNvPr>
@@ -27449,10 +28988,15 @@
             <a:spLocks noGrp="1"/>
           </p:cNvSpPr>
           <p:nvPr>
-            <p:ph type="ftr" sz="quarter" idx="10"/>
+            <p:ph type="ftr" sz="quarter" idx="4294967295"/>
           </p:nvPr>
         </p:nvSpPr>
-        <p:spPr/>
+        <p:spPr>
+          <a:xfrm>
+            <a:off x="0" y="6356350"/>
+            <a:ext cx="4411663" cy="365125"/>
+          </a:xfrm>
+        </p:spPr>
         <p:txBody>
           <a:bodyPr/>
           <a:lstStyle/>
@@ -27470,7 +29014,7 @@
           <p:cNvPr id="10" name="Slide Number Placeholder 9">
             <a:extLst>
               <a:ext uri="{FF2B5EF4-FFF2-40B4-BE49-F238E27FC236}">
-                <a16:creationId xmlns:a16="http://schemas.microsoft.com/office/drawing/2014/main" id="{82F91091-65AD-7E85-BEC7-9AF6D0C6DFC6}"/>
+                <a16:creationId xmlns:a16="http://schemas.microsoft.com/office/drawing/2014/main" id="{EAF2DF5C-8783-25FB-C09F-97E9C8576FBA}"/>
               </a:ext>
             </a:extLst>
           </p:cNvPr>
@@ -27478,295 +29022,15 @@
             <a:spLocks noGrp="1"/>
           </p:cNvSpPr>
           <p:nvPr>
-            <p:ph type="sldNum" sz="quarter" idx="11"/>
+            <p:ph type="sldNum" sz="quarter" idx="4294967295"/>
           </p:nvPr>
         </p:nvSpPr>
-        <p:spPr/>
-        <p:txBody>
-          <a:bodyPr/>
-          <a:lstStyle/>
-          <a:p>
-            <a:fld id="{B5CEABB6-07DC-46E8-9B57-56EC44A396E5}" type="slidenum">
-              <a:rPr lang="en-US" smtClean="0"/>
-              <a:pPr/>
-              <a:t>7</a:t>
-            </a:fld>
-            <a:endParaRPr lang="en-US" dirty="0"/>
-          </a:p>
-        </p:txBody>
-      </p:sp>
-      <p:pic>
-        <p:nvPicPr>
-          <p:cNvPr id="3" name="Picture Placeholder 11" descr="Employee badge with solid fill">
-            <a:extLst>
-              <a:ext uri="{FF2B5EF4-FFF2-40B4-BE49-F238E27FC236}">
-                <a16:creationId xmlns:a16="http://schemas.microsoft.com/office/drawing/2014/main" id="{BBCBDB1E-57EC-8542-F610-00538475C5FC}"/>
-              </a:ext>
-            </a:extLst>
-          </p:cNvPr>
-          <p:cNvPicPr>
-            <a:picLocks noChangeAspect="1"/>
-          </p:cNvPicPr>
-          <p:nvPr/>
-        </p:nvPicPr>
-        <p:blipFill>
-          <a:blip r:embed="rId2">
-            <a:extLst>
-              <a:ext uri="{96DAC541-7B7A-43D3-8B79-37D633B846F1}">
-                <asvg:svgBlip xmlns:asvg="http://schemas.microsoft.com/office/drawing/2016/SVG/main" r:embed="rId3"/>
-              </a:ext>
-            </a:extLst>
-          </a:blip>
-          <a:srcRect/>
-          <a:stretch/>
-        </p:blipFill>
         <p:spPr>
           <a:xfrm>
-            <a:off x="5105217" y="2468187"/>
-            <a:ext cx="685800" cy="685800"/>
+            <a:off x="9448800" y="6356350"/>
+            <a:ext cx="2743200" cy="365125"/>
           </a:xfrm>
-          <a:prstGeom prst="rect">
-            <a:avLst/>
-          </a:prstGeom>
         </p:spPr>
-      </p:pic>
-      <p:pic>
-        <p:nvPicPr>
-          <p:cNvPr id="4" name="Picture Placeholder 11" descr="Employee badge with solid fill">
-            <a:extLst>
-              <a:ext uri="{FF2B5EF4-FFF2-40B4-BE49-F238E27FC236}">
-                <a16:creationId xmlns:a16="http://schemas.microsoft.com/office/drawing/2014/main" id="{327727BC-EF7E-2F94-9F97-25A145B29B8B}"/>
-              </a:ext>
-            </a:extLst>
-          </p:cNvPr>
-          <p:cNvPicPr>
-            <a:picLocks noChangeAspect="1"/>
-          </p:cNvPicPr>
-          <p:nvPr/>
-        </p:nvPicPr>
-        <p:blipFill>
-          <a:blip r:embed="rId2">
-            <a:extLst>
-              <a:ext uri="{96DAC541-7B7A-43D3-8B79-37D633B846F1}">
-                <asvg:svgBlip xmlns:asvg="http://schemas.microsoft.com/office/drawing/2016/SVG/main" r:embed="rId3"/>
-              </a:ext>
-            </a:extLst>
-          </a:blip>
-          <a:srcRect/>
-          <a:stretch/>
-        </p:blipFill>
-        <p:spPr>
-          <a:xfrm>
-            <a:off x="8413384" y="2468187"/>
-            <a:ext cx="685800" cy="685800"/>
-          </a:xfrm>
-          <a:prstGeom prst="rect">
-            <a:avLst/>
-          </a:prstGeom>
-        </p:spPr>
-      </p:pic>
-    </p:spTree>
-    <p:extLst>
-      <p:ext uri="{BB962C8B-B14F-4D97-AF65-F5344CB8AC3E}">
-        <p14:creationId xmlns:p14="http://schemas.microsoft.com/office/powerpoint/2010/main" val="797201078"/>
-      </p:ext>
-    </p:extLst>
-  </p:cSld>
-  <p:clrMapOvr>
-    <a:masterClrMapping/>
-  </p:clrMapOvr>
-</p:sld>
-</file>
-
-<file path=ppt/slides/slide8.xml><?xml version="1.0" encoding="utf-8"?>
-<p:sld xmlns:a="http://schemas.openxmlformats.org/drawingml/2006/main" xmlns:r="http://schemas.openxmlformats.org/officeDocument/2006/relationships" xmlns:p="http://schemas.openxmlformats.org/presentationml/2006/main">
-  <p:cSld>
-    <p:spTree>
-      <p:nvGrpSpPr>
-        <p:cNvPr id="1" name=""/>
-        <p:cNvGrpSpPr/>
-        <p:nvPr/>
-      </p:nvGrpSpPr>
-      <p:grpSpPr>
-        <a:xfrm>
-          <a:off x="0" y="0"/>
-          <a:ext cx="0" cy="0"/>
-          <a:chOff x="0" y="0"/>
-          <a:chExt cx="0" cy="0"/>
-        </a:xfrm>
-      </p:grpSpPr>
-      <p:sp>
-        <p:nvSpPr>
-          <p:cNvPr id="2" name="Title 1">
-            <a:extLst>
-              <a:ext uri="{FF2B5EF4-FFF2-40B4-BE49-F238E27FC236}">
-                <a16:creationId xmlns:a16="http://schemas.microsoft.com/office/drawing/2014/main" id="{2F188ED2-D940-5582-183C-A4B15C7B1670}"/>
-              </a:ext>
-            </a:extLst>
-          </p:cNvPr>
-          <p:cNvSpPr>
-            <a:spLocks noGrp="1"/>
-          </p:cNvSpPr>
-          <p:nvPr>
-            <p:ph type="title"/>
-          </p:nvPr>
-        </p:nvSpPr>
-        <p:spPr/>
-        <p:txBody>
-          <a:bodyPr/>
-          <a:lstStyle/>
-          <a:p>
-            <a:r>
-              <a:rPr lang="en-US" dirty="0"/>
-              <a:t>ERD </a:t>
-            </a:r>
-          </a:p>
-        </p:txBody>
-      </p:sp>
-      <p:sp>
-        <p:nvSpPr>
-          <p:cNvPr id="3" name="Text Placeholder 2">
-            <a:extLst>
-              <a:ext uri="{FF2B5EF4-FFF2-40B4-BE49-F238E27FC236}">
-                <a16:creationId xmlns:a16="http://schemas.microsoft.com/office/drawing/2014/main" id="{467236FC-1039-283D-3325-F876495AD344}"/>
-              </a:ext>
-            </a:extLst>
-          </p:cNvPr>
-          <p:cNvSpPr>
-            <a:spLocks noGrp="1"/>
-          </p:cNvSpPr>
-          <p:nvPr>
-            <p:ph type="body" sz="quarter" idx="13"/>
-          </p:nvPr>
-        </p:nvSpPr>
-        <p:spPr/>
-        <p:txBody>
-          <a:bodyPr/>
-          <a:lstStyle/>
-          <a:p>
-            <a:r>
-              <a:rPr lang="en-US" dirty="0"/>
-              <a:t>Based on a star schema design, this ERD has the following outline: </a:t>
-            </a:r>
-          </a:p>
-          <a:p>
-            <a:endParaRPr lang="en-US" dirty="0"/>
-          </a:p>
-          <a:p>
-            <a:pPr marL="285750" indent="-285750">
-              <a:buFont typeface="Arial" panose="020B0604020202020204" pitchFamily="34" charset="0"/>
-              <a:buChar char="•"/>
-            </a:pPr>
-            <a:r>
-              <a:rPr lang="en-US" dirty="0"/>
-              <a:t>Fact Table: </a:t>
-            </a:r>
-            <a:r>
-              <a:rPr lang="en-US" dirty="0" err="1"/>
-              <a:t>student_exam_results</a:t>
-            </a:r>
-            <a:endParaRPr lang="en-US" dirty="0"/>
-          </a:p>
-          <a:p>
-            <a:pPr marL="285750" indent="-285750">
-              <a:buFont typeface="Arial" panose="020B0604020202020204" pitchFamily="34" charset="0"/>
-              <a:buChar char="•"/>
-            </a:pPr>
-            <a:r>
-              <a:rPr lang="en-US" dirty="0"/>
-              <a:t>Dimension tables:</a:t>
-            </a:r>
-          </a:p>
-          <a:p>
-            <a:pPr marL="742950" lvl="1" indent="-285750">
-              <a:buFont typeface="Arial" panose="020B0604020202020204" pitchFamily="34" charset="0"/>
-              <a:buChar char="•"/>
-            </a:pPr>
-            <a:r>
-              <a:rPr lang="en-US" dirty="0" err="1"/>
-              <a:t>Student_exam_survey</a:t>
-            </a:r>
-            <a:endParaRPr lang="en-US" dirty="0"/>
-          </a:p>
-          <a:p>
-            <a:pPr marL="742950" lvl="1" indent="-285750">
-              <a:buFont typeface="Arial" panose="020B0604020202020204" pitchFamily="34" charset="0"/>
-              <a:buChar char="•"/>
-            </a:pPr>
-            <a:r>
-              <a:rPr lang="en-US" dirty="0"/>
-              <a:t>Subjects</a:t>
-            </a:r>
-          </a:p>
-          <a:p>
-            <a:pPr marL="742950" lvl="1" indent="-285750">
-              <a:buFont typeface="Arial" panose="020B0604020202020204" pitchFamily="34" charset="0"/>
-              <a:buChar char="•"/>
-            </a:pPr>
-            <a:r>
-              <a:rPr lang="en-US" dirty="0" err="1"/>
-              <a:t>Student_list</a:t>
-            </a:r>
-            <a:endParaRPr lang="en-US" dirty="0"/>
-          </a:p>
-          <a:p>
-            <a:pPr marL="742950" lvl="1" indent="-285750">
-              <a:buFont typeface="Arial" panose="020B0604020202020204" pitchFamily="34" charset="0"/>
-              <a:buChar char="•"/>
-            </a:pPr>
-            <a:r>
-              <a:rPr lang="en-US" dirty="0"/>
-              <a:t>Tests</a:t>
-            </a:r>
-          </a:p>
-        </p:txBody>
-      </p:sp>
-      <p:sp>
-        <p:nvSpPr>
-          <p:cNvPr id="4" name="Footer Placeholder 3">
-            <a:extLst>
-              <a:ext uri="{FF2B5EF4-FFF2-40B4-BE49-F238E27FC236}">
-                <a16:creationId xmlns:a16="http://schemas.microsoft.com/office/drawing/2014/main" id="{B6356006-64F9-40D8-878C-D0CFCC2D522D}"/>
-              </a:ext>
-            </a:extLst>
-          </p:cNvPr>
-          <p:cNvSpPr>
-            <a:spLocks noGrp="1"/>
-          </p:cNvSpPr>
-          <p:nvPr>
-            <p:ph type="ftr" sz="quarter" idx="10"/>
-          </p:nvPr>
-        </p:nvSpPr>
-        <p:spPr/>
-        <p:txBody>
-          <a:bodyPr/>
-          <a:lstStyle/>
-          <a:p>
-            <a:r>
-              <a:rPr lang="en-US"/>
-              <a:t>PRESENTATION TITLE</a:t>
-            </a:r>
-            <a:endParaRPr lang="en-US" dirty="0"/>
-          </a:p>
-        </p:txBody>
-      </p:sp>
-      <p:sp>
-        <p:nvSpPr>
-          <p:cNvPr id="5" name="Slide Number Placeholder 4">
-            <a:extLst>
-              <a:ext uri="{FF2B5EF4-FFF2-40B4-BE49-F238E27FC236}">
-                <a16:creationId xmlns:a16="http://schemas.microsoft.com/office/drawing/2014/main" id="{3D9D7A03-F6D2-29E2-40CC-221A9A6ACA79}"/>
-              </a:ext>
-            </a:extLst>
-          </p:cNvPr>
-          <p:cNvSpPr>
-            <a:spLocks noGrp="1"/>
-          </p:cNvSpPr>
-          <p:nvPr>
-            <p:ph type="sldNum" sz="quarter" idx="11"/>
-          </p:nvPr>
-        </p:nvSpPr>
-        <p:spPr/>
         <p:txBody>
           <a:bodyPr/>
           <a:lstStyle/>
@@ -27780,39 +29044,10 @@
           </a:p>
         </p:txBody>
       </p:sp>
-      <p:pic>
-        <p:nvPicPr>
-          <p:cNvPr id="7" name="Picture 6">
-            <a:extLst>
-              <a:ext uri="{FF2B5EF4-FFF2-40B4-BE49-F238E27FC236}">
-                <a16:creationId xmlns:a16="http://schemas.microsoft.com/office/drawing/2014/main" id="{E274A56A-0ABC-0003-358F-99E989226519}"/>
-              </a:ext>
-            </a:extLst>
-          </p:cNvPr>
-          <p:cNvPicPr>
-            <a:picLocks noChangeAspect="1"/>
-          </p:cNvPicPr>
-          <p:nvPr/>
-        </p:nvPicPr>
-        <p:blipFill>
-          <a:blip r:embed="rId2"/>
-          <a:srcRect/>
-          <a:stretch/>
-        </p:blipFill>
-        <p:spPr>
-          <a:xfrm>
-            <a:off x="5713192" y="0"/>
-            <a:ext cx="6478808" cy="6858000"/>
-          </a:xfrm>
-          <a:prstGeom prst="rect">
-            <a:avLst/>
-          </a:prstGeom>
-        </p:spPr>
-      </p:pic>
     </p:spTree>
     <p:extLst>
       <p:ext uri="{BB962C8B-B14F-4D97-AF65-F5344CB8AC3E}">
-        <p14:creationId xmlns:p14="http://schemas.microsoft.com/office/powerpoint/2010/main" val="3101327830"/>
+        <p14:creationId xmlns:p14="http://schemas.microsoft.com/office/powerpoint/2010/main" val="3228196427"/>
       </p:ext>
     </p:extLst>
   </p:cSld>
@@ -27844,7 +29079,7 @@
           <p:cNvPr id="2" name="Title 1">
             <a:extLst>
               <a:ext uri="{FF2B5EF4-FFF2-40B4-BE49-F238E27FC236}">
-                <a16:creationId xmlns:a16="http://schemas.microsoft.com/office/drawing/2014/main" id="{38022B33-EE07-00FD-804E-3319A6E738FE}"/>
+                <a16:creationId xmlns:a16="http://schemas.microsoft.com/office/drawing/2014/main" id="{D0CC66A4-8F9D-4909-C4B6-A3DD17F2054F}"/>
               </a:ext>
             </a:extLst>
           </p:cNvPr>
@@ -27862,22 +29097,89 @@
           <a:p>
             <a:r>
               <a:rPr lang="en-US" dirty="0"/>
-              <a:t>Average by </a:t>
+              <a:t>Understanding the variables</a:t>
             </a:r>
-            <a:r>
-              <a:rPr lang="en-US" dirty="0" err="1"/>
-              <a:t>year_group</a:t>
-            </a:r>
-            <a:endParaRPr lang="en-US" dirty="0"/>
           </a:p>
         </p:txBody>
       </p:sp>
+      <p:pic>
+        <p:nvPicPr>
+          <p:cNvPr id="12" name="Picture Placeholder 11" descr="Graduation cap with solid fill">
+            <a:extLst>
+              <a:ext uri="{FF2B5EF4-FFF2-40B4-BE49-F238E27FC236}">
+                <a16:creationId xmlns:a16="http://schemas.microsoft.com/office/drawing/2014/main" id="{1F7FAF7E-DDCB-3695-32DB-84E4BD50B44F}"/>
+              </a:ext>
+            </a:extLst>
+          </p:cNvPr>
+          <p:cNvPicPr>
+            <a:picLocks noGrp="1" noChangeAspect="1"/>
+          </p:cNvPicPr>
+          <p:nvPr>
+            <p:ph type="pic" sz="quarter" idx="24"/>
+          </p:nvPr>
+        </p:nvPicPr>
+        <p:blipFill>
+          <a:blip r:embed="rId2">
+            <a:extLst>
+              <a:ext uri="{96DAC541-7B7A-43D3-8B79-37D633B846F1}">
+                <asvg:svgBlip xmlns:asvg="http://schemas.microsoft.com/office/drawing/2016/SVG/main" r:embed="rId3"/>
+              </a:ext>
+            </a:extLst>
+          </a:blip>
+          <a:srcRect/>
+          <a:stretch>
+            <a:fillRect/>
+          </a:stretch>
+        </p:blipFill>
+        <p:spPr>
+          <a:xfrm>
+            <a:off x="1911350" y="2374695"/>
+            <a:ext cx="685800" cy="685800"/>
+          </a:xfrm>
+        </p:spPr>
+      </p:pic>
+      <p:pic>
+        <p:nvPicPr>
+          <p:cNvPr id="14" name="Picture Placeholder 13" descr="Family with girl with solid fill">
+            <a:extLst>
+              <a:ext uri="{FF2B5EF4-FFF2-40B4-BE49-F238E27FC236}">
+                <a16:creationId xmlns:a16="http://schemas.microsoft.com/office/drawing/2014/main" id="{55CB5852-98F0-4BE7-4DB1-3CBA852710C5}"/>
+              </a:ext>
+            </a:extLst>
+          </p:cNvPr>
+          <p:cNvPicPr>
+            <a:picLocks noGrp="1" noChangeAspect="1"/>
+          </p:cNvPicPr>
+          <p:nvPr>
+            <p:ph type="pic" sz="quarter" idx="25"/>
+          </p:nvPr>
+        </p:nvPicPr>
+        <p:blipFill>
+          <a:blip r:embed="rId4">
+            <a:extLst>
+              <a:ext uri="{96DAC541-7B7A-43D3-8B79-37D633B846F1}">
+                <asvg:svgBlip xmlns:asvg="http://schemas.microsoft.com/office/drawing/2016/SVG/main" r:embed="rId5"/>
+              </a:ext>
+            </a:extLst>
+          </a:blip>
+          <a:srcRect/>
+          <a:stretch>
+            <a:fillRect/>
+          </a:stretch>
+        </p:blipFill>
+        <p:spPr>
+          <a:xfrm>
+            <a:off x="5226723" y="2468187"/>
+            <a:ext cx="685800" cy="685800"/>
+          </a:xfrm>
+        </p:spPr>
+      </p:pic>
       <p:sp>
         <p:nvSpPr>
-          <p:cNvPr id="3" name="Text Placeholder 2">
-            <a:extLst>
-              <a:ext uri="{FF2B5EF4-FFF2-40B4-BE49-F238E27FC236}">
-                <a16:creationId xmlns:a16="http://schemas.microsoft.com/office/drawing/2014/main" id="{956368AD-2616-836A-AF41-DD353349D972}"/>
+          <p:cNvPr id="6" name="Text Placeholder 5">
+            <a:extLst>
+              <a:ext uri="{FF2B5EF4-FFF2-40B4-BE49-F238E27FC236}">
+                <a16:creationId xmlns:a16="http://schemas.microsoft.com/office/drawing/2014/main" id="{246F6B84-EF73-4E4D-828E-5C87C9BC2FD4}"/>
               </a:ext>
             </a:extLst>
           </p:cNvPr>
@@ -27885,7 +29187,7 @@
             <a:spLocks noGrp="1"/>
           </p:cNvSpPr>
           <p:nvPr>
-            <p:ph type="body" sz="quarter" idx="13"/>
+            <p:ph type="body" sz="quarter" idx="16"/>
           </p:nvPr>
         </p:nvSpPr>
         <p:spPr/>
@@ -27893,16 +29195,75 @@
           <a:bodyPr/>
           <a:lstStyle/>
           <a:p>
-            <a:endParaRPr lang="en-US" dirty="0"/>
+            <a:r>
+              <a:rPr lang="en-US" dirty="0"/>
+              <a:t>Students have a one-to-many relationship with exams and its results. They also have a many-to-many relationship with subjects. </a:t>
+            </a:r>
           </a:p>
         </p:txBody>
       </p:sp>
       <p:sp>
         <p:nvSpPr>
-          <p:cNvPr id="5" name="Footer Placeholder 4">
-            <a:extLst>
-              <a:ext uri="{FF2B5EF4-FFF2-40B4-BE49-F238E27FC236}">
-                <a16:creationId xmlns:a16="http://schemas.microsoft.com/office/drawing/2014/main" id="{355ADA2C-2F8D-16A9-A248-6B8AF5BDC4B5}"/>
+          <p:cNvPr id="7" name="Text Placeholder 6">
+            <a:extLst>
+              <a:ext uri="{FF2B5EF4-FFF2-40B4-BE49-F238E27FC236}">
+                <a16:creationId xmlns:a16="http://schemas.microsoft.com/office/drawing/2014/main" id="{CF9A60B3-F4A9-F706-0F4E-E52078B6C6A3}"/>
+              </a:ext>
+            </a:extLst>
+          </p:cNvPr>
+          <p:cNvSpPr>
+            <a:spLocks noGrp="1"/>
+          </p:cNvSpPr>
+          <p:nvPr>
+            <p:ph type="body" sz="quarter" idx="22"/>
+          </p:nvPr>
+        </p:nvSpPr>
+        <p:spPr/>
+        <p:txBody>
+          <a:bodyPr/>
+          <a:lstStyle/>
+          <a:p>
+            <a:r>
+              <a:rPr lang="en-US" dirty="0"/>
+              <a:t>Parents are not included in this dataset. </a:t>
+            </a:r>
+          </a:p>
+        </p:txBody>
+      </p:sp>
+      <p:sp>
+        <p:nvSpPr>
+          <p:cNvPr id="8" name="Text Placeholder 7">
+            <a:extLst>
+              <a:ext uri="{FF2B5EF4-FFF2-40B4-BE49-F238E27FC236}">
+                <a16:creationId xmlns:a16="http://schemas.microsoft.com/office/drawing/2014/main" id="{935F697F-F812-1FF4-A66A-6D92C4B44C98}"/>
+              </a:ext>
+            </a:extLst>
+          </p:cNvPr>
+          <p:cNvSpPr>
+            <a:spLocks noGrp="1"/>
+          </p:cNvSpPr>
+          <p:nvPr>
+            <p:ph type="body" sz="quarter" idx="19"/>
+          </p:nvPr>
+        </p:nvSpPr>
+        <p:spPr/>
+        <p:txBody>
+          <a:bodyPr/>
+          <a:lstStyle/>
+          <a:p>
+            <a:r>
+              <a:rPr lang="en-US" dirty="0"/>
+              <a:t>Exam results are the fact table. This describes the results from the students. It contains foreign keys that connect to other tables or entities that have the related primary key.</a:t>
+            </a:r>
+          </a:p>
+        </p:txBody>
+      </p:sp>
+      <p:sp>
+        <p:nvSpPr>
+          <p:cNvPr id="9" name="Footer Placeholder 8">
+            <a:extLst>
+              <a:ext uri="{FF2B5EF4-FFF2-40B4-BE49-F238E27FC236}">
+                <a16:creationId xmlns:a16="http://schemas.microsoft.com/office/drawing/2014/main" id="{CE68F465-0679-1482-4544-5155613F40DA}"/>
               </a:ext>
             </a:extLst>
           </p:cNvPr>
@@ -27928,10 +29289,10 @@
       </p:sp>
       <p:sp>
         <p:nvSpPr>
-          <p:cNvPr id="6" name="Slide Number Placeholder 5">
-            <a:extLst>
-              <a:ext uri="{FF2B5EF4-FFF2-40B4-BE49-F238E27FC236}">
-                <a16:creationId xmlns:a16="http://schemas.microsoft.com/office/drawing/2014/main" id="{DAD86C56-6A8F-96FE-F164-4CE9D617E63E}"/>
+          <p:cNvPr id="10" name="Slide Number Placeholder 9">
+            <a:extLst>
+              <a:ext uri="{FF2B5EF4-FFF2-40B4-BE49-F238E27FC236}">
+                <a16:creationId xmlns:a16="http://schemas.microsoft.com/office/drawing/2014/main" id="{C2CC5343-D470-D951-3BB0-F265DAC66A8C}"/>
               </a:ext>
             </a:extLst>
           </p:cNvPr>
@@ -27956,41 +29317,46 @@
           </a:p>
         </p:txBody>
       </p:sp>
-      <p:graphicFrame>
-        <p:nvGraphicFramePr>
-          <p:cNvPr id="10" name="Content Placeholder 9">
-            <a:extLst>
-              <a:ext uri="{FF2B5EF4-FFF2-40B4-BE49-F238E27FC236}">
-                <a16:creationId xmlns:a16="http://schemas.microsoft.com/office/drawing/2014/main" id="{772FD0A1-5DC7-45D6-8B59-0E5506BA47CD}"/>
-              </a:ext>
-            </a:extLst>
-          </p:cNvPr>
-          <p:cNvGraphicFramePr>
-            <a:graphicFrameLocks noGrp="1"/>
-          </p:cNvGraphicFramePr>
-          <p:nvPr>
-            <p:ph sz="half" idx="2"/>
-            <p:extLst>
-              <p:ext uri="{D42A27DB-BD31-4B8C-83A1-F6EECF244321}">
-                <p14:modId xmlns:p14="http://schemas.microsoft.com/office/powerpoint/2010/main" val="773781087"/>
-              </p:ext>
-            </p:extLst>
-          </p:nvPr>
-        </p:nvGraphicFramePr>
-        <p:xfrm>
-          <a:off x="5467350" y="1054100"/>
-          <a:ext cx="5657850" cy="4889500"/>
-        </p:xfrm>
-        <a:graphic>
-          <a:graphicData uri="http://schemas.openxmlformats.org/drawingml/2006/chart">
-            <c:chart xmlns:c="http://schemas.openxmlformats.org/drawingml/2006/chart" xmlns:r="http://schemas.openxmlformats.org/officeDocument/2006/relationships" r:id="rId2"/>
-          </a:graphicData>
-        </a:graphic>
-      </p:graphicFrame>
+      <p:pic>
+        <p:nvPicPr>
+          <p:cNvPr id="16" name="Graphic 15" descr="Clipboard Partially Crossed with solid fill">
+            <a:extLst>
+              <a:ext uri="{FF2B5EF4-FFF2-40B4-BE49-F238E27FC236}">
+                <a16:creationId xmlns:a16="http://schemas.microsoft.com/office/drawing/2014/main" id="{4B27DB86-E909-62A7-A4CD-E1FFE1B00CFB}"/>
+              </a:ext>
+            </a:extLst>
+          </p:cNvPr>
+          <p:cNvPicPr>
+            <a:picLocks noChangeAspect="1"/>
+          </p:cNvPicPr>
+          <p:nvPr/>
+        </p:nvPicPr>
+        <p:blipFill>
+          <a:blip r:embed="rId6">
+            <a:extLst>
+              <a:ext uri="{96DAC541-7B7A-43D3-8B79-37D633B846F1}">
+                <asvg:svgBlip xmlns:asvg="http://schemas.microsoft.com/office/drawing/2016/SVG/main" r:embed="rId7"/>
+              </a:ext>
+            </a:extLst>
+          </a:blip>
+          <a:stretch>
+            <a:fillRect/>
+          </a:stretch>
+        </p:blipFill>
+        <p:spPr>
+          <a:xfrm>
+            <a:off x="8299084" y="2353887"/>
+            <a:ext cx="914400" cy="914400"/>
+          </a:xfrm>
+          <a:prstGeom prst="rect">
+            <a:avLst/>
+          </a:prstGeom>
+        </p:spPr>
+      </p:pic>
     </p:spTree>
     <p:extLst>
       <p:ext uri="{BB962C8B-B14F-4D97-AF65-F5344CB8AC3E}">
-        <p14:creationId xmlns:p14="http://schemas.microsoft.com/office/powerpoint/2010/main" val="2458461517"/>
+        <p14:creationId xmlns:p14="http://schemas.microsoft.com/office/powerpoint/2010/main" val="4256472611"/>
       </p:ext>
     </p:extLst>
   </p:cSld>
@@ -29080,6 +30446,15 @@
 </file>
 
 <file path=customXml/item2.xml><?xml version="1.0" encoding="utf-8"?>
+<?mso-contentType ?>
+<FormTemplates xmlns="http://schemas.microsoft.com/sharepoint/v3/contenttype/forms">
+  <Display>DocumentLibraryForm</Display>
+  <Edit>DocumentLibraryForm</Edit>
+  <New>DocumentLibraryForm</New>
+</FormTemplates>
+</file>
+
+<file path=customXml/item3.xml><?xml version="1.0" encoding="utf-8"?>
 <p:properties xmlns:p="http://schemas.microsoft.com/office/2006/metadata/properties" xmlns:xsi="http://www.w3.org/2001/XMLSchema-instance" xmlns:pc="http://schemas.microsoft.com/office/infopath/2007/PartnerControls">
   <documentManagement>
     <_ip_UnifiedCompliancePolicyUIAction xmlns="http://schemas.microsoft.com/sharepoint/v3" xsi:nil="true"/>
@@ -29097,15 +30472,6 @@
     <MediaServiceKeyPoints xmlns="71af3243-3dd4-4a8d-8c0d-dd76da1f02a5" xsi:nil="true"/>
   </documentManagement>
 </p:properties>
-</file>
-
-<file path=customXml/item3.xml><?xml version="1.0" encoding="utf-8"?>
-<?mso-contentType ?>
-<FormTemplates xmlns="http://schemas.microsoft.com/sharepoint/v3/contenttype/forms">
-  <Display>DocumentLibraryForm</Display>
-  <Edit>DocumentLibraryForm</Edit>
-  <New>DocumentLibraryForm</New>
-</FormTemplates>
 </file>
 
 <file path=customXml/itemProps1.xml><?xml version="1.0" encoding="utf-8"?>
@@ -29130,6 +30496,14 @@
 </file>
 
 <file path=customXml/itemProps2.xml><?xml version="1.0" encoding="utf-8"?>
+<ds:datastoreItem xmlns:ds="http://schemas.openxmlformats.org/officeDocument/2006/customXml" ds:itemID="{F37CE065-66B7-4F0E-946A-AB3C0E53962A}">
+  <ds:schemaRefs>
+    <ds:schemaRef ds:uri="http://schemas.microsoft.com/sharepoint/v3/contenttype/forms"/>
+  </ds:schemaRefs>
+</ds:datastoreItem>
+</file>
+
+<file path=customXml/itemProps3.xml><?xml version="1.0" encoding="utf-8"?>
 <ds:datastoreItem xmlns:ds="http://schemas.openxmlformats.org/officeDocument/2006/customXml" ds:itemID="{AF229B82-2C15-48C7-81C4-60933CA1C9E6}">
   <ds:schemaRefs>
     <ds:schemaRef ds:uri="http://schemas.microsoft.com/office/2006/metadata/properties"/>
@@ -29141,14 +30515,6 @@
 </ds:datastoreItem>
 </file>
 
-<file path=customXml/itemProps3.xml><?xml version="1.0" encoding="utf-8"?>
-<ds:datastoreItem xmlns:ds="http://schemas.openxmlformats.org/officeDocument/2006/customXml" ds:itemID="{F37CE065-66B7-4F0E-946A-AB3C0E53962A}">
-  <ds:schemaRefs>
-    <ds:schemaRef ds:uri="http://schemas.microsoft.com/sharepoint/v3/contenttype/forms"/>
-  </ds:schemaRefs>
-</ds:datastoreItem>
-</file>
-
 <file path=docMetadata/LabelInfo.xml><?xml version="1.0" encoding="utf-8"?>
 <clbl:labelList xmlns:clbl="http://schemas.microsoft.com/office/2020/mipLabelMetadata"/>
 </file>
--- a/Project/Project0.pptx
+++ b/Project/Project0.pptx
@@ -17261,10 +17261,7 @@
           </a:bodyPr>
           <a:lstStyle/>
           <a:p>
-            <a:r>
-              <a:rPr lang="en-US" dirty="0"/>
-              <a:t>PRESENTATION TITLE</a:t>
-            </a:r>
+            <a:endParaRPr lang="en-US" dirty="0"/>
           </a:p>
         </p:txBody>
       </p:sp>
@@ -21403,38 +21400,37 @@
           <a:p>
             <a:pPr lvl="0"/>
             <a:r>
-              <a:rPr lang="en-US"/>
+              <a:rPr lang="en-US" dirty="0"/>
               <a:t>Click to edit Master text styles</a:t>
             </a:r>
           </a:p>
           <a:p>
             <a:pPr lvl="1"/>
             <a:r>
-              <a:rPr lang="en-US"/>
+              <a:rPr lang="en-US" dirty="0"/>
               <a:t>Second level</a:t>
             </a:r>
           </a:p>
           <a:p>
             <a:pPr lvl="2"/>
             <a:r>
-              <a:rPr lang="en-US"/>
+              <a:rPr lang="en-US" dirty="0"/>
               <a:t>Third level</a:t>
             </a:r>
           </a:p>
           <a:p>
             <a:pPr lvl="3"/>
             <a:r>
-              <a:rPr lang="en-US"/>
+              <a:rPr lang="en-US" dirty="0"/>
               <a:t>Fourth level</a:t>
             </a:r>
           </a:p>
           <a:p>
             <a:pPr lvl="4"/>
             <a:r>
-              <a:rPr lang="en-US"/>
+              <a:rPr lang="en-US" dirty="0"/>
               <a:t>Fifth level</a:t>
             </a:r>
-            <a:endParaRPr lang="en-US" dirty="0"/>
           </a:p>
         </p:txBody>
       </p:sp>
@@ -21481,7 +21477,7 @@
           <a:p>
             <a:r>
               <a:rPr lang="en-US" dirty="0"/>
-              <a:t>PRESENTATION TITLE</a:t>
+              <a:t>PROJECT 0</a:t>
             </a:r>
           </a:p>
         </p:txBody>
@@ -22149,10 +22145,9 @@
           <a:lstStyle/>
           <a:p>
             <a:r>
-              <a:rPr lang="en-US"/>
-              <a:t>PRESENTATION TITLE</a:t>
+              <a:rPr lang="en-US" dirty="0"/>
+              <a:t>PROJECT 0</a:t>
             </a:r>
-            <a:endParaRPr lang="en-US" dirty="0"/>
           </a:p>
         </p:txBody>
       </p:sp>
@@ -22434,10 +22429,9 @@
           <a:lstStyle/>
           <a:p>
             <a:r>
-              <a:rPr lang="en-US"/>
-              <a:t>PRESENTATION TITLE</a:t>
+              <a:rPr lang="en-US" dirty="0"/>
+              <a:t>PROJECT 0</a:t>
             </a:r>
-            <a:endParaRPr lang="en-US" dirty="0"/>
           </a:p>
         </p:txBody>
       </p:sp>
@@ -22616,10 +22610,9 @@
           <a:lstStyle/>
           <a:p>
             <a:r>
-              <a:rPr lang="en-US"/>
-              <a:t>PRESENTATION TITLE</a:t>
+              <a:rPr lang="en-US" dirty="0"/>
+              <a:t>PROJECT 0</a:t>
             </a:r>
-            <a:endParaRPr lang="en-US" dirty="0"/>
           </a:p>
         </p:txBody>
       </p:sp>
@@ -22753,10 +22746,9 @@
           <a:lstStyle/>
           <a:p>
             <a:r>
-              <a:rPr lang="en-US"/>
-              <a:t>PRESENTATION TITLE</a:t>
+              <a:rPr lang="en-US" dirty="0"/>
+              <a:t>PROJECT 0</a:t>
             </a:r>
-            <a:endParaRPr lang="en-US" dirty="0"/>
           </a:p>
         </p:txBody>
       </p:sp>
@@ -23077,10 +23069,9 @@
           <a:lstStyle/>
           <a:p>
             <a:r>
-              <a:rPr lang="en-US"/>
-              <a:t>PRESENTATION TITLE</a:t>
+              <a:rPr lang="en-US" dirty="0"/>
+              <a:t>PROJECT 0</a:t>
             </a:r>
-            <a:endParaRPr lang="en-US" dirty="0"/>
           </a:p>
         </p:txBody>
       </p:sp>
@@ -23284,10 +23275,9 @@
           <a:lstStyle/>
           <a:p>
             <a:r>
-              <a:rPr lang="en-US"/>
-              <a:t>PRESENTATION TITLE</a:t>
+              <a:rPr lang="en-US" dirty="0"/>
+              <a:t>PROJECT 0</a:t>
             </a:r>
-            <a:endParaRPr lang="en-US" dirty="0"/>
           </a:p>
         </p:txBody>
       </p:sp>
@@ -23463,10 +23453,9 @@
           <a:lstStyle/>
           <a:p>
             <a:r>
-              <a:rPr lang="en-US"/>
-              <a:t>PRESENTATION TITLE</a:t>
+              <a:rPr lang="en-US" dirty="0"/>
+              <a:t>PROJECT 0</a:t>
             </a:r>
-            <a:endParaRPr lang="en-US" dirty="0"/>
           </a:p>
         </p:txBody>
       </p:sp>
@@ -23617,10 +23606,9 @@
           <a:lstStyle/>
           <a:p>
             <a:r>
-              <a:rPr lang="en-US"/>
-              <a:t>PRESENTATION TITLE</a:t>
+              <a:rPr lang="en-US" dirty="0"/>
+              <a:t>PROJECT 0</a:t>
             </a:r>
-            <a:endParaRPr lang="en-US" dirty="0"/>
           </a:p>
         </p:txBody>
       </p:sp>
@@ -23801,10 +23789,9 @@
           <a:lstStyle/>
           <a:p>
             <a:r>
-              <a:rPr lang="en-US"/>
-              <a:t>PRESENTATION TITLE</a:t>
+              <a:rPr lang="en-US" dirty="0"/>
+              <a:t>PROJECT 0</a:t>
             </a:r>
-            <a:endParaRPr lang="en-US" dirty="0"/>
           </a:p>
         </p:txBody>
       </p:sp>
@@ -24140,7 +24127,7 @@
           <a:p>
             <a:r>
               <a:rPr lang="en-US" dirty="0"/>
-              <a:t>PRESENTATION TITLE</a:t>
+              <a:t>Project 0</a:t>
             </a:r>
           </a:p>
         </p:txBody>
@@ -24261,10 +24248,9 @@
           <a:lstStyle/>
           <a:p>
             <a:r>
-              <a:rPr lang="en-US"/>
-              <a:t>PRESENTATION TITLE</a:t>
+              <a:rPr lang="en-US" dirty="0"/>
+              <a:t>PROJECT 0</a:t>
             </a:r>
-            <a:endParaRPr lang="en-US" dirty="0"/>
           </a:p>
         </p:txBody>
       </p:sp>
@@ -24440,10 +24426,9 @@
           <a:lstStyle/>
           <a:p>
             <a:r>
-              <a:rPr lang="en-US"/>
-              <a:t>PRESENTATION TITLE</a:t>
+              <a:rPr lang="en-US" dirty="0"/>
+              <a:t>PROJECT 0</a:t>
             </a:r>
-            <a:endParaRPr lang="en-US" dirty="0"/>
           </a:p>
         </p:txBody>
       </p:sp>
@@ -24614,10 +24599,9 @@
           <a:lstStyle/>
           <a:p>
             <a:r>
-              <a:rPr lang="en-US"/>
-              <a:t>PRESENTATION TITLE</a:t>
+              <a:rPr lang="en-US" dirty="0"/>
+              <a:t>PROJECT 0</a:t>
             </a:r>
-            <a:endParaRPr lang="en-US" dirty="0"/>
           </a:p>
         </p:txBody>
       </p:sp>
@@ -24797,10 +24781,9 @@
           <a:lstStyle/>
           <a:p>
             <a:r>
-              <a:rPr lang="en-US"/>
-              <a:t>PRESENTATION TITLE</a:t>
+              <a:rPr lang="en-US" dirty="0"/>
+              <a:t>PROJECT 0</a:t>
             </a:r>
-            <a:endParaRPr lang="en-US" dirty="0"/>
           </a:p>
         </p:txBody>
       </p:sp>
@@ -25016,10 +24999,9 @@
           <a:lstStyle/>
           <a:p>
             <a:r>
-              <a:rPr lang="en-US"/>
-              <a:t>PRESENTATION TITLE</a:t>
+              <a:rPr lang="en-US" dirty="0"/>
+              <a:t>PROJECT 0</a:t>
             </a:r>
-            <a:endParaRPr lang="en-US" dirty="0"/>
           </a:p>
         </p:txBody>
       </p:sp>
@@ -25235,10 +25217,9 @@
           <a:lstStyle/>
           <a:p>
             <a:r>
-              <a:rPr lang="en-US"/>
-              <a:t>PRESENTATION TITLE</a:t>
+              <a:rPr lang="en-US" dirty="0"/>
+              <a:t>PROJECT 0</a:t>
             </a:r>
-            <a:endParaRPr lang="en-US" dirty="0"/>
           </a:p>
         </p:txBody>
       </p:sp>
@@ -25459,10 +25440,9 @@
           <a:lstStyle/>
           <a:p>
             <a:r>
-              <a:rPr lang="en-US"/>
-              <a:t>PRESENTATION TITLE</a:t>
+              <a:rPr lang="en-US" dirty="0"/>
+              <a:t>PROJECT 0</a:t>
             </a:r>
-            <a:endParaRPr lang="en-US" dirty="0"/>
           </a:p>
         </p:txBody>
       </p:sp>
@@ -26105,10 +26085,9 @@
           <a:lstStyle/>
           <a:p>
             <a:r>
-              <a:rPr lang="en-US"/>
-              <a:t>PRESENTATION TITLE</a:t>
+              <a:rPr lang="en-US" dirty="0"/>
+              <a:t>  PROJECT 0</a:t>
             </a:r>
-            <a:endParaRPr lang="en-US" dirty="0"/>
           </a:p>
         </p:txBody>
       </p:sp>
@@ -27063,10 +27042,9 @@
           <a:lstStyle/>
           <a:p>
             <a:r>
-              <a:rPr lang="en-US"/>
-              <a:t>PRESENTATION TITLE</a:t>
+              <a:rPr lang="en-US" dirty="0"/>
+              <a:t>PROJECT 0</a:t>
             </a:r>
-            <a:endParaRPr lang="en-US" dirty="0"/>
           </a:p>
         </p:txBody>
       </p:sp>
@@ -27452,7 +27430,7 @@
           <a:p>
             <a:r>
               <a:rPr lang="en-US" dirty="0"/>
-              <a:t>PRESENTATION TITLE</a:t>
+              <a:t>PROJECT 0</a:t>
             </a:r>
           </a:p>
         </p:txBody>
@@ -27603,10 +27581,9 @@
           <a:lstStyle/>
           <a:p>
             <a:r>
-              <a:rPr lang="en-US"/>
-              <a:t>PRESENTATION TITLE</a:t>
+              <a:rPr lang="en-US" dirty="0"/>
+              <a:t>PROJECT 0</a:t>
             </a:r>
-            <a:endParaRPr lang="en-US" dirty="0"/>
           </a:p>
         </p:txBody>
       </p:sp>
@@ -27928,7 +27905,7 @@
           <a:p>
             <a:r>
               <a:rPr lang="en-US" dirty="0"/>
-              <a:t>PRESENTATION TITLE</a:t>
+              <a:t>PROJECT 0</a:t>
             </a:r>
           </a:p>
         </p:txBody>
@@ -28178,10 +28155,9 @@
           <a:lstStyle/>
           <a:p>
             <a:r>
-              <a:rPr lang="en-US"/>
-              <a:t>PRESENTATION TITLE</a:t>
+              <a:rPr lang="en-US" dirty="0"/>
+              <a:t>PROJCT 0</a:t>
             </a:r>
-            <a:endParaRPr lang="en-US" dirty="0"/>
           </a:p>
         </p:txBody>
       </p:sp>
@@ -28407,7 +28383,7 @@
           <a:p>
             <a:r>
               <a:rPr lang="en-US" dirty="0"/>
-              <a:t>PRESENTATION TITLE</a:t>
+              <a:t>PROJECT 0</a:t>
             </a:r>
           </a:p>
         </p:txBody>
@@ -28743,7 +28719,7 @@
           <a:p>
             <a:r>
               <a:rPr lang="en-US" dirty="0"/>
-              <a:t>PRESENTATION TITLE</a:t>
+              <a:t>PROJECT 0</a:t>
             </a:r>
           </a:p>
         </p:txBody>
@@ -29002,10 +28978,9 @@
           <a:lstStyle/>
           <a:p>
             <a:r>
-              <a:rPr lang="en-US"/>
-              <a:t>PRESENTATION TITLE</a:t>
+              <a:rPr lang="en-US" dirty="0"/>
+              <a:t>PROJECT 0</a:t>
             </a:r>
-            <a:endParaRPr lang="en-US" dirty="0"/>
           </a:p>
         </p:txBody>
       </p:sp>
@@ -29280,10 +29255,9 @@
           <a:lstStyle/>
           <a:p>
             <a:r>
-              <a:rPr lang="en-US"/>
-              <a:t>PRESENTATION TITLE</a:t>
+              <a:rPr lang="en-US" dirty="0"/>
+              <a:t>PROJECT 0</a:t>
             </a:r>
-            <a:endParaRPr lang="en-US" dirty="0"/>
           </a:p>
         </p:txBody>
       </p:sp>
@@ -30158,6 +30132,35 @@
 </file>
 
 <file path=customXml/item1.xml><?xml version="1.0" encoding="utf-8"?>
+<?mso-contentType ?>
+<FormTemplates xmlns="http://schemas.microsoft.com/sharepoint/v3/contenttype/forms">
+  <Display>DocumentLibraryForm</Display>
+  <Edit>DocumentLibraryForm</Edit>
+  <New>DocumentLibraryForm</New>
+</FormTemplates>
+</file>
+
+<file path=customXml/item2.xml><?xml version="1.0" encoding="utf-8"?>
+<p:properties xmlns:p="http://schemas.microsoft.com/office/2006/metadata/properties" xmlns:xsi="http://www.w3.org/2001/XMLSchema-instance" xmlns:pc="http://schemas.microsoft.com/office/infopath/2007/PartnerControls">
+  <documentManagement>
+    <_ip_UnifiedCompliancePolicyUIAction xmlns="http://schemas.microsoft.com/sharepoint/v3" xsi:nil="true"/>
+    <Image xmlns="71af3243-3dd4-4a8d-8c0d-dd76da1f02a5">
+      <Url xsi:nil="true"/>
+      <Description xsi:nil="true"/>
+    </Image>
+    <Status xmlns="71af3243-3dd4-4a8d-8c0d-dd76da1f02a5">Not started</Status>
+    <Background xmlns="71af3243-3dd4-4a8d-8c0d-dd76da1f02a5">false</Background>
+    <_ip_UnifiedCompliancePolicyProperties xmlns="http://schemas.microsoft.com/sharepoint/v3" xsi:nil="true"/>
+    <ImageTagsTaxHTField xmlns="71af3243-3dd4-4a8d-8c0d-dd76da1f02a5">
+      <Terms xmlns="http://schemas.microsoft.com/office/infopath/2007/PartnerControls"/>
+    </ImageTagsTaxHTField>
+    <TaxCatchAll xmlns="230e9df3-be65-4c73-a93b-d1236ebd677e" xsi:nil="true"/>
+    <MediaServiceKeyPoints xmlns="71af3243-3dd4-4a8d-8c0d-dd76da1f02a5" xsi:nil="true"/>
+  </documentManagement>
+</p:properties>
+</file>
+
+<file path=customXml/item3.xml><?xml version="1.0" encoding="utf-8"?>
 <ct:contentTypeSchema xmlns:ct="http://schemas.microsoft.com/office/2006/metadata/contentType" xmlns:ma="http://schemas.microsoft.com/office/2006/metadata/properties/metaAttributes" ct:_="" ma:_="" ma:contentTypeName="Document" ma:contentTypeID="0x01010079F111ED35F8CC479449609E8A0923A6" ma:contentTypeVersion="24" ma:contentTypeDescription="Create a new document." ma:contentTypeScope="" ma:versionID="2d714a3296df14eba7a100bb665443ca">
   <xsd:schema xmlns:xsd="http://www.w3.org/2001/XMLSchema" xmlns:xs="http://www.w3.org/2001/XMLSchema" xmlns:p="http://schemas.microsoft.com/office/2006/metadata/properties" xmlns:ns1="http://schemas.microsoft.com/sharepoint/v3" xmlns:ns2="71af3243-3dd4-4a8d-8c0d-dd76da1f02a5" xmlns:ns3="16c05727-aa75-4e4a-9b5f-8a80a1165891" xmlns:ns4="230e9df3-be65-4c73-a93b-d1236ebd677e" targetNamespace="http://schemas.microsoft.com/office/2006/metadata/properties" ma:root="true" ma:fieldsID="49549bf45bfbbfb6cffed527380e77e1" ns1:_="" ns2:_="" ns3:_="" ns4:_="">
     <xsd:import namespace="http://schemas.microsoft.com/sharepoint/v3"/>
@@ -30445,36 +30448,27 @@
 </ct:contentTypeSchema>
 </file>
 
-<file path=customXml/item2.xml><?xml version="1.0" encoding="utf-8"?>
-<?mso-contentType ?>
-<FormTemplates xmlns="http://schemas.microsoft.com/sharepoint/v3/contenttype/forms">
-  <Display>DocumentLibraryForm</Display>
-  <Edit>DocumentLibraryForm</Edit>
-  <New>DocumentLibraryForm</New>
-</FormTemplates>
+<file path=customXml/itemProps1.xml><?xml version="1.0" encoding="utf-8"?>
+<ds:datastoreItem xmlns:ds="http://schemas.openxmlformats.org/officeDocument/2006/customXml" ds:itemID="{F37CE065-66B7-4F0E-946A-AB3C0E53962A}">
+  <ds:schemaRefs>
+    <ds:schemaRef ds:uri="http://schemas.microsoft.com/sharepoint/v3/contenttype/forms"/>
+  </ds:schemaRefs>
+</ds:datastoreItem>
 </file>
 
-<file path=customXml/item3.xml><?xml version="1.0" encoding="utf-8"?>
-<p:properties xmlns:p="http://schemas.microsoft.com/office/2006/metadata/properties" xmlns:xsi="http://www.w3.org/2001/XMLSchema-instance" xmlns:pc="http://schemas.microsoft.com/office/infopath/2007/PartnerControls">
-  <documentManagement>
-    <_ip_UnifiedCompliancePolicyUIAction xmlns="http://schemas.microsoft.com/sharepoint/v3" xsi:nil="true"/>
-    <Image xmlns="71af3243-3dd4-4a8d-8c0d-dd76da1f02a5">
-      <Url xsi:nil="true"/>
-      <Description xsi:nil="true"/>
-    </Image>
-    <Status xmlns="71af3243-3dd4-4a8d-8c0d-dd76da1f02a5">Not started</Status>
-    <Background xmlns="71af3243-3dd4-4a8d-8c0d-dd76da1f02a5">false</Background>
-    <_ip_UnifiedCompliancePolicyProperties xmlns="http://schemas.microsoft.com/sharepoint/v3" xsi:nil="true"/>
-    <ImageTagsTaxHTField xmlns="71af3243-3dd4-4a8d-8c0d-dd76da1f02a5">
-      <Terms xmlns="http://schemas.microsoft.com/office/infopath/2007/PartnerControls"/>
-    </ImageTagsTaxHTField>
-    <TaxCatchAll xmlns="230e9df3-be65-4c73-a93b-d1236ebd677e" xsi:nil="true"/>
-    <MediaServiceKeyPoints xmlns="71af3243-3dd4-4a8d-8c0d-dd76da1f02a5" xsi:nil="true"/>
-  </documentManagement>
-</p:properties>
+<file path=customXml/itemProps2.xml><?xml version="1.0" encoding="utf-8"?>
+<ds:datastoreItem xmlns:ds="http://schemas.openxmlformats.org/officeDocument/2006/customXml" ds:itemID="{AF229B82-2C15-48C7-81C4-60933CA1C9E6}">
+  <ds:schemaRefs>
+    <ds:schemaRef ds:uri="http://schemas.microsoft.com/office/2006/metadata/properties"/>
+    <ds:schemaRef ds:uri="http://schemas.microsoft.com/office/infopath/2007/PartnerControls"/>
+    <ds:schemaRef ds:uri="http://schemas.microsoft.com/sharepoint/v3"/>
+    <ds:schemaRef ds:uri="71af3243-3dd4-4a8d-8c0d-dd76da1f02a5"/>
+    <ds:schemaRef ds:uri="230e9df3-be65-4c73-a93b-d1236ebd677e"/>
+  </ds:schemaRefs>
+</ds:datastoreItem>
 </file>
 
-<file path=customXml/itemProps1.xml><?xml version="1.0" encoding="utf-8"?>
+<file path=customXml/itemProps3.xml><?xml version="1.0" encoding="utf-8"?>
 <ds:datastoreItem xmlns:ds="http://schemas.openxmlformats.org/officeDocument/2006/customXml" ds:itemID="{03775E1D-CEA1-47AF-BBAA-C0FEE5CAA533}">
   <ds:schemaRefs>
     <ds:schemaRef ds:uri="http://schemas.microsoft.com/office/2006/metadata/contentType"/>
@@ -30495,26 +30489,6 @@
 </ds:datastoreItem>
 </file>
 
-<file path=customXml/itemProps2.xml><?xml version="1.0" encoding="utf-8"?>
-<ds:datastoreItem xmlns:ds="http://schemas.openxmlformats.org/officeDocument/2006/customXml" ds:itemID="{F37CE065-66B7-4F0E-946A-AB3C0E53962A}">
-  <ds:schemaRefs>
-    <ds:schemaRef ds:uri="http://schemas.microsoft.com/sharepoint/v3/contenttype/forms"/>
-  </ds:schemaRefs>
-</ds:datastoreItem>
-</file>
-
-<file path=customXml/itemProps3.xml><?xml version="1.0" encoding="utf-8"?>
-<ds:datastoreItem xmlns:ds="http://schemas.openxmlformats.org/officeDocument/2006/customXml" ds:itemID="{AF229B82-2C15-48C7-81C4-60933CA1C9E6}">
-  <ds:schemaRefs>
-    <ds:schemaRef ds:uri="http://schemas.microsoft.com/office/2006/metadata/properties"/>
-    <ds:schemaRef ds:uri="http://schemas.microsoft.com/office/infopath/2007/PartnerControls"/>
-    <ds:schemaRef ds:uri="http://schemas.microsoft.com/sharepoint/v3"/>
-    <ds:schemaRef ds:uri="71af3243-3dd4-4a8d-8c0d-dd76da1f02a5"/>
-    <ds:schemaRef ds:uri="230e9df3-be65-4c73-a93b-d1236ebd677e"/>
-  </ds:schemaRefs>
-</ds:datastoreItem>
-</file>
-
 <file path=docMetadata/LabelInfo.xml><?xml version="1.0" encoding="utf-8"?>
 <clbl:labelList xmlns:clbl="http://schemas.microsoft.com/office/2020/mipLabelMetadata"/>
 </file>
--- a/Project/Project0.pptx
+++ b/Project/Project0.pptx
@@ -5,10 +5,10 @@
     <p:sldMasterId id="2147483648" r:id="rId4"/>
   </p:sldMasterIdLst>
   <p:notesMasterIdLst>
-    <p:notesMasterId r:id="rId43"/>
+    <p:notesMasterId r:id="rId44"/>
   </p:notesMasterIdLst>
   <p:handoutMasterIdLst>
-    <p:handoutMasterId r:id="rId44"/>
+    <p:handoutMasterId r:id="rId45"/>
   </p:handoutMasterIdLst>
   <p:sldIdLst>
     <p:sldId id="314" r:id="rId5"/>
@@ -26,29 +26,30 @@
     <p:sldId id="358" r:id="rId17"/>
     <p:sldId id="359" r:id="rId18"/>
     <p:sldId id="364" r:id="rId19"/>
-    <p:sldId id="333" r:id="rId20"/>
-    <p:sldId id="355" r:id="rId21"/>
-    <p:sldId id="348" r:id="rId22"/>
-    <p:sldId id="349" r:id="rId23"/>
-    <p:sldId id="350" r:id="rId24"/>
-    <p:sldId id="347" r:id="rId25"/>
-    <p:sldId id="334" r:id="rId26"/>
-    <p:sldId id="337" r:id="rId27"/>
-    <p:sldId id="338" r:id="rId28"/>
-    <p:sldId id="339" r:id="rId29"/>
-    <p:sldId id="365" r:id="rId30"/>
-    <p:sldId id="342" r:id="rId31"/>
-    <p:sldId id="351" r:id="rId32"/>
-    <p:sldId id="345" r:id="rId33"/>
-    <p:sldId id="343" r:id="rId34"/>
-    <p:sldId id="344" r:id="rId35"/>
-    <p:sldId id="352" r:id="rId36"/>
-    <p:sldId id="353" r:id="rId37"/>
-    <p:sldId id="356" r:id="rId38"/>
-    <p:sldId id="336" r:id="rId39"/>
-    <p:sldId id="328" r:id="rId40"/>
-    <p:sldId id="346" r:id="rId41"/>
-    <p:sldId id="331" r:id="rId42"/>
+    <p:sldId id="366" r:id="rId20"/>
+    <p:sldId id="333" r:id="rId21"/>
+    <p:sldId id="355" r:id="rId22"/>
+    <p:sldId id="348" r:id="rId23"/>
+    <p:sldId id="349" r:id="rId24"/>
+    <p:sldId id="350" r:id="rId25"/>
+    <p:sldId id="347" r:id="rId26"/>
+    <p:sldId id="334" r:id="rId27"/>
+    <p:sldId id="337" r:id="rId28"/>
+    <p:sldId id="338" r:id="rId29"/>
+    <p:sldId id="339" r:id="rId30"/>
+    <p:sldId id="365" r:id="rId31"/>
+    <p:sldId id="342" r:id="rId32"/>
+    <p:sldId id="351" r:id="rId33"/>
+    <p:sldId id="345" r:id="rId34"/>
+    <p:sldId id="343" r:id="rId35"/>
+    <p:sldId id="344" r:id="rId36"/>
+    <p:sldId id="352" r:id="rId37"/>
+    <p:sldId id="353" r:id="rId38"/>
+    <p:sldId id="356" r:id="rId39"/>
+    <p:sldId id="336" r:id="rId40"/>
+    <p:sldId id="328" r:id="rId41"/>
+    <p:sldId id="346" r:id="rId42"/>
+    <p:sldId id="331" r:id="rId43"/>
   </p:sldIdLst>
   <p:sldSz cx="12192000" cy="6858000"/>
   <p:notesSz cx="6858000" cy="9144000"/>
@@ -167,6 +168,7 @@
             <p14:sldId id="358"/>
             <p14:sldId id="359"/>
             <p14:sldId id="364"/>
+            <p14:sldId id="366"/>
             <p14:sldId id="333"/>
             <p14:sldId id="355"/>
             <p14:sldId id="348"/>
@@ -23183,6 +23185,167 @@
   <p:cSld>
     <p:spTree>
       <p:nvGrpSpPr>
+        <p:cNvPr id="1" name="">
+          <a:extLst>
+            <a:ext uri="{FF2B5EF4-FFF2-40B4-BE49-F238E27FC236}">
+              <a16:creationId xmlns:a16="http://schemas.microsoft.com/office/drawing/2014/main" id="{97879FF9-8F91-46BA-F034-7E721BCDA0E3}"/>
+            </a:ext>
+          </a:extLst>
+        </p:cNvPr>
+        <p:cNvGrpSpPr/>
+        <p:nvPr/>
+      </p:nvGrpSpPr>
+      <p:grpSpPr>
+        <a:xfrm>
+          <a:off x="0" y="0"/>
+          <a:ext cx="0" cy="0"/>
+          <a:chOff x="0" y="0"/>
+          <a:chExt cx="0" cy="0"/>
+        </a:xfrm>
+      </p:grpSpPr>
+      <p:sp>
+        <p:nvSpPr>
+          <p:cNvPr id="2" name="Title 1">
+            <a:extLst>
+              <a:ext uri="{FF2B5EF4-FFF2-40B4-BE49-F238E27FC236}">
+                <a16:creationId xmlns:a16="http://schemas.microsoft.com/office/drawing/2014/main" id="{EEF28790-FA33-3B3C-1CD7-71EA2EE785EC}"/>
+              </a:ext>
+            </a:extLst>
+          </p:cNvPr>
+          <p:cNvSpPr>
+            <a:spLocks noGrp="1"/>
+          </p:cNvSpPr>
+          <p:nvPr>
+            <p:ph type="title"/>
+          </p:nvPr>
+        </p:nvSpPr>
+        <p:spPr>
+          <a:xfrm>
+            <a:off x="661556" y="422467"/>
+            <a:ext cx="10244742" cy="961899"/>
+          </a:xfrm>
+        </p:spPr>
+        <p:txBody>
+          <a:bodyPr/>
+          <a:lstStyle/>
+          <a:p>
+            <a:r>
+              <a:rPr lang="en-US" dirty="0" err="1"/>
+              <a:t>mySQL</a:t>
+            </a:r>
+            <a:r>
+              <a:rPr lang="en-US" dirty="0"/>
+              <a:t> generated values</a:t>
+            </a:r>
+          </a:p>
+        </p:txBody>
+      </p:sp>
+      <p:sp>
+        <p:nvSpPr>
+          <p:cNvPr id="4" name="Footer Placeholder 3">
+            <a:extLst>
+              <a:ext uri="{FF2B5EF4-FFF2-40B4-BE49-F238E27FC236}">
+                <a16:creationId xmlns:a16="http://schemas.microsoft.com/office/drawing/2014/main" id="{D0443282-B88F-F03F-2230-711587932561}"/>
+              </a:ext>
+            </a:extLst>
+          </p:cNvPr>
+          <p:cNvSpPr>
+            <a:spLocks noGrp="1"/>
+          </p:cNvSpPr>
+          <p:nvPr>
+            <p:ph type="ftr" sz="quarter" idx="10"/>
+          </p:nvPr>
+        </p:nvSpPr>
+        <p:spPr/>
+        <p:txBody>
+          <a:bodyPr/>
+          <a:lstStyle/>
+          <a:p>
+            <a:r>
+              <a:rPr lang="en-US" dirty="0"/>
+              <a:t>PROJECT 0</a:t>
+            </a:r>
+          </a:p>
+        </p:txBody>
+      </p:sp>
+      <p:sp>
+        <p:nvSpPr>
+          <p:cNvPr id="5" name="Slide Number Placeholder 4">
+            <a:extLst>
+              <a:ext uri="{FF2B5EF4-FFF2-40B4-BE49-F238E27FC236}">
+                <a16:creationId xmlns:a16="http://schemas.microsoft.com/office/drawing/2014/main" id="{7AE7BF40-AC30-D606-9EB3-D82DE4A615DB}"/>
+              </a:ext>
+            </a:extLst>
+          </p:cNvPr>
+          <p:cNvSpPr>
+            <a:spLocks noGrp="1"/>
+          </p:cNvSpPr>
+          <p:nvPr>
+            <p:ph type="sldNum" sz="quarter" idx="11"/>
+          </p:nvPr>
+        </p:nvSpPr>
+        <p:spPr/>
+        <p:txBody>
+          <a:bodyPr/>
+          <a:lstStyle/>
+          <a:p>
+            <a:fld id="{B5CEABB6-07DC-46E8-9B57-56EC44A396E5}" type="slidenum">
+              <a:rPr lang="en-US" smtClean="0"/>
+              <a:pPr/>
+              <a:t>16</a:t>
+            </a:fld>
+            <a:endParaRPr lang="en-US" dirty="0"/>
+          </a:p>
+        </p:txBody>
+      </p:sp>
+      <p:pic>
+        <p:nvPicPr>
+          <p:cNvPr id="10" name="Picture 9">
+            <a:extLst>
+              <a:ext uri="{FF2B5EF4-FFF2-40B4-BE49-F238E27FC236}">
+                <a16:creationId xmlns:a16="http://schemas.microsoft.com/office/drawing/2014/main" id="{4DC0C6F1-47F2-E8BA-DC9D-56D8901BF344}"/>
+              </a:ext>
+            </a:extLst>
+          </p:cNvPr>
+          <p:cNvPicPr>
+            <a:picLocks noChangeAspect="1"/>
+          </p:cNvPicPr>
+          <p:nvPr/>
+        </p:nvPicPr>
+        <p:blipFill>
+          <a:blip r:embed="rId2"/>
+          <a:stretch>
+            <a:fillRect/>
+          </a:stretch>
+        </p:blipFill>
+        <p:spPr>
+          <a:xfrm>
+            <a:off x="0" y="2505027"/>
+            <a:ext cx="12191999" cy="1847945"/>
+          </a:xfrm>
+          <a:prstGeom prst="rect">
+            <a:avLst/>
+          </a:prstGeom>
+        </p:spPr>
+      </p:pic>
+    </p:spTree>
+    <p:extLst>
+      <p:ext uri="{BB962C8B-B14F-4D97-AF65-F5344CB8AC3E}">
+        <p14:creationId xmlns:p14="http://schemas.microsoft.com/office/powerpoint/2010/main" val="908781299"/>
+      </p:ext>
+    </p:extLst>
+  </p:cSld>
+  <p:clrMapOvr>
+    <a:masterClrMapping/>
+  </p:clrMapOvr>
+</p:sld>
+</file>
+
+<file path=ppt/slides/slide17.xml><?xml version="1.0" encoding="utf-8"?>
+<p:sld xmlns:a="http://schemas.openxmlformats.org/drawingml/2006/main" xmlns:r="http://schemas.openxmlformats.org/officeDocument/2006/relationships" xmlns:p="http://schemas.openxmlformats.org/presentationml/2006/main">
+  <p:cSld>
+    <p:spTree>
+      <p:nvGrpSpPr>
         <p:cNvPr id="1" name=""/>
         <p:cNvGrpSpPr/>
         <p:nvPr/>
@@ -23305,7 +23468,7 @@
             <a:fld id="{B5CEABB6-07DC-46E8-9B57-56EC44A396E5}" type="slidenum">
               <a:rPr lang="en-US" smtClean="0"/>
               <a:pPr/>
-              <a:t>16</a:t>
+              <a:t>17</a:t>
             </a:fld>
             <a:endParaRPr lang="en-US" dirty="0"/>
           </a:p>
@@ -23355,7 +23518,7 @@
 </p:sld>
 </file>
 
-<file path=ppt/slides/slide17.xml><?xml version="1.0" encoding="utf-8"?>
+<file path=ppt/slides/slide18.xml><?xml version="1.0" encoding="utf-8"?>
 <p:sld xmlns:a="http://schemas.openxmlformats.org/drawingml/2006/main" xmlns:r="http://schemas.openxmlformats.org/officeDocument/2006/relationships" xmlns:p="http://schemas.openxmlformats.org/presentationml/2006/main">
   <p:cSld>
     <p:spTree>
@@ -23483,7 +23646,7 @@
             <a:fld id="{B5CEABB6-07DC-46E8-9B57-56EC44A396E5}" type="slidenum">
               <a:rPr lang="en-US" smtClean="0"/>
               <a:pPr/>
-              <a:t>17</a:t>
+              <a:t>18</a:t>
             </a:fld>
             <a:endParaRPr lang="en-US" dirty="0"/>
           </a:p>
@@ -23533,7 +23696,7 @@
 </p:sld>
 </file>
 
-<file path=ppt/slides/slide18.xml><?xml version="1.0" encoding="utf-8"?>
+<file path=ppt/slides/slide19.xml><?xml version="1.0" encoding="utf-8"?>
 <p:sld xmlns:a="http://schemas.openxmlformats.org/drawingml/2006/main" xmlns:r="http://schemas.openxmlformats.org/officeDocument/2006/relationships" xmlns:p="http://schemas.openxmlformats.org/presentationml/2006/main">
   <p:cSld>
     <p:spTree>
@@ -23636,7 +23799,7 @@
             <a:fld id="{B5CEABB6-07DC-46E8-9B57-56EC44A396E5}" type="slidenum">
               <a:rPr lang="en-US" smtClean="0"/>
               <a:pPr/>
-              <a:t>18</a:t>
+              <a:t>19</a:t>
             </a:fld>
             <a:endParaRPr lang="en-US" dirty="0"/>
           </a:p>
@@ -23716,7 +23879,313 @@
 </p:sld>
 </file>
 
-<file path=ppt/slides/slide19.xml><?xml version="1.0" encoding="utf-8"?>
+<file path=ppt/slides/slide2.xml><?xml version="1.0" encoding="utf-8"?>
+<p:sld xmlns:a="http://schemas.openxmlformats.org/drawingml/2006/main" xmlns:r="http://schemas.openxmlformats.org/officeDocument/2006/relationships" xmlns:p="http://schemas.openxmlformats.org/presentationml/2006/main">
+  <p:cSld>
+    <p:spTree>
+      <p:nvGrpSpPr>
+        <p:cNvPr id="1" name=""/>
+        <p:cNvGrpSpPr/>
+        <p:nvPr/>
+      </p:nvGrpSpPr>
+      <p:grpSpPr>
+        <a:xfrm>
+          <a:off x="0" y="0"/>
+          <a:ext cx="0" cy="0"/>
+          <a:chOff x="0" y="0"/>
+          <a:chExt cx="0" cy="0"/>
+        </a:xfrm>
+      </p:grpSpPr>
+      <p:sp>
+        <p:nvSpPr>
+          <p:cNvPr id="2" name="Title 1">
+            <a:extLst>
+              <a:ext uri="{FF2B5EF4-FFF2-40B4-BE49-F238E27FC236}">
+                <a16:creationId xmlns:a16="http://schemas.microsoft.com/office/drawing/2014/main" id="{A2E2ABBA-2E6D-E7DD-AC67-58D1FCB3F346}"/>
+              </a:ext>
+            </a:extLst>
+          </p:cNvPr>
+          <p:cNvSpPr>
+            <a:spLocks noGrp="1"/>
+          </p:cNvSpPr>
+          <p:nvPr>
+            <p:ph type="title"/>
+          </p:nvPr>
+        </p:nvSpPr>
+        <p:spPr/>
+        <p:txBody>
+          <a:bodyPr/>
+          <a:lstStyle/>
+          <a:p>
+            <a:r>
+              <a:rPr lang="en-US" dirty="0"/>
+              <a:t>Agenda</a:t>
+            </a:r>
+          </a:p>
+        </p:txBody>
+      </p:sp>
+      <p:pic>
+        <p:nvPicPr>
+          <p:cNvPr id="12" name="Picture Placeholder 11" descr="Badge with checkmark">
+            <a:extLst>
+              <a:ext uri="{FF2B5EF4-FFF2-40B4-BE49-F238E27FC236}">
+                <a16:creationId xmlns:a16="http://schemas.microsoft.com/office/drawing/2014/main" id="{7ACB77E6-BC5F-1BC1-CA97-6D2E37F39C9B}"/>
+              </a:ext>
+            </a:extLst>
+          </p:cNvPr>
+          <p:cNvPicPr>
+            <a:picLocks noGrp="1" noChangeAspect="1"/>
+          </p:cNvPicPr>
+          <p:nvPr>
+            <p:ph type="pic" sz="quarter" idx="23"/>
+          </p:nvPr>
+        </p:nvPicPr>
+        <p:blipFill>
+          <a:blip r:embed="rId2">
+            <a:extLst>
+              <a:ext uri="{28A0092B-C50C-407E-A947-70E740481C1C}">
+                <a14:useLocalDpi xmlns:a14="http://schemas.microsoft.com/office/drawing/2010/main" val="0"/>
+              </a:ext>
+              <a:ext uri="{96DAC541-7B7A-43D3-8B79-37D633B846F1}">
+                <asvg:svgBlip xmlns:asvg="http://schemas.microsoft.com/office/drawing/2016/SVG/main" r:embed="rId3"/>
+              </a:ext>
+            </a:extLst>
+          </a:blip>
+          <a:srcRect/>
+          <a:stretch>
+            <a:fillRect/>
+          </a:stretch>
+        </p:blipFill>
+        <p:spPr/>
+      </p:pic>
+      <p:sp>
+        <p:nvSpPr>
+          <p:cNvPr id="5" name="Text Placeholder 4">
+            <a:extLst>
+              <a:ext uri="{FF2B5EF4-FFF2-40B4-BE49-F238E27FC236}">
+                <a16:creationId xmlns:a16="http://schemas.microsoft.com/office/drawing/2014/main" id="{59401105-5841-28D0-D6C0-3E1A46648BFE}"/>
+              </a:ext>
+            </a:extLst>
+          </p:cNvPr>
+          <p:cNvSpPr>
+            <a:spLocks noGrp="1"/>
+          </p:cNvSpPr>
+          <p:nvPr>
+            <p:ph type="body" sz="quarter" idx="13"/>
+          </p:nvPr>
+        </p:nvSpPr>
+        <p:spPr/>
+        <p:txBody>
+          <a:bodyPr/>
+          <a:lstStyle/>
+          <a:p>
+            <a:r>
+              <a:rPr lang="en-US" sz="3200" dirty="0"/>
+              <a:t>Purpose of these variables</a:t>
+            </a:r>
+          </a:p>
+          <a:p>
+            <a:endParaRPr lang="en-US" dirty="0"/>
+          </a:p>
+        </p:txBody>
+      </p:sp>
+      <p:pic>
+        <p:nvPicPr>
+          <p:cNvPr id="16" name="Picture Placeholder 15" descr="Badge with checkmark">
+            <a:extLst>
+              <a:ext uri="{FF2B5EF4-FFF2-40B4-BE49-F238E27FC236}">
+                <a16:creationId xmlns:a16="http://schemas.microsoft.com/office/drawing/2014/main" id="{41353449-F29F-160E-215E-BB307C73E339}"/>
+              </a:ext>
+            </a:extLst>
+          </p:cNvPr>
+          <p:cNvPicPr>
+            <a:picLocks noGrp="1" noChangeAspect="1"/>
+          </p:cNvPicPr>
+          <p:nvPr>
+            <p:ph type="pic" sz="quarter" idx="27"/>
+          </p:nvPr>
+        </p:nvPicPr>
+        <p:blipFill>
+          <a:blip r:embed="rId2">
+            <a:extLst>
+              <a:ext uri="{28A0092B-C50C-407E-A947-70E740481C1C}">
+                <a14:useLocalDpi xmlns:a14="http://schemas.microsoft.com/office/drawing/2010/main" val="0"/>
+              </a:ext>
+              <a:ext uri="{96DAC541-7B7A-43D3-8B79-37D633B846F1}">
+                <asvg:svgBlip xmlns:asvg="http://schemas.microsoft.com/office/drawing/2016/SVG/main" r:embed="rId3"/>
+              </a:ext>
+            </a:extLst>
+          </a:blip>
+          <a:srcRect/>
+          <a:stretch>
+            <a:fillRect/>
+          </a:stretch>
+        </p:blipFill>
+        <p:spPr/>
+      </p:pic>
+      <p:sp>
+        <p:nvSpPr>
+          <p:cNvPr id="7" name="Text Placeholder 6">
+            <a:extLst>
+              <a:ext uri="{FF2B5EF4-FFF2-40B4-BE49-F238E27FC236}">
+                <a16:creationId xmlns:a16="http://schemas.microsoft.com/office/drawing/2014/main" id="{33A858E6-8813-CD9D-EE22-EB8E062FBA14}"/>
+              </a:ext>
+            </a:extLst>
+          </p:cNvPr>
+          <p:cNvSpPr>
+            <a:spLocks noGrp="1"/>
+          </p:cNvSpPr>
+          <p:nvPr>
+            <p:ph type="body" sz="quarter" idx="24"/>
+          </p:nvPr>
+        </p:nvSpPr>
+        <p:spPr/>
+        <p:txBody>
+          <a:bodyPr/>
+          <a:lstStyle/>
+          <a:p>
+            <a:r>
+              <a:rPr lang="en-US" sz="3200" dirty="0"/>
+              <a:t>Analyze the data</a:t>
+            </a:r>
+            <a:endParaRPr lang="en-US" dirty="0"/>
+          </a:p>
+        </p:txBody>
+      </p:sp>
+      <p:pic>
+        <p:nvPicPr>
+          <p:cNvPr id="24" name="Picture Placeholder 23" descr="Badge with checkmark">
+            <a:extLst>
+              <a:ext uri="{FF2B5EF4-FFF2-40B4-BE49-F238E27FC236}">
+                <a16:creationId xmlns:a16="http://schemas.microsoft.com/office/drawing/2014/main" id="{F2D23F06-5068-6EAF-10FC-42E0A8F65A5B}"/>
+              </a:ext>
+            </a:extLst>
+          </p:cNvPr>
+          <p:cNvPicPr>
+            <a:picLocks noGrp="1" noChangeAspect="1"/>
+          </p:cNvPicPr>
+          <p:nvPr>
+            <p:ph type="pic" sz="quarter" idx="28"/>
+          </p:nvPr>
+        </p:nvPicPr>
+        <p:blipFill>
+          <a:blip r:embed="rId2">
+            <a:extLst>
+              <a:ext uri="{28A0092B-C50C-407E-A947-70E740481C1C}">
+                <a14:useLocalDpi xmlns:a14="http://schemas.microsoft.com/office/drawing/2010/main" val="0"/>
+              </a:ext>
+              <a:ext uri="{96DAC541-7B7A-43D3-8B79-37D633B846F1}">
+                <asvg:svgBlip xmlns:asvg="http://schemas.microsoft.com/office/drawing/2016/SVG/main" r:embed="rId3"/>
+              </a:ext>
+            </a:extLst>
+          </a:blip>
+          <a:srcRect/>
+          <a:stretch>
+            <a:fillRect/>
+          </a:stretch>
+        </p:blipFill>
+        <p:spPr/>
+      </p:pic>
+      <p:sp>
+        <p:nvSpPr>
+          <p:cNvPr id="8" name="Text Placeholder 7">
+            <a:extLst>
+              <a:ext uri="{FF2B5EF4-FFF2-40B4-BE49-F238E27FC236}">
+                <a16:creationId xmlns:a16="http://schemas.microsoft.com/office/drawing/2014/main" id="{CE80F9D7-8410-9097-31BC-A9AE7C7052A9}"/>
+              </a:ext>
+            </a:extLst>
+          </p:cNvPr>
+          <p:cNvSpPr>
+            <a:spLocks noGrp="1"/>
+          </p:cNvSpPr>
+          <p:nvPr>
+            <p:ph type="body" sz="quarter" idx="26"/>
+          </p:nvPr>
+        </p:nvSpPr>
+        <p:spPr/>
+        <p:txBody>
+          <a:bodyPr/>
+          <a:lstStyle/>
+          <a:p>
+            <a:r>
+              <a:rPr lang="en-US" sz="3200" dirty="0"/>
+              <a:t>Q&amp;A</a:t>
+            </a:r>
+          </a:p>
+        </p:txBody>
+      </p:sp>
+      <p:sp>
+        <p:nvSpPr>
+          <p:cNvPr id="3" name="Footer Placeholder 2">
+            <a:extLst>
+              <a:ext uri="{FF2B5EF4-FFF2-40B4-BE49-F238E27FC236}">
+                <a16:creationId xmlns:a16="http://schemas.microsoft.com/office/drawing/2014/main" id="{9C3F16C9-B662-209D-15DE-55D714B28413}"/>
+              </a:ext>
+            </a:extLst>
+          </p:cNvPr>
+          <p:cNvSpPr>
+            <a:spLocks noGrp="1"/>
+          </p:cNvSpPr>
+          <p:nvPr>
+            <p:ph type="ftr" sz="quarter" idx="10"/>
+          </p:nvPr>
+        </p:nvSpPr>
+        <p:spPr/>
+        <p:txBody>
+          <a:bodyPr/>
+          <a:lstStyle/>
+          <a:p>
+            <a:r>
+              <a:rPr lang="en-US" dirty="0"/>
+              <a:t>Project 0</a:t>
+            </a:r>
+          </a:p>
+        </p:txBody>
+      </p:sp>
+      <p:sp>
+        <p:nvSpPr>
+          <p:cNvPr id="4" name="Slide Number Placeholder 3">
+            <a:extLst>
+              <a:ext uri="{FF2B5EF4-FFF2-40B4-BE49-F238E27FC236}">
+                <a16:creationId xmlns:a16="http://schemas.microsoft.com/office/drawing/2014/main" id="{804DA4DD-2363-F475-FCAA-A686AA9F99AC}"/>
+              </a:ext>
+            </a:extLst>
+          </p:cNvPr>
+          <p:cNvSpPr>
+            <a:spLocks noGrp="1"/>
+          </p:cNvSpPr>
+          <p:nvPr>
+            <p:ph type="sldNum" sz="quarter" idx="11"/>
+          </p:nvPr>
+        </p:nvSpPr>
+        <p:spPr/>
+        <p:txBody>
+          <a:bodyPr/>
+          <a:lstStyle/>
+          <a:p>
+            <a:fld id="{B5CEABB6-07DC-46E8-9B57-56EC44A396E5}" type="slidenum">
+              <a:rPr lang="en-US" smtClean="0"/>
+              <a:pPr/>
+              <a:t>2</a:t>
+            </a:fld>
+            <a:endParaRPr lang="en-US" dirty="0"/>
+          </a:p>
+        </p:txBody>
+      </p:sp>
+    </p:spTree>
+    <p:extLst>
+      <p:ext uri="{BB962C8B-B14F-4D97-AF65-F5344CB8AC3E}">
+        <p14:creationId xmlns:p14="http://schemas.microsoft.com/office/powerpoint/2010/main" val="4294866199"/>
+      </p:ext>
+    </p:extLst>
+  </p:cSld>
+  <p:clrMapOvr>
+    <a:masterClrMapping/>
+  </p:clrMapOvr>
+</p:sld>
+</file>
+
+<file path=ppt/slides/slide20.xml><?xml version="1.0" encoding="utf-8"?>
 <p:sld xmlns:a="http://schemas.openxmlformats.org/drawingml/2006/main" xmlns:r="http://schemas.openxmlformats.org/officeDocument/2006/relationships" xmlns:p="http://schemas.openxmlformats.org/presentationml/2006/main">
   <p:cSld>
     <p:spTree>
@@ -23819,7 +24288,7 @@
             <a:fld id="{B5CEABB6-07DC-46E8-9B57-56EC44A396E5}" type="slidenum">
               <a:rPr lang="en-US" smtClean="0"/>
               <a:pPr/>
-              <a:t>19</a:t>
+              <a:t>20</a:t>
             </a:fld>
             <a:endParaRPr lang="en-US" dirty="0"/>
           </a:p>
@@ -23869,313 +24338,7 @@
 </p:sld>
 </file>
 
-<file path=ppt/slides/slide2.xml><?xml version="1.0" encoding="utf-8"?>
-<p:sld xmlns:a="http://schemas.openxmlformats.org/drawingml/2006/main" xmlns:r="http://schemas.openxmlformats.org/officeDocument/2006/relationships" xmlns:p="http://schemas.openxmlformats.org/presentationml/2006/main">
-  <p:cSld>
-    <p:spTree>
-      <p:nvGrpSpPr>
-        <p:cNvPr id="1" name=""/>
-        <p:cNvGrpSpPr/>
-        <p:nvPr/>
-      </p:nvGrpSpPr>
-      <p:grpSpPr>
-        <a:xfrm>
-          <a:off x="0" y="0"/>
-          <a:ext cx="0" cy="0"/>
-          <a:chOff x="0" y="0"/>
-          <a:chExt cx="0" cy="0"/>
-        </a:xfrm>
-      </p:grpSpPr>
-      <p:sp>
-        <p:nvSpPr>
-          <p:cNvPr id="2" name="Title 1">
-            <a:extLst>
-              <a:ext uri="{FF2B5EF4-FFF2-40B4-BE49-F238E27FC236}">
-                <a16:creationId xmlns:a16="http://schemas.microsoft.com/office/drawing/2014/main" id="{A2E2ABBA-2E6D-E7DD-AC67-58D1FCB3F346}"/>
-              </a:ext>
-            </a:extLst>
-          </p:cNvPr>
-          <p:cNvSpPr>
-            <a:spLocks noGrp="1"/>
-          </p:cNvSpPr>
-          <p:nvPr>
-            <p:ph type="title"/>
-          </p:nvPr>
-        </p:nvSpPr>
-        <p:spPr/>
-        <p:txBody>
-          <a:bodyPr/>
-          <a:lstStyle/>
-          <a:p>
-            <a:r>
-              <a:rPr lang="en-US" dirty="0"/>
-              <a:t>Agenda</a:t>
-            </a:r>
-          </a:p>
-        </p:txBody>
-      </p:sp>
-      <p:pic>
-        <p:nvPicPr>
-          <p:cNvPr id="12" name="Picture Placeholder 11" descr="Badge with checkmark">
-            <a:extLst>
-              <a:ext uri="{FF2B5EF4-FFF2-40B4-BE49-F238E27FC236}">
-                <a16:creationId xmlns:a16="http://schemas.microsoft.com/office/drawing/2014/main" id="{7ACB77E6-BC5F-1BC1-CA97-6D2E37F39C9B}"/>
-              </a:ext>
-            </a:extLst>
-          </p:cNvPr>
-          <p:cNvPicPr>
-            <a:picLocks noGrp="1" noChangeAspect="1"/>
-          </p:cNvPicPr>
-          <p:nvPr>
-            <p:ph type="pic" sz="quarter" idx="23"/>
-          </p:nvPr>
-        </p:nvPicPr>
-        <p:blipFill>
-          <a:blip r:embed="rId2">
-            <a:extLst>
-              <a:ext uri="{28A0092B-C50C-407E-A947-70E740481C1C}">
-                <a14:useLocalDpi xmlns:a14="http://schemas.microsoft.com/office/drawing/2010/main" val="0"/>
-              </a:ext>
-              <a:ext uri="{96DAC541-7B7A-43D3-8B79-37D633B846F1}">
-                <asvg:svgBlip xmlns:asvg="http://schemas.microsoft.com/office/drawing/2016/SVG/main" r:embed="rId3"/>
-              </a:ext>
-            </a:extLst>
-          </a:blip>
-          <a:srcRect/>
-          <a:stretch>
-            <a:fillRect/>
-          </a:stretch>
-        </p:blipFill>
-        <p:spPr/>
-      </p:pic>
-      <p:sp>
-        <p:nvSpPr>
-          <p:cNvPr id="5" name="Text Placeholder 4">
-            <a:extLst>
-              <a:ext uri="{FF2B5EF4-FFF2-40B4-BE49-F238E27FC236}">
-                <a16:creationId xmlns:a16="http://schemas.microsoft.com/office/drawing/2014/main" id="{59401105-5841-28D0-D6C0-3E1A46648BFE}"/>
-              </a:ext>
-            </a:extLst>
-          </p:cNvPr>
-          <p:cNvSpPr>
-            <a:spLocks noGrp="1"/>
-          </p:cNvSpPr>
-          <p:nvPr>
-            <p:ph type="body" sz="quarter" idx="13"/>
-          </p:nvPr>
-        </p:nvSpPr>
-        <p:spPr/>
-        <p:txBody>
-          <a:bodyPr/>
-          <a:lstStyle/>
-          <a:p>
-            <a:r>
-              <a:rPr lang="en-US" sz="3200" dirty="0"/>
-              <a:t>Purpose of these variables</a:t>
-            </a:r>
-          </a:p>
-          <a:p>
-            <a:endParaRPr lang="en-US" dirty="0"/>
-          </a:p>
-        </p:txBody>
-      </p:sp>
-      <p:pic>
-        <p:nvPicPr>
-          <p:cNvPr id="16" name="Picture Placeholder 15" descr="Badge with checkmark">
-            <a:extLst>
-              <a:ext uri="{FF2B5EF4-FFF2-40B4-BE49-F238E27FC236}">
-                <a16:creationId xmlns:a16="http://schemas.microsoft.com/office/drawing/2014/main" id="{41353449-F29F-160E-215E-BB307C73E339}"/>
-              </a:ext>
-            </a:extLst>
-          </p:cNvPr>
-          <p:cNvPicPr>
-            <a:picLocks noGrp="1" noChangeAspect="1"/>
-          </p:cNvPicPr>
-          <p:nvPr>
-            <p:ph type="pic" sz="quarter" idx="27"/>
-          </p:nvPr>
-        </p:nvPicPr>
-        <p:blipFill>
-          <a:blip r:embed="rId2">
-            <a:extLst>
-              <a:ext uri="{28A0092B-C50C-407E-A947-70E740481C1C}">
-                <a14:useLocalDpi xmlns:a14="http://schemas.microsoft.com/office/drawing/2010/main" val="0"/>
-              </a:ext>
-              <a:ext uri="{96DAC541-7B7A-43D3-8B79-37D633B846F1}">
-                <asvg:svgBlip xmlns:asvg="http://schemas.microsoft.com/office/drawing/2016/SVG/main" r:embed="rId3"/>
-              </a:ext>
-            </a:extLst>
-          </a:blip>
-          <a:srcRect/>
-          <a:stretch>
-            <a:fillRect/>
-          </a:stretch>
-        </p:blipFill>
-        <p:spPr/>
-      </p:pic>
-      <p:sp>
-        <p:nvSpPr>
-          <p:cNvPr id="7" name="Text Placeholder 6">
-            <a:extLst>
-              <a:ext uri="{FF2B5EF4-FFF2-40B4-BE49-F238E27FC236}">
-                <a16:creationId xmlns:a16="http://schemas.microsoft.com/office/drawing/2014/main" id="{33A858E6-8813-CD9D-EE22-EB8E062FBA14}"/>
-              </a:ext>
-            </a:extLst>
-          </p:cNvPr>
-          <p:cNvSpPr>
-            <a:spLocks noGrp="1"/>
-          </p:cNvSpPr>
-          <p:nvPr>
-            <p:ph type="body" sz="quarter" idx="24"/>
-          </p:nvPr>
-        </p:nvSpPr>
-        <p:spPr/>
-        <p:txBody>
-          <a:bodyPr/>
-          <a:lstStyle/>
-          <a:p>
-            <a:r>
-              <a:rPr lang="en-US" sz="3200" dirty="0"/>
-              <a:t>Analyze the data</a:t>
-            </a:r>
-            <a:endParaRPr lang="en-US" dirty="0"/>
-          </a:p>
-        </p:txBody>
-      </p:sp>
-      <p:pic>
-        <p:nvPicPr>
-          <p:cNvPr id="24" name="Picture Placeholder 23" descr="Badge with checkmark">
-            <a:extLst>
-              <a:ext uri="{FF2B5EF4-FFF2-40B4-BE49-F238E27FC236}">
-                <a16:creationId xmlns:a16="http://schemas.microsoft.com/office/drawing/2014/main" id="{F2D23F06-5068-6EAF-10FC-42E0A8F65A5B}"/>
-              </a:ext>
-            </a:extLst>
-          </p:cNvPr>
-          <p:cNvPicPr>
-            <a:picLocks noGrp="1" noChangeAspect="1"/>
-          </p:cNvPicPr>
-          <p:nvPr>
-            <p:ph type="pic" sz="quarter" idx="28"/>
-          </p:nvPr>
-        </p:nvPicPr>
-        <p:blipFill>
-          <a:blip r:embed="rId2">
-            <a:extLst>
-              <a:ext uri="{28A0092B-C50C-407E-A947-70E740481C1C}">
-                <a14:useLocalDpi xmlns:a14="http://schemas.microsoft.com/office/drawing/2010/main" val="0"/>
-              </a:ext>
-              <a:ext uri="{96DAC541-7B7A-43D3-8B79-37D633B846F1}">
-                <asvg:svgBlip xmlns:asvg="http://schemas.microsoft.com/office/drawing/2016/SVG/main" r:embed="rId3"/>
-              </a:ext>
-            </a:extLst>
-          </a:blip>
-          <a:srcRect/>
-          <a:stretch>
-            <a:fillRect/>
-          </a:stretch>
-        </p:blipFill>
-        <p:spPr/>
-      </p:pic>
-      <p:sp>
-        <p:nvSpPr>
-          <p:cNvPr id="8" name="Text Placeholder 7">
-            <a:extLst>
-              <a:ext uri="{FF2B5EF4-FFF2-40B4-BE49-F238E27FC236}">
-                <a16:creationId xmlns:a16="http://schemas.microsoft.com/office/drawing/2014/main" id="{CE80F9D7-8410-9097-31BC-A9AE7C7052A9}"/>
-              </a:ext>
-            </a:extLst>
-          </p:cNvPr>
-          <p:cNvSpPr>
-            <a:spLocks noGrp="1"/>
-          </p:cNvSpPr>
-          <p:nvPr>
-            <p:ph type="body" sz="quarter" idx="26"/>
-          </p:nvPr>
-        </p:nvSpPr>
-        <p:spPr/>
-        <p:txBody>
-          <a:bodyPr/>
-          <a:lstStyle/>
-          <a:p>
-            <a:r>
-              <a:rPr lang="en-US" sz="3200" dirty="0"/>
-              <a:t>Q&amp;A</a:t>
-            </a:r>
-          </a:p>
-        </p:txBody>
-      </p:sp>
-      <p:sp>
-        <p:nvSpPr>
-          <p:cNvPr id="3" name="Footer Placeholder 2">
-            <a:extLst>
-              <a:ext uri="{FF2B5EF4-FFF2-40B4-BE49-F238E27FC236}">
-                <a16:creationId xmlns:a16="http://schemas.microsoft.com/office/drawing/2014/main" id="{9C3F16C9-B662-209D-15DE-55D714B28413}"/>
-              </a:ext>
-            </a:extLst>
-          </p:cNvPr>
-          <p:cNvSpPr>
-            <a:spLocks noGrp="1"/>
-          </p:cNvSpPr>
-          <p:nvPr>
-            <p:ph type="ftr" sz="quarter" idx="10"/>
-          </p:nvPr>
-        </p:nvSpPr>
-        <p:spPr/>
-        <p:txBody>
-          <a:bodyPr/>
-          <a:lstStyle/>
-          <a:p>
-            <a:r>
-              <a:rPr lang="en-US" dirty="0"/>
-              <a:t>Project 0</a:t>
-            </a:r>
-          </a:p>
-        </p:txBody>
-      </p:sp>
-      <p:sp>
-        <p:nvSpPr>
-          <p:cNvPr id="4" name="Slide Number Placeholder 3">
-            <a:extLst>
-              <a:ext uri="{FF2B5EF4-FFF2-40B4-BE49-F238E27FC236}">
-                <a16:creationId xmlns:a16="http://schemas.microsoft.com/office/drawing/2014/main" id="{804DA4DD-2363-F475-FCAA-A686AA9F99AC}"/>
-              </a:ext>
-            </a:extLst>
-          </p:cNvPr>
-          <p:cNvSpPr>
-            <a:spLocks noGrp="1"/>
-          </p:cNvSpPr>
-          <p:nvPr>
-            <p:ph type="sldNum" sz="quarter" idx="11"/>
-          </p:nvPr>
-        </p:nvSpPr>
-        <p:spPr/>
-        <p:txBody>
-          <a:bodyPr/>
-          <a:lstStyle/>
-          <a:p>
-            <a:fld id="{B5CEABB6-07DC-46E8-9B57-56EC44A396E5}" type="slidenum">
-              <a:rPr lang="en-US" smtClean="0"/>
-              <a:pPr/>
-              <a:t>2</a:t>
-            </a:fld>
-            <a:endParaRPr lang="en-US" dirty="0"/>
-          </a:p>
-        </p:txBody>
-      </p:sp>
-    </p:spTree>
-    <p:extLst>
-      <p:ext uri="{BB962C8B-B14F-4D97-AF65-F5344CB8AC3E}">
-        <p14:creationId xmlns:p14="http://schemas.microsoft.com/office/powerpoint/2010/main" val="4294866199"/>
-      </p:ext>
-    </p:extLst>
-  </p:cSld>
-  <p:clrMapOvr>
-    <a:masterClrMapping/>
-  </p:clrMapOvr>
-</p:sld>
-</file>
-
-<file path=ppt/slides/slide20.xml><?xml version="1.0" encoding="utf-8"?>
+<file path=ppt/slides/slide21.xml><?xml version="1.0" encoding="utf-8"?>
 <p:sld xmlns:a="http://schemas.openxmlformats.org/drawingml/2006/main" xmlns:r="http://schemas.openxmlformats.org/officeDocument/2006/relationships" xmlns:p="http://schemas.openxmlformats.org/presentationml/2006/main">
   <p:cSld>
     <p:spTree>
@@ -24278,7 +24441,7 @@
             <a:fld id="{B5CEABB6-07DC-46E8-9B57-56EC44A396E5}" type="slidenum">
               <a:rPr lang="en-US" smtClean="0"/>
               <a:pPr/>
-              <a:t>20</a:t>
+              <a:t>21</a:t>
             </a:fld>
             <a:endParaRPr lang="en-US" dirty="0"/>
           </a:p>
@@ -24328,7 +24491,7 @@
 </p:sld>
 </file>
 
-<file path=ppt/slides/slide21.xml><?xml version="1.0" encoding="utf-8"?>
+<file path=ppt/slides/slide22.xml><?xml version="1.0" encoding="utf-8"?>
 <p:sld xmlns:a="http://schemas.openxmlformats.org/drawingml/2006/main" xmlns:r="http://schemas.openxmlformats.org/officeDocument/2006/relationships" xmlns:p="http://schemas.openxmlformats.org/presentationml/2006/main">
   <p:cSld>
     <p:spTree>
@@ -24456,7 +24619,7 @@
             <a:fld id="{B5CEABB6-07DC-46E8-9B57-56EC44A396E5}" type="slidenum">
               <a:rPr lang="en-US" smtClean="0"/>
               <a:pPr/>
-              <a:t>21</a:t>
+              <a:t>22</a:t>
             </a:fld>
             <a:endParaRPr lang="en-US" dirty="0"/>
           </a:p>
@@ -24501,7 +24664,7 @@
 </p:sld>
 </file>
 
-<file path=ppt/slides/slide22.xml><?xml version="1.0" encoding="utf-8"?>
+<file path=ppt/slides/slide23.xml><?xml version="1.0" encoding="utf-8"?>
 <p:sld xmlns:a="http://schemas.openxmlformats.org/drawingml/2006/main" xmlns:r="http://schemas.openxmlformats.org/officeDocument/2006/relationships" xmlns:p="http://schemas.openxmlformats.org/presentationml/2006/main">
   <p:cSld>
     <p:spTree>
@@ -24629,7 +24792,7 @@
             <a:fld id="{B5CEABB6-07DC-46E8-9B57-56EC44A396E5}" type="slidenum">
               <a:rPr lang="en-US" smtClean="0"/>
               <a:pPr/>
-              <a:t>22</a:t>
+              <a:t>23</a:t>
             </a:fld>
             <a:endParaRPr lang="en-US" dirty="0"/>
           </a:p>
@@ -24679,7 +24842,7 @@
 </p:sld>
 </file>
 
-<file path=ppt/slides/slide23.xml><?xml version="1.0" encoding="utf-8"?>
+<file path=ppt/slides/slide24.xml><?xml version="1.0" encoding="utf-8"?>
 <p:sld xmlns:a="http://schemas.openxmlformats.org/drawingml/2006/main" xmlns:r="http://schemas.openxmlformats.org/officeDocument/2006/relationships" xmlns:p="http://schemas.openxmlformats.org/presentationml/2006/main">
   <p:cSld>
     <p:spTree>
@@ -24811,7 +24974,7 @@
             <a:fld id="{B5CEABB6-07DC-46E8-9B57-56EC44A396E5}" type="slidenum">
               <a:rPr lang="en-US" smtClean="0"/>
               <a:pPr/>
-              <a:t>23</a:t>
+              <a:t>24</a:t>
             </a:fld>
             <a:endParaRPr lang="en-US" dirty="0"/>
           </a:p>
@@ -24897,7 +25060,7 @@
 </p:sld>
 </file>
 
-<file path=ppt/slides/slide24.xml><?xml version="1.0" encoding="utf-8"?>
+<file path=ppt/slides/slide25.xml><?xml version="1.0" encoding="utf-8"?>
 <p:sld xmlns:a="http://schemas.openxmlformats.org/drawingml/2006/main" xmlns:r="http://schemas.openxmlformats.org/officeDocument/2006/relationships" xmlns:p="http://schemas.openxmlformats.org/presentationml/2006/main">
   <p:cSld>
     <p:spTree>
@@ -25029,7 +25192,7 @@
             <a:fld id="{B5CEABB6-07DC-46E8-9B57-56EC44A396E5}" type="slidenum">
               <a:rPr lang="en-US" smtClean="0"/>
               <a:pPr/>
-              <a:t>24</a:t>
+              <a:t>25</a:t>
             </a:fld>
             <a:endParaRPr lang="en-US" dirty="0"/>
           </a:p>
@@ -25115,7 +25278,7 @@
 </p:sld>
 </file>
 
-<file path=ppt/slides/slide25.xml><?xml version="1.0" encoding="utf-8"?>
+<file path=ppt/slides/slide26.xml><?xml version="1.0" encoding="utf-8"?>
 <p:sld xmlns:a="http://schemas.openxmlformats.org/drawingml/2006/main" xmlns:r="http://schemas.openxmlformats.org/officeDocument/2006/relationships" xmlns:p="http://schemas.openxmlformats.org/presentationml/2006/main">
   <p:cSld>
     <p:spTree>
@@ -25247,7 +25410,7 @@
             <a:fld id="{B5CEABB6-07DC-46E8-9B57-56EC44A396E5}" type="slidenum">
               <a:rPr lang="en-US" smtClean="0"/>
               <a:pPr/>
-              <a:t>25</a:t>
+              <a:t>26</a:t>
             </a:fld>
             <a:endParaRPr lang="en-US" dirty="0"/>
           </a:p>
@@ -25333,7 +25496,7 @@
 </p:sld>
 </file>
 
-<file path=ppt/slides/slide26.xml><?xml version="1.0" encoding="utf-8"?>
+<file path=ppt/slides/slide27.xml><?xml version="1.0" encoding="utf-8"?>
 <p:sld xmlns:a="http://schemas.openxmlformats.org/drawingml/2006/main" xmlns:r="http://schemas.openxmlformats.org/officeDocument/2006/relationships" xmlns:p="http://schemas.openxmlformats.org/presentationml/2006/main">
   <p:cSld>
     <p:spTree>
@@ -25475,7 +25638,7 @@
             <a:fld id="{B5CEABB6-07DC-46E8-9B57-56EC44A396E5}" type="slidenum">
               <a:rPr lang="en-US" smtClean="0"/>
               <a:pPr/>
-              <a:t>26</a:t>
+              <a:t>27</a:t>
             </a:fld>
             <a:endParaRPr lang="en-US" dirty="0"/>
           </a:p>
@@ -25494,7 +25657,7 @@
 </p:sld>
 </file>
 
-<file path=ppt/slides/slide27.xml><?xml version="1.0" encoding="utf-8"?>
+<file path=ppt/slides/slide28.xml><?xml version="1.0" encoding="utf-8"?>
 <p:sld xmlns:a="http://schemas.openxmlformats.org/drawingml/2006/main" xmlns:r="http://schemas.openxmlformats.org/officeDocument/2006/relationships" xmlns:p="http://schemas.openxmlformats.org/presentationml/2006/main">
   <p:cSld>
     <p:spTree>
@@ -25608,7 +25771,7 @@
             <a:fld id="{B5CEABB6-07DC-46E8-9B57-56EC44A396E5}" type="slidenum">
               <a:rPr lang="en-US" smtClean="0"/>
               <a:pPr/>
-              <a:t>27</a:t>
+              <a:t>28</a:t>
             </a:fld>
             <a:endParaRPr lang="en-US" dirty="0"/>
           </a:p>
@@ -25656,7 +25819,7 @@
 </p:sld>
 </file>
 
-<file path=ppt/slides/slide28.xml><?xml version="1.0" encoding="utf-8"?>
+<file path=ppt/slides/slide29.xml><?xml version="1.0" encoding="utf-8"?>
 <p:sld xmlns:a="http://schemas.openxmlformats.org/drawingml/2006/main" xmlns:r="http://schemas.openxmlformats.org/officeDocument/2006/relationships" xmlns:p="http://schemas.openxmlformats.org/presentationml/2006/main">
   <p:cSld>
     <p:spTree>
@@ -25770,7 +25933,7 @@
             <a:fld id="{B5CEABB6-07DC-46E8-9B57-56EC44A396E5}" type="slidenum">
               <a:rPr lang="en-US" smtClean="0"/>
               <a:pPr/>
-              <a:t>28</a:t>
+              <a:t>29</a:t>
             </a:fld>
             <a:endParaRPr lang="en-US" dirty="0"/>
           </a:p>
@@ -25810,169 +25973,6 @@
     <p:extLst>
       <p:ext uri="{BB962C8B-B14F-4D97-AF65-F5344CB8AC3E}">
         <p14:creationId xmlns:p14="http://schemas.microsoft.com/office/powerpoint/2010/main" val="859990297"/>
-      </p:ext>
-    </p:extLst>
-  </p:cSld>
-  <p:clrMapOvr>
-    <a:masterClrMapping/>
-  </p:clrMapOvr>
-</p:sld>
-</file>
-
-<file path=ppt/slides/slide29.xml><?xml version="1.0" encoding="utf-8"?>
-<p:sld xmlns:a="http://schemas.openxmlformats.org/drawingml/2006/main" xmlns:r="http://schemas.openxmlformats.org/officeDocument/2006/relationships" xmlns:p="http://schemas.openxmlformats.org/presentationml/2006/main">
-  <p:cSld>
-    <p:spTree>
-      <p:nvGrpSpPr>
-        <p:cNvPr id="1" name="">
-          <a:extLst>
-            <a:ext uri="{FF2B5EF4-FFF2-40B4-BE49-F238E27FC236}">
-              <a16:creationId xmlns:a16="http://schemas.microsoft.com/office/drawing/2014/main" id="{C740FE29-64DC-0E92-4212-52A2B42FEA26}"/>
-            </a:ext>
-          </a:extLst>
-        </p:cNvPr>
-        <p:cNvGrpSpPr/>
-        <p:nvPr/>
-      </p:nvGrpSpPr>
-      <p:grpSpPr>
-        <a:xfrm>
-          <a:off x="0" y="0"/>
-          <a:ext cx="0" cy="0"/>
-          <a:chOff x="0" y="0"/>
-          <a:chExt cx="0" cy="0"/>
-        </a:xfrm>
-      </p:grpSpPr>
-      <p:sp>
-        <p:nvSpPr>
-          <p:cNvPr id="2" name="Title 1">
-            <a:extLst>
-              <a:ext uri="{FF2B5EF4-FFF2-40B4-BE49-F238E27FC236}">
-                <a16:creationId xmlns:a16="http://schemas.microsoft.com/office/drawing/2014/main" id="{F59B3BF4-3AA5-B73F-26B5-22A3DE5BA2D1}"/>
-              </a:ext>
-            </a:extLst>
-          </p:cNvPr>
-          <p:cNvSpPr>
-            <a:spLocks noGrp="1"/>
-          </p:cNvSpPr>
-          <p:nvPr>
-            <p:ph type="title"/>
-          </p:nvPr>
-        </p:nvSpPr>
-        <p:spPr>
-          <a:xfrm>
-            <a:off x="811185" y="621973"/>
-            <a:ext cx="10361120" cy="961899"/>
-          </a:xfrm>
-        </p:spPr>
-        <p:txBody>
-          <a:bodyPr/>
-          <a:lstStyle/>
-          <a:p>
-            <a:r>
-              <a:rPr lang="en-US" dirty="0"/>
-              <a:t>Setting Primary Keys in </a:t>
-            </a:r>
-            <a:r>
-              <a:rPr lang="en-US" dirty="0" err="1"/>
-              <a:t>BigQuery</a:t>
-            </a:r>
-            <a:endParaRPr lang="en-US" dirty="0"/>
-          </a:p>
-        </p:txBody>
-      </p:sp>
-      <p:sp>
-        <p:nvSpPr>
-          <p:cNvPr id="4" name="Footer Placeholder 3">
-            <a:extLst>
-              <a:ext uri="{FF2B5EF4-FFF2-40B4-BE49-F238E27FC236}">
-                <a16:creationId xmlns:a16="http://schemas.microsoft.com/office/drawing/2014/main" id="{BE1687C8-45F2-818D-4A63-77B530F67267}"/>
-              </a:ext>
-            </a:extLst>
-          </p:cNvPr>
-          <p:cNvSpPr>
-            <a:spLocks noGrp="1"/>
-          </p:cNvSpPr>
-          <p:nvPr>
-            <p:ph type="ftr" sz="quarter" idx="10"/>
-          </p:nvPr>
-        </p:nvSpPr>
-        <p:spPr/>
-        <p:txBody>
-          <a:bodyPr/>
-          <a:lstStyle/>
-          <a:p>
-            <a:r>
-              <a:rPr lang="en-US"/>
-              <a:t>PRESENTATION TITLE</a:t>
-            </a:r>
-            <a:endParaRPr lang="en-US" dirty="0"/>
-          </a:p>
-        </p:txBody>
-      </p:sp>
-      <p:sp>
-        <p:nvSpPr>
-          <p:cNvPr id="5" name="Slide Number Placeholder 4">
-            <a:extLst>
-              <a:ext uri="{FF2B5EF4-FFF2-40B4-BE49-F238E27FC236}">
-                <a16:creationId xmlns:a16="http://schemas.microsoft.com/office/drawing/2014/main" id="{85D26533-9E3F-DAC3-2CB4-D8113D9716EA}"/>
-              </a:ext>
-            </a:extLst>
-          </p:cNvPr>
-          <p:cNvSpPr>
-            <a:spLocks noGrp="1"/>
-          </p:cNvSpPr>
-          <p:nvPr>
-            <p:ph type="sldNum" sz="quarter" idx="11"/>
-          </p:nvPr>
-        </p:nvSpPr>
-        <p:spPr/>
-        <p:txBody>
-          <a:bodyPr/>
-          <a:lstStyle/>
-          <a:p>
-            <a:fld id="{B5CEABB6-07DC-46E8-9B57-56EC44A396E5}" type="slidenum">
-              <a:rPr lang="en-US" smtClean="0"/>
-              <a:pPr/>
-              <a:t>29</a:t>
-            </a:fld>
-            <a:endParaRPr lang="en-US" dirty="0"/>
-          </a:p>
-        </p:txBody>
-      </p:sp>
-      <p:pic>
-        <p:nvPicPr>
-          <p:cNvPr id="6" name="Picture 5">
-            <a:extLst>
-              <a:ext uri="{FF2B5EF4-FFF2-40B4-BE49-F238E27FC236}">
-                <a16:creationId xmlns:a16="http://schemas.microsoft.com/office/drawing/2014/main" id="{A04633B2-A3C4-D744-7CC2-DB12833B777A}"/>
-              </a:ext>
-            </a:extLst>
-          </p:cNvPr>
-          <p:cNvPicPr>
-            <a:picLocks noChangeAspect="1"/>
-          </p:cNvPicPr>
-          <p:nvPr/>
-        </p:nvPicPr>
-        <p:blipFill>
-          <a:blip r:embed="rId2"/>
-          <a:stretch>
-            <a:fillRect/>
-          </a:stretch>
-        </p:blipFill>
-        <p:spPr>
-          <a:xfrm>
-            <a:off x="0" y="1192382"/>
-            <a:ext cx="11741753" cy="5753396"/>
-          </a:xfrm>
-          <a:prstGeom prst="rect">
-            <a:avLst/>
-          </a:prstGeom>
-        </p:spPr>
-      </p:pic>
-    </p:spTree>
-    <p:extLst>
-      <p:ext uri="{BB962C8B-B14F-4D97-AF65-F5344CB8AC3E}">
-        <p14:creationId xmlns:p14="http://schemas.microsoft.com/office/powerpoint/2010/main" val="3839847918"/>
       </p:ext>
     </p:extLst>
   </p:cSld>
@@ -26147,6 +26147,169 @@
         <p:cNvPr id="1" name="">
           <a:extLst>
             <a:ext uri="{FF2B5EF4-FFF2-40B4-BE49-F238E27FC236}">
+              <a16:creationId xmlns:a16="http://schemas.microsoft.com/office/drawing/2014/main" id="{C740FE29-64DC-0E92-4212-52A2B42FEA26}"/>
+            </a:ext>
+          </a:extLst>
+        </p:cNvPr>
+        <p:cNvGrpSpPr/>
+        <p:nvPr/>
+      </p:nvGrpSpPr>
+      <p:grpSpPr>
+        <a:xfrm>
+          <a:off x="0" y="0"/>
+          <a:ext cx="0" cy="0"/>
+          <a:chOff x="0" y="0"/>
+          <a:chExt cx="0" cy="0"/>
+        </a:xfrm>
+      </p:grpSpPr>
+      <p:sp>
+        <p:nvSpPr>
+          <p:cNvPr id="2" name="Title 1">
+            <a:extLst>
+              <a:ext uri="{FF2B5EF4-FFF2-40B4-BE49-F238E27FC236}">
+                <a16:creationId xmlns:a16="http://schemas.microsoft.com/office/drawing/2014/main" id="{F59B3BF4-3AA5-B73F-26B5-22A3DE5BA2D1}"/>
+              </a:ext>
+            </a:extLst>
+          </p:cNvPr>
+          <p:cNvSpPr>
+            <a:spLocks noGrp="1"/>
+          </p:cNvSpPr>
+          <p:nvPr>
+            <p:ph type="title"/>
+          </p:nvPr>
+        </p:nvSpPr>
+        <p:spPr>
+          <a:xfrm>
+            <a:off x="811185" y="621973"/>
+            <a:ext cx="10361120" cy="961899"/>
+          </a:xfrm>
+        </p:spPr>
+        <p:txBody>
+          <a:bodyPr/>
+          <a:lstStyle/>
+          <a:p>
+            <a:r>
+              <a:rPr lang="en-US" dirty="0"/>
+              <a:t>Setting Primary Keys in </a:t>
+            </a:r>
+            <a:r>
+              <a:rPr lang="en-US" dirty="0" err="1"/>
+              <a:t>BigQuery</a:t>
+            </a:r>
+            <a:endParaRPr lang="en-US" dirty="0"/>
+          </a:p>
+        </p:txBody>
+      </p:sp>
+      <p:sp>
+        <p:nvSpPr>
+          <p:cNvPr id="4" name="Footer Placeholder 3">
+            <a:extLst>
+              <a:ext uri="{FF2B5EF4-FFF2-40B4-BE49-F238E27FC236}">
+                <a16:creationId xmlns:a16="http://schemas.microsoft.com/office/drawing/2014/main" id="{BE1687C8-45F2-818D-4A63-77B530F67267}"/>
+              </a:ext>
+            </a:extLst>
+          </p:cNvPr>
+          <p:cNvSpPr>
+            <a:spLocks noGrp="1"/>
+          </p:cNvSpPr>
+          <p:nvPr>
+            <p:ph type="ftr" sz="quarter" idx="10"/>
+          </p:nvPr>
+        </p:nvSpPr>
+        <p:spPr/>
+        <p:txBody>
+          <a:bodyPr/>
+          <a:lstStyle/>
+          <a:p>
+            <a:r>
+              <a:rPr lang="en-US"/>
+              <a:t>PRESENTATION TITLE</a:t>
+            </a:r>
+            <a:endParaRPr lang="en-US" dirty="0"/>
+          </a:p>
+        </p:txBody>
+      </p:sp>
+      <p:sp>
+        <p:nvSpPr>
+          <p:cNvPr id="5" name="Slide Number Placeholder 4">
+            <a:extLst>
+              <a:ext uri="{FF2B5EF4-FFF2-40B4-BE49-F238E27FC236}">
+                <a16:creationId xmlns:a16="http://schemas.microsoft.com/office/drawing/2014/main" id="{85D26533-9E3F-DAC3-2CB4-D8113D9716EA}"/>
+              </a:ext>
+            </a:extLst>
+          </p:cNvPr>
+          <p:cNvSpPr>
+            <a:spLocks noGrp="1"/>
+          </p:cNvSpPr>
+          <p:nvPr>
+            <p:ph type="sldNum" sz="quarter" idx="11"/>
+          </p:nvPr>
+        </p:nvSpPr>
+        <p:spPr/>
+        <p:txBody>
+          <a:bodyPr/>
+          <a:lstStyle/>
+          <a:p>
+            <a:fld id="{B5CEABB6-07DC-46E8-9B57-56EC44A396E5}" type="slidenum">
+              <a:rPr lang="en-US" smtClean="0"/>
+              <a:pPr/>
+              <a:t>30</a:t>
+            </a:fld>
+            <a:endParaRPr lang="en-US" dirty="0"/>
+          </a:p>
+        </p:txBody>
+      </p:sp>
+      <p:pic>
+        <p:nvPicPr>
+          <p:cNvPr id="6" name="Picture 5">
+            <a:extLst>
+              <a:ext uri="{FF2B5EF4-FFF2-40B4-BE49-F238E27FC236}">
+                <a16:creationId xmlns:a16="http://schemas.microsoft.com/office/drawing/2014/main" id="{A04633B2-A3C4-D744-7CC2-DB12833B777A}"/>
+              </a:ext>
+            </a:extLst>
+          </p:cNvPr>
+          <p:cNvPicPr>
+            <a:picLocks noChangeAspect="1"/>
+          </p:cNvPicPr>
+          <p:nvPr/>
+        </p:nvPicPr>
+        <p:blipFill>
+          <a:blip r:embed="rId2"/>
+          <a:stretch>
+            <a:fillRect/>
+          </a:stretch>
+        </p:blipFill>
+        <p:spPr>
+          <a:xfrm>
+            <a:off x="0" y="1192382"/>
+            <a:ext cx="11741753" cy="5753396"/>
+          </a:xfrm>
+          <a:prstGeom prst="rect">
+            <a:avLst/>
+          </a:prstGeom>
+        </p:spPr>
+      </p:pic>
+    </p:spTree>
+    <p:extLst>
+      <p:ext uri="{BB962C8B-B14F-4D97-AF65-F5344CB8AC3E}">
+        <p14:creationId xmlns:p14="http://schemas.microsoft.com/office/powerpoint/2010/main" val="3839847918"/>
+      </p:ext>
+    </p:extLst>
+  </p:cSld>
+  <p:clrMapOvr>
+    <a:masterClrMapping/>
+  </p:clrMapOvr>
+</p:sld>
+</file>
+
+<file path=ppt/slides/slide31.xml><?xml version="1.0" encoding="utf-8"?>
+<p:sld xmlns:a="http://schemas.openxmlformats.org/drawingml/2006/main" xmlns:r="http://schemas.openxmlformats.org/officeDocument/2006/relationships" xmlns:p="http://schemas.openxmlformats.org/presentationml/2006/main">
+  <p:cSld>
+    <p:spTree>
+      <p:nvGrpSpPr>
+        <p:cNvPr id="1" name="">
+          <a:extLst>
+            <a:ext uri="{FF2B5EF4-FFF2-40B4-BE49-F238E27FC236}">
               <a16:creationId xmlns:a16="http://schemas.microsoft.com/office/drawing/2014/main" id="{92CA8C38-5AC7-A010-0B30-417610A1C614}"/>
             </a:ext>
           </a:extLst>
@@ -26248,7 +26411,7 @@
             <a:fld id="{B5CEABB6-07DC-46E8-9B57-56EC44A396E5}" type="slidenum">
               <a:rPr lang="en-US" smtClean="0"/>
               <a:pPr/>
-              <a:t>30</a:t>
+              <a:t>31</a:t>
             </a:fld>
             <a:endParaRPr lang="en-US" dirty="0"/>
           </a:p>
@@ -26297,7 +26460,7 @@
 </p:sld>
 </file>
 
-<file path=ppt/slides/slide31.xml><?xml version="1.0" encoding="utf-8"?>
+<file path=ppt/slides/slide32.xml><?xml version="1.0" encoding="utf-8"?>
 <p:sld xmlns:a="http://schemas.openxmlformats.org/drawingml/2006/main" xmlns:r="http://schemas.openxmlformats.org/officeDocument/2006/relationships" xmlns:p="http://schemas.openxmlformats.org/presentationml/2006/main">
   <p:cSld>
     <p:spTree>
@@ -26406,7 +26569,7 @@
             <a:fld id="{B5CEABB6-07DC-46E8-9B57-56EC44A396E5}" type="slidenum">
               <a:rPr lang="en-US" smtClean="0"/>
               <a:pPr/>
-              <a:t>31</a:t>
+              <a:t>32</a:t>
             </a:fld>
             <a:endParaRPr lang="en-US" dirty="0"/>
           </a:p>
@@ -26455,7 +26618,7 @@
 </p:sld>
 </file>
 
-<file path=ppt/slides/slide32.xml><?xml version="1.0" encoding="utf-8"?>
+<file path=ppt/slides/slide33.xml><?xml version="1.0" encoding="utf-8"?>
 <p:sld xmlns:a="http://schemas.openxmlformats.org/drawingml/2006/main" xmlns:r="http://schemas.openxmlformats.org/officeDocument/2006/relationships" xmlns:p="http://schemas.openxmlformats.org/presentationml/2006/main">
   <p:cSld>
     <p:spTree>
@@ -26564,7 +26727,7 @@
             <a:fld id="{B5CEABB6-07DC-46E8-9B57-56EC44A396E5}" type="slidenum">
               <a:rPr lang="en-US" smtClean="0"/>
               <a:pPr/>
-              <a:t>32</a:t>
+              <a:t>33</a:t>
             </a:fld>
             <a:endParaRPr lang="en-US" dirty="0"/>
           </a:p>
@@ -26613,7 +26776,7 @@
 </p:sld>
 </file>
 
-<file path=ppt/slides/slide33.xml><?xml version="1.0" encoding="utf-8"?>
+<file path=ppt/slides/slide34.xml><?xml version="1.0" encoding="utf-8"?>
 <p:sld xmlns:a="http://schemas.openxmlformats.org/drawingml/2006/main" xmlns:r="http://schemas.openxmlformats.org/officeDocument/2006/relationships" xmlns:p="http://schemas.openxmlformats.org/presentationml/2006/main">
   <p:cSld>
     <p:spTree>
@@ -26722,7 +26885,7 @@
             <a:fld id="{B5CEABB6-07DC-46E8-9B57-56EC44A396E5}" type="slidenum">
               <a:rPr lang="en-US" smtClean="0"/>
               <a:pPr/>
-              <a:t>33</a:t>
+              <a:t>34</a:t>
             </a:fld>
             <a:endParaRPr lang="en-US" dirty="0"/>
           </a:p>
@@ -26771,7 +26934,7 @@
 </p:sld>
 </file>
 
-<file path=ppt/slides/slide34.xml><?xml version="1.0" encoding="utf-8"?>
+<file path=ppt/slides/slide35.xml><?xml version="1.0" encoding="utf-8"?>
 <p:sld xmlns:a="http://schemas.openxmlformats.org/drawingml/2006/main" xmlns:r="http://schemas.openxmlformats.org/officeDocument/2006/relationships" xmlns:p="http://schemas.openxmlformats.org/presentationml/2006/main">
   <p:cSld>
     <p:spTree>
@@ -26888,7 +27051,7 @@
             <a:fld id="{B5CEABB6-07DC-46E8-9B57-56EC44A396E5}" type="slidenum">
               <a:rPr lang="en-US" smtClean="0"/>
               <a:pPr/>
-              <a:t>34</a:t>
+              <a:t>35</a:t>
             </a:fld>
             <a:endParaRPr lang="en-US" dirty="0"/>
           </a:p>
@@ -26937,7 +27100,7 @@
 </p:sld>
 </file>
 
-<file path=ppt/slides/slide35.xml><?xml version="1.0" encoding="utf-8"?>
+<file path=ppt/slides/slide36.xml><?xml version="1.0" encoding="utf-8"?>
 <p:sld xmlns:a="http://schemas.openxmlformats.org/drawingml/2006/main" xmlns:r="http://schemas.openxmlformats.org/officeDocument/2006/relationships" xmlns:p="http://schemas.openxmlformats.org/presentationml/2006/main">
   <p:cSld>
     <p:spTree>
@@ -27077,7 +27240,7 @@
             <a:fld id="{B5CEABB6-07DC-46E8-9B57-56EC44A396E5}" type="slidenum">
               <a:rPr lang="en-US" smtClean="0"/>
               <a:pPr/>
-              <a:t>35</a:t>
+              <a:t>36</a:t>
             </a:fld>
             <a:endParaRPr lang="en-US" dirty="0"/>
           </a:p>
@@ -27096,7 +27259,7 @@
 </p:sld>
 </file>
 
-<file path=ppt/slides/slide36.xml><?xml version="1.0" encoding="utf-8"?>
+<file path=ppt/slides/slide37.xml><?xml version="1.0" encoding="utf-8"?>
 <p:sld xmlns:a="http://schemas.openxmlformats.org/drawingml/2006/main" xmlns:r="http://schemas.openxmlformats.org/officeDocument/2006/relationships" xmlns:p="http://schemas.openxmlformats.org/presentationml/2006/main">
   <p:cSld>
     <p:spTree>
@@ -27459,7 +27622,7 @@
             <a:fld id="{B5CEABB6-07DC-46E8-9B57-56EC44A396E5}" type="slidenum">
               <a:rPr lang="en-US" smtClean="0"/>
               <a:pPr/>
-              <a:t>36</a:t>
+              <a:t>37</a:t>
             </a:fld>
             <a:endParaRPr lang="en-US" dirty="0"/>
           </a:p>
@@ -27478,7 +27641,7 @@
 </p:sld>
 </file>
 
-<file path=ppt/slides/slide37.xml><?xml version="1.0" encoding="utf-8"?>
+<file path=ppt/slides/slide38.xml><?xml version="1.0" encoding="utf-8"?>
 <p:sld xmlns:a="http://schemas.openxmlformats.org/drawingml/2006/main" xmlns:r="http://schemas.openxmlformats.org/officeDocument/2006/relationships" xmlns:p="http://schemas.openxmlformats.org/presentationml/2006/main">
   <p:cSld>
     <p:spTree>
@@ -27616,7 +27779,7 @@
             <a:fld id="{B5CEABB6-07DC-46E8-9B57-56EC44A396E5}" type="slidenum">
               <a:rPr lang="en-US" smtClean="0"/>
               <a:pPr/>
-              <a:t>37</a:t>
+              <a:t>38</a:t>
             </a:fld>
             <a:endParaRPr lang="en-US" dirty="0"/>
           </a:p>
@@ -27635,7 +27798,7 @@
 </p:sld>
 </file>
 
-<file path=ppt/slides/slide38.xml><?xml version="1.0" encoding="utf-8"?>
+<file path=ppt/slides/slide39.xml><?xml version="1.0" encoding="utf-8"?>
 <p:sld xmlns:a="http://schemas.openxmlformats.org/drawingml/2006/main" xmlns:r="http://schemas.openxmlformats.org/officeDocument/2006/relationships" xmlns:p="http://schemas.openxmlformats.org/presentationml/2006/main">
   <p:cSld>
     <p:spTree>
@@ -30132,15 +30295,6 @@
 </file>
 
 <file path=customXml/item1.xml><?xml version="1.0" encoding="utf-8"?>
-<?mso-contentType ?>
-<FormTemplates xmlns="http://schemas.microsoft.com/sharepoint/v3/contenttype/forms">
-  <Display>DocumentLibraryForm</Display>
-  <Edit>DocumentLibraryForm</Edit>
-  <New>DocumentLibraryForm</New>
-</FormTemplates>
-</file>
-
-<file path=customXml/item2.xml><?xml version="1.0" encoding="utf-8"?>
 <p:properties xmlns:p="http://schemas.microsoft.com/office/2006/metadata/properties" xmlns:xsi="http://www.w3.org/2001/XMLSchema-instance" xmlns:pc="http://schemas.microsoft.com/office/infopath/2007/PartnerControls">
   <documentManagement>
     <_ip_UnifiedCompliancePolicyUIAction xmlns="http://schemas.microsoft.com/sharepoint/v3" xsi:nil="true"/>
@@ -30160,7 +30314,7 @@
 </p:properties>
 </file>
 
-<file path=customXml/item3.xml><?xml version="1.0" encoding="utf-8"?>
+<file path=customXml/item2.xml><?xml version="1.0" encoding="utf-8"?>
 <ct:contentTypeSchema xmlns:ct="http://schemas.microsoft.com/office/2006/metadata/contentType" xmlns:ma="http://schemas.microsoft.com/office/2006/metadata/properties/metaAttributes" ct:_="" ma:_="" ma:contentTypeName="Document" ma:contentTypeID="0x01010079F111ED35F8CC479449609E8A0923A6" ma:contentTypeVersion="24" ma:contentTypeDescription="Create a new document." ma:contentTypeScope="" ma:versionID="2d714a3296df14eba7a100bb665443ca">
   <xsd:schema xmlns:xsd="http://www.w3.org/2001/XMLSchema" xmlns:xs="http://www.w3.org/2001/XMLSchema" xmlns:p="http://schemas.microsoft.com/office/2006/metadata/properties" xmlns:ns1="http://schemas.microsoft.com/sharepoint/v3" xmlns:ns2="71af3243-3dd4-4a8d-8c0d-dd76da1f02a5" xmlns:ns3="16c05727-aa75-4e4a-9b5f-8a80a1165891" xmlns:ns4="230e9df3-be65-4c73-a93b-d1236ebd677e" targetNamespace="http://schemas.microsoft.com/office/2006/metadata/properties" ma:root="true" ma:fieldsID="49549bf45bfbbfb6cffed527380e77e1" ns1:_="" ns2:_="" ns3:_="" ns4:_="">
     <xsd:import namespace="http://schemas.microsoft.com/sharepoint/v3"/>
@@ -30448,15 +30602,16 @@
 </ct:contentTypeSchema>
 </file>
 
-<file path=customXml/itemProps1.xml><?xml version="1.0" encoding="utf-8"?>
-<ds:datastoreItem xmlns:ds="http://schemas.openxmlformats.org/officeDocument/2006/customXml" ds:itemID="{F37CE065-66B7-4F0E-946A-AB3C0E53962A}">
-  <ds:schemaRefs>
-    <ds:schemaRef ds:uri="http://schemas.microsoft.com/sharepoint/v3/contenttype/forms"/>
-  </ds:schemaRefs>
-</ds:datastoreItem>
+<file path=customXml/item3.xml><?xml version="1.0" encoding="utf-8"?>
+<?mso-contentType ?>
+<FormTemplates xmlns="http://schemas.microsoft.com/sharepoint/v3/contenttype/forms">
+  <Display>DocumentLibraryForm</Display>
+  <Edit>DocumentLibraryForm</Edit>
+  <New>DocumentLibraryForm</New>
+</FormTemplates>
 </file>
 
-<file path=customXml/itemProps2.xml><?xml version="1.0" encoding="utf-8"?>
+<file path=customXml/itemProps1.xml><?xml version="1.0" encoding="utf-8"?>
 <ds:datastoreItem xmlns:ds="http://schemas.openxmlformats.org/officeDocument/2006/customXml" ds:itemID="{AF229B82-2C15-48C7-81C4-60933CA1C9E6}">
   <ds:schemaRefs>
     <ds:schemaRef ds:uri="http://schemas.microsoft.com/office/2006/metadata/properties"/>
@@ -30468,7 +30623,7 @@
 </ds:datastoreItem>
 </file>
 
-<file path=customXml/itemProps3.xml><?xml version="1.0" encoding="utf-8"?>
+<file path=customXml/itemProps2.xml><?xml version="1.0" encoding="utf-8"?>
 <ds:datastoreItem xmlns:ds="http://schemas.openxmlformats.org/officeDocument/2006/customXml" ds:itemID="{03775E1D-CEA1-47AF-BBAA-C0FEE5CAA533}">
   <ds:schemaRefs>
     <ds:schemaRef ds:uri="http://schemas.microsoft.com/office/2006/metadata/contentType"/>
@@ -30489,6 +30644,14 @@
 </ds:datastoreItem>
 </file>
 
+<file path=customXml/itemProps3.xml><?xml version="1.0" encoding="utf-8"?>
+<ds:datastoreItem xmlns:ds="http://schemas.openxmlformats.org/officeDocument/2006/customXml" ds:itemID="{F37CE065-66B7-4F0E-946A-AB3C0E53962A}">
+  <ds:schemaRefs>
+    <ds:schemaRef ds:uri="http://schemas.microsoft.com/sharepoint/v3/contenttype/forms"/>
+  </ds:schemaRefs>
+</ds:datastoreItem>
+</file>
+
 <file path=docMetadata/LabelInfo.xml><?xml version="1.0" encoding="utf-8"?>
 <clbl:labelList xmlns:clbl="http://schemas.microsoft.com/office/2020/mipLabelMetadata"/>
 </file>
--- a/Project/Project0.pptx
+++ b/Project/Project0.pptx
@@ -13384,7 +13384,7 @@
           <a:p>
             <a:fld id="{31A62055-8DBD-6042-92AC-66DE479F90DE}" type="datetimeFigureOut">
               <a:rPr lang="en-US" smtClean="0"/>
-              <a:t>2/8/2024</a:t>
+              <a:t>2/9/2024</a:t>
             </a:fld>
             <a:endParaRPr lang="en-US" dirty="0"/>
           </a:p>
@@ -13561,7 +13561,7 @@
           <a:p>
             <a:fld id="{7FFEE50A-AB77-49BE-9076-23C4C8D08BB2}" type="datetimeFigureOut">
               <a:rPr lang="en-US" smtClean="0"/>
-              <a:t>2/8/2024</a:t>
+              <a:t>2/9/2024</a:t>
             </a:fld>
             <a:endParaRPr lang="en-US" dirty="0"/>
           </a:p>
@@ -28843,15 +28843,7 @@
           <a:p>
             <a:r>
               <a:rPr lang="en-US" dirty="0"/>
-              <a:t>Is there any correlation between lunch plans and test averages? How about any correlation between test averages and </a:t>
-            </a:r>
-            <a:r>
-              <a:rPr lang="en-US" dirty="0" err="1"/>
-              <a:t>parental_level_education</a:t>
-            </a:r>
-            <a:r>
-              <a:rPr lang="en-US" dirty="0"/>
-              <a:t>?</a:t>
+              <a:t>Do Gender and subject have any relations to test score averages?</a:t>
             </a:r>
           </a:p>
           <a:p>
@@ -29335,7 +29327,7 @@
           <a:p>
             <a:r>
               <a:rPr lang="en-US" dirty="0"/>
-              <a:t>Students have a one-to-many relationship with exams and its results. They also have a many-to-many relationship with subjects. </a:t>
+              <a:t>Students have a one-to-many relationship with exams and its results. </a:t>
             </a:r>
           </a:p>
         </p:txBody>
@@ -30295,26 +30287,6 @@
 </file>
 
 <file path=customXml/item1.xml><?xml version="1.0" encoding="utf-8"?>
-<p:properties xmlns:p="http://schemas.microsoft.com/office/2006/metadata/properties" xmlns:xsi="http://www.w3.org/2001/XMLSchema-instance" xmlns:pc="http://schemas.microsoft.com/office/infopath/2007/PartnerControls">
-  <documentManagement>
-    <_ip_UnifiedCompliancePolicyUIAction xmlns="http://schemas.microsoft.com/sharepoint/v3" xsi:nil="true"/>
-    <Image xmlns="71af3243-3dd4-4a8d-8c0d-dd76da1f02a5">
-      <Url xsi:nil="true"/>
-      <Description xsi:nil="true"/>
-    </Image>
-    <Status xmlns="71af3243-3dd4-4a8d-8c0d-dd76da1f02a5">Not started</Status>
-    <Background xmlns="71af3243-3dd4-4a8d-8c0d-dd76da1f02a5">false</Background>
-    <_ip_UnifiedCompliancePolicyProperties xmlns="http://schemas.microsoft.com/sharepoint/v3" xsi:nil="true"/>
-    <ImageTagsTaxHTField xmlns="71af3243-3dd4-4a8d-8c0d-dd76da1f02a5">
-      <Terms xmlns="http://schemas.microsoft.com/office/infopath/2007/PartnerControls"/>
-    </ImageTagsTaxHTField>
-    <TaxCatchAll xmlns="230e9df3-be65-4c73-a93b-d1236ebd677e" xsi:nil="true"/>
-    <MediaServiceKeyPoints xmlns="71af3243-3dd4-4a8d-8c0d-dd76da1f02a5" xsi:nil="true"/>
-  </documentManagement>
-</p:properties>
-</file>
-
-<file path=customXml/item2.xml><?xml version="1.0" encoding="utf-8"?>
 <ct:contentTypeSchema xmlns:ct="http://schemas.microsoft.com/office/2006/metadata/contentType" xmlns:ma="http://schemas.microsoft.com/office/2006/metadata/properties/metaAttributes" ct:_="" ma:_="" ma:contentTypeName="Document" ma:contentTypeID="0x01010079F111ED35F8CC479449609E8A0923A6" ma:contentTypeVersion="24" ma:contentTypeDescription="Create a new document." ma:contentTypeScope="" ma:versionID="2d714a3296df14eba7a100bb665443ca">
   <xsd:schema xmlns:xsd="http://www.w3.org/2001/XMLSchema" xmlns:xs="http://www.w3.org/2001/XMLSchema" xmlns:p="http://schemas.microsoft.com/office/2006/metadata/properties" xmlns:ns1="http://schemas.microsoft.com/sharepoint/v3" xmlns:ns2="71af3243-3dd4-4a8d-8c0d-dd76da1f02a5" xmlns:ns3="16c05727-aa75-4e4a-9b5f-8a80a1165891" xmlns:ns4="230e9df3-be65-4c73-a93b-d1236ebd677e" targetNamespace="http://schemas.microsoft.com/office/2006/metadata/properties" ma:root="true" ma:fieldsID="49549bf45bfbbfb6cffed527380e77e1" ns1:_="" ns2:_="" ns3:_="" ns4:_="">
     <xsd:import namespace="http://schemas.microsoft.com/sharepoint/v3"/>
@@ -30602,7 +30574,7 @@
 </ct:contentTypeSchema>
 </file>
 
-<file path=customXml/item3.xml><?xml version="1.0" encoding="utf-8"?>
+<file path=customXml/item2.xml><?xml version="1.0" encoding="utf-8"?>
 <?mso-contentType ?>
 <FormTemplates xmlns="http://schemas.microsoft.com/sharepoint/v3/contenttype/forms">
   <Display>DocumentLibraryForm</Display>
@@ -30611,19 +30583,27 @@
 </FormTemplates>
 </file>
 
-<file path=customXml/itemProps1.xml><?xml version="1.0" encoding="utf-8"?>
-<ds:datastoreItem xmlns:ds="http://schemas.openxmlformats.org/officeDocument/2006/customXml" ds:itemID="{AF229B82-2C15-48C7-81C4-60933CA1C9E6}">
-  <ds:schemaRefs>
-    <ds:schemaRef ds:uri="http://schemas.microsoft.com/office/2006/metadata/properties"/>
-    <ds:schemaRef ds:uri="http://schemas.microsoft.com/office/infopath/2007/PartnerControls"/>
-    <ds:schemaRef ds:uri="http://schemas.microsoft.com/sharepoint/v3"/>
-    <ds:schemaRef ds:uri="71af3243-3dd4-4a8d-8c0d-dd76da1f02a5"/>
-    <ds:schemaRef ds:uri="230e9df3-be65-4c73-a93b-d1236ebd677e"/>
-  </ds:schemaRefs>
-</ds:datastoreItem>
+<file path=customXml/item3.xml><?xml version="1.0" encoding="utf-8"?>
+<p:properties xmlns:p="http://schemas.microsoft.com/office/2006/metadata/properties" xmlns:xsi="http://www.w3.org/2001/XMLSchema-instance" xmlns:pc="http://schemas.microsoft.com/office/infopath/2007/PartnerControls">
+  <documentManagement>
+    <_ip_UnifiedCompliancePolicyUIAction xmlns="http://schemas.microsoft.com/sharepoint/v3" xsi:nil="true"/>
+    <Image xmlns="71af3243-3dd4-4a8d-8c0d-dd76da1f02a5">
+      <Url xsi:nil="true"/>
+      <Description xsi:nil="true"/>
+    </Image>
+    <Status xmlns="71af3243-3dd4-4a8d-8c0d-dd76da1f02a5">Not started</Status>
+    <Background xmlns="71af3243-3dd4-4a8d-8c0d-dd76da1f02a5">false</Background>
+    <_ip_UnifiedCompliancePolicyProperties xmlns="http://schemas.microsoft.com/sharepoint/v3" xsi:nil="true"/>
+    <ImageTagsTaxHTField xmlns="71af3243-3dd4-4a8d-8c0d-dd76da1f02a5">
+      <Terms xmlns="http://schemas.microsoft.com/office/infopath/2007/PartnerControls"/>
+    </ImageTagsTaxHTField>
+    <TaxCatchAll xmlns="230e9df3-be65-4c73-a93b-d1236ebd677e" xsi:nil="true"/>
+    <MediaServiceKeyPoints xmlns="71af3243-3dd4-4a8d-8c0d-dd76da1f02a5" xsi:nil="true"/>
+  </documentManagement>
+</p:properties>
 </file>
 
-<file path=customXml/itemProps2.xml><?xml version="1.0" encoding="utf-8"?>
+<file path=customXml/itemProps1.xml><?xml version="1.0" encoding="utf-8"?>
 <ds:datastoreItem xmlns:ds="http://schemas.openxmlformats.org/officeDocument/2006/customXml" ds:itemID="{03775E1D-CEA1-47AF-BBAA-C0FEE5CAA533}">
   <ds:schemaRefs>
     <ds:schemaRef ds:uri="http://schemas.microsoft.com/office/2006/metadata/contentType"/>
@@ -30644,7 +30624,7 @@
 </ds:datastoreItem>
 </file>
 
-<file path=customXml/itemProps3.xml><?xml version="1.0" encoding="utf-8"?>
+<file path=customXml/itemProps2.xml><?xml version="1.0" encoding="utf-8"?>
 <ds:datastoreItem xmlns:ds="http://schemas.openxmlformats.org/officeDocument/2006/customXml" ds:itemID="{F37CE065-66B7-4F0E-946A-AB3C0E53962A}">
   <ds:schemaRefs>
     <ds:schemaRef ds:uri="http://schemas.microsoft.com/sharepoint/v3/contenttype/forms"/>
@@ -30652,6 +30632,18 @@
 </ds:datastoreItem>
 </file>
 
+<file path=customXml/itemProps3.xml><?xml version="1.0" encoding="utf-8"?>
+<ds:datastoreItem xmlns:ds="http://schemas.openxmlformats.org/officeDocument/2006/customXml" ds:itemID="{AF229B82-2C15-48C7-81C4-60933CA1C9E6}">
+  <ds:schemaRefs>
+    <ds:schemaRef ds:uri="http://schemas.microsoft.com/office/2006/metadata/properties"/>
+    <ds:schemaRef ds:uri="http://schemas.microsoft.com/office/infopath/2007/PartnerControls"/>
+    <ds:schemaRef ds:uri="http://schemas.microsoft.com/sharepoint/v3"/>
+    <ds:schemaRef ds:uri="71af3243-3dd4-4a8d-8c0d-dd76da1f02a5"/>
+    <ds:schemaRef ds:uri="230e9df3-be65-4c73-a93b-d1236ebd677e"/>
+  </ds:schemaRefs>
+</ds:datastoreItem>
+</file>
+
 <file path=docMetadata/LabelInfo.xml><?xml version="1.0" encoding="utf-8"?>
 <clbl:labelList xmlns:clbl="http://schemas.microsoft.com/office/2020/mipLabelMetadata"/>
 </file>